--- a/耶和華是我牧者.pptx
+++ b/耶和華是我牧者.pptx
@@ -2,17 +2,14 @@
 <file path=ppt/presentation.xml><?xml version="1.0" encoding="utf-8"?>
 <p:presentation xmlns:a="http://schemas.openxmlformats.org/drawingml/2006/main" xmlns:r="http://schemas.openxmlformats.org/officeDocument/2006/relationships" xmlns:p="http://schemas.openxmlformats.org/presentationml/2006/main" saveSubsetFonts="1">
   <p:sldMasterIdLst>
-    <p:sldMasterId id="2147483648" r:id="rId1"/>
+    <p:sldMasterId id="2147483660" r:id="rId1"/>
   </p:sldMasterIdLst>
   <p:sldIdLst>
-    <p:sldId id="257" r:id="rId2"/>
-    <p:sldId id="258" r:id="rId3"/>
-    <p:sldId id="259" r:id="rId4"/>
-    <p:sldId id="260" r:id="rId5"/>
-    <p:sldId id="261" r:id="rId6"/>
-    <p:sldId id="262" r:id="rId7"/>
+    <p:sldId id="256" r:id="rId2"/>
+    <p:sldId id="257" r:id="rId3"/>
+    <p:sldId id="258" r:id="rId4"/>
   </p:sldIdLst>
-  <p:sldSz cx="9144000" cy="6858000" type="screen4x3"/>
+  <p:sldSz cx="9144000" cy="5143500" type="screen16x9"/>
   <p:notesSz cx="6858000" cy="9144000"/>
   <p:defaultTextStyle>
     <a:defPPr>
@@ -141,8 +138,8 @@
         </p:nvSpPr>
         <p:spPr>
           <a:xfrm>
-            <a:off x="685800" y="2130425"/>
-            <a:ext cx="7772400" cy="1470025"/>
+            <a:off x="685800" y="1597819"/>
+            <a:ext cx="7772400" cy="1102519"/>
           </a:xfrm>
         </p:spPr>
         <p:txBody>
@@ -150,8 +147,8 @@
           <a:lstStyle/>
           <a:p>
             <a:r>
-              <a:rPr lang="zh-TW" altLang="en-US" smtClean="0"/>
-              <a:t>按一下以編輯母片標題樣式</a:t>
+              <a:rPr lang="en-US" altLang="zh-TW" smtClean="0"/>
+              <a:t>Click to edit Master title style</a:t>
             </a:r>
             <a:endParaRPr lang="zh-TW" altLang="en-US"/>
           </a:p>
@@ -169,8 +166,8 @@
         </p:nvSpPr>
         <p:spPr>
           <a:xfrm>
-            <a:off x="1371600" y="3886200"/>
-            <a:ext cx="6400800" cy="1752600"/>
+            <a:off x="1371600" y="2914650"/>
+            <a:ext cx="6400800" cy="1314450"/>
           </a:xfrm>
         </p:spPr>
         <p:txBody>
@@ -269,8 +266,8 @@
           </a:lstStyle>
           <a:p>
             <a:r>
-              <a:rPr lang="zh-TW" altLang="en-US" smtClean="0"/>
-              <a:t>按一下以編輯母片副標題樣式</a:t>
+              <a:rPr lang="en-US" altLang="zh-TW" smtClean="0"/>
+              <a:t>Click to edit Master subtitle style</a:t>
             </a:r>
             <a:endParaRPr lang="zh-TW" altLang="en-US"/>
           </a:p>
@@ -293,7 +290,7 @@
           <a:p>
             <a:fld id="{6FBB1E1C-ED46-47E4-98BF-8279883B3BB1}" type="datetimeFigureOut">
               <a:rPr lang="zh-TW" altLang="en-US" smtClean="0"/>
-              <a:t>2018/6/26</a:t>
+              <a:t>2019/9/28</a:t>
             </a:fld>
             <a:endParaRPr lang="zh-TW" altLang="en-US"/>
           </a:p>
@@ -382,8 +379,8 @@
           <a:lstStyle/>
           <a:p>
             <a:r>
-              <a:rPr lang="zh-TW" altLang="en-US" smtClean="0"/>
-              <a:t>按一下以編輯母片標題樣式</a:t>
+              <a:rPr lang="en-US" altLang="zh-TW" smtClean="0"/>
+              <a:t>Click to edit Master title style</a:t>
             </a:r>
             <a:endParaRPr lang="zh-TW" altLang="en-US"/>
           </a:p>
@@ -406,36 +403,36 @@
           <a:p>
             <a:pPr lvl="0"/>
             <a:r>
-              <a:rPr lang="zh-TW" altLang="en-US" smtClean="0"/>
-              <a:t>按一下以編輯母片文字樣式</a:t>
+              <a:rPr lang="en-US" altLang="zh-TW" smtClean="0"/>
+              <a:t>Click to edit Master text styles</a:t>
             </a:r>
           </a:p>
           <a:p>
             <a:pPr lvl="1"/>
             <a:r>
-              <a:rPr lang="zh-TW" altLang="en-US" smtClean="0"/>
-              <a:t>第二層</a:t>
+              <a:rPr lang="en-US" altLang="zh-TW" smtClean="0"/>
+              <a:t>Second level</a:t>
             </a:r>
           </a:p>
           <a:p>
             <a:pPr lvl="2"/>
             <a:r>
-              <a:rPr lang="zh-TW" altLang="en-US" smtClean="0"/>
-              <a:t>第三層</a:t>
+              <a:rPr lang="en-US" altLang="zh-TW" smtClean="0"/>
+              <a:t>Third level</a:t>
             </a:r>
           </a:p>
           <a:p>
             <a:pPr lvl="3"/>
             <a:r>
-              <a:rPr lang="zh-TW" altLang="en-US" smtClean="0"/>
-              <a:t>第四層</a:t>
+              <a:rPr lang="en-US" altLang="zh-TW" smtClean="0"/>
+              <a:t>Fourth level</a:t>
             </a:r>
           </a:p>
           <a:p>
             <a:pPr lvl="4"/>
             <a:r>
-              <a:rPr lang="zh-TW" altLang="en-US" smtClean="0"/>
-              <a:t>第五層</a:t>
+              <a:rPr lang="en-US" altLang="zh-TW" smtClean="0"/>
+              <a:t>Fifth level</a:t>
             </a:r>
             <a:endParaRPr lang="zh-TW" altLang="en-US"/>
           </a:p>
@@ -458,7 +455,7 @@
           <a:p>
             <a:fld id="{6FBB1E1C-ED46-47E4-98BF-8279883B3BB1}" type="datetimeFigureOut">
               <a:rPr lang="zh-TW" altLang="en-US" smtClean="0"/>
-              <a:t>2018/6/26</a:t>
+              <a:t>2019/9/28</a:t>
             </a:fld>
             <a:endParaRPr lang="zh-TW" altLang="en-US"/>
           </a:p>
@@ -543,8 +540,8 @@
         </p:nvSpPr>
         <p:spPr>
           <a:xfrm>
-            <a:off x="6629400" y="274638"/>
-            <a:ext cx="2057400" cy="5851525"/>
+            <a:off x="6629400" y="205979"/>
+            <a:ext cx="2057400" cy="4388644"/>
           </a:xfrm>
         </p:spPr>
         <p:txBody>
@@ -552,8 +549,8 @@
           <a:lstStyle/>
           <a:p>
             <a:r>
-              <a:rPr lang="zh-TW" altLang="en-US" smtClean="0"/>
-              <a:t>按一下以編輯母片標題樣式</a:t>
+              <a:rPr lang="en-US" altLang="zh-TW" smtClean="0"/>
+              <a:t>Click to edit Master title style</a:t>
             </a:r>
             <a:endParaRPr lang="zh-TW" altLang="en-US"/>
           </a:p>
@@ -571,8 +568,8 @@
         </p:nvSpPr>
         <p:spPr>
           <a:xfrm>
-            <a:off x="457200" y="274638"/>
-            <a:ext cx="6019800" cy="5851525"/>
+            <a:off x="457200" y="205979"/>
+            <a:ext cx="6019800" cy="4388644"/>
           </a:xfrm>
         </p:spPr>
         <p:txBody>
@@ -581,36 +578,36 @@
           <a:p>
             <a:pPr lvl="0"/>
             <a:r>
-              <a:rPr lang="zh-TW" altLang="en-US" smtClean="0"/>
-              <a:t>按一下以編輯母片文字樣式</a:t>
+              <a:rPr lang="en-US" altLang="zh-TW" smtClean="0"/>
+              <a:t>Click to edit Master text styles</a:t>
             </a:r>
           </a:p>
           <a:p>
             <a:pPr lvl="1"/>
             <a:r>
-              <a:rPr lang="zh-TW" altLang="en-US" smtClean="0"/>
-              <a:t>第二層</a:t>
+              <a:rPr lang="en-US" altLang="zh-TW" smtClean="0"/>
+              <a:t>Second level</a:t>
             </a:r>
           </a:p>
           <a:p>
             <a:pPr lvl="2"/>
             <a:r>
-              <a:rPr lang="zh-TW" altLang="en-US" smtClean="0"/>
-              <a:t>第三層</a:t>
+              <a:rPr lang="en-US" altLang="zh-TW" smtClean="0"/>
+              <a:t>Third level</a:t>
             </a:r>
           </a:p>
           <a:p>
             <a:pPr lvl="3"/>
             <a:r>
-              <a:rPr lang="zh-TW" altLang="en-US" smtClean="0"/>
-              <a:t>第四層</a:t>
+              <a:rPr lang="en-US" altLang="zh-TW" smtClean="0"/>
+              <a:t>Fourth level</a:t>
             </a:r>
           </a:p>
           <a:p>
             <a:pPr lvl="4"/>
             <a:r>
-              <a:rPr lang="zh-TW" altLang="en-US" smtClean="0"/>
-              <a:t>第五層</a:t>
+              <a:rPr lang="en-US" altLang="zh-TW" smtClean="0"/>
+              <a:t>Fifth level</a:t>
             </a:r>
             <a:endParaRPr lang="zh-TW" altLang="en-US"/>
           </a:p>
@@ -633,7 +630,7 @@
           <a:p>
             <a:fld id="{6FBB1E1C-ED46-47E4-98BF-8279883B3BB1}" type="datetimeFigureOut">
               <a:rPr lang="zh-TW" altLang="en-US" smtClean="0"/>
-              <a:t>2018/6/26</a:t>
+              <a:t>2019/9/28</a:t>
             </a:fld>
             <a:endParaRPr lang="zh-TW" altLang="en-US"/>
           </a:p>
@@ -722,8 +719,8 @@
           <a:lstStyle/>
           <a:p>
             <a:r>
-              <a:rPr lang="zh-TW" altLang="en-US" smtClean="0"/>
-              <a:t>按一下以編輯母片標題樣式</a:t>
+              <a:rPr lang="en-US" altLang="zh-TW" smtClean="0"/>
+              <a:t>Click to edit Master title style</a:t>
             </a:r>
             <a:endParaRPr lang="zh-TW" altLang="en-US"/>
           </a:p>
@@ -746,36 +743,36 @@
           <a:p>
             <a:pPr lvl="0"/>
             <a:r>
-              <a:rPr lang="zh-TW" altLang="en-US" smtClean="0"/>
-              <a:t>按一下以編輯母片文字樣式</a:t>
+              <a:rPr lang="en-US" altLang="zh-TW" smtClean="0"/>
+              <a:t>Click to edit Master text styles</a:t>
             </a:r>
           </a:p>
           <a:p>
             <a:pPr lvl="1"/>
             <a:r>
-              <a:rPr lang="zh-TW" altLang="en-US" smtClean="0"/>
-              <a:t>第二層</a:t>
+              <a:rPr lang="en-US" altLang="zh-TW" smtClean="0"/>
+              <a:t>Second level</a:t>
             </a:r>
           </a:p>
           <a:p>
             <a:pPr lvl="2"/>
             <a:r>
-              <a:rPr lang="zh-TW" altLang="en-US" smtClean="0"/>
-              <a:t>第三層</a:t>
+              <a:rPr lang="en-US" altLang="zh-TW" smtClean="0"/>
+              <a:t>Third level</a:t>
             </a:r>
           </a:p>
           <a:p>
             <a:pPr lvl="3"/>
             <a:r>
-              <a:rPr lang="zh-TW" altLang="en-US" smtClean="0"/>
-              <a:t>第四層</a:t>
+              <a:rPr lang="en-US" altLang="zh-TW" smtClean="0"/>
+              <a:t>Fourth level</a:t>
             </a:r>
           </a:p>
           <a:p>
             <a:pPr lvl="4"/>
             <a:r>
-              <a:rPr lang="zh-TW" altLang="en-US" smtClean="0"/>
-              <a:t>第五層</a:t>
+              <a:rPr lang="en-US" altLang="zh-TW" smtClean="0"/>
+              <a:t>Fifth level</a:t>
             </a:r>
             <a:endParaRPr lang="zh-TW" altLang="en-US"/>
           </a:p>
@@ -798,7 +795,7 @@
           <a:p>
             <a:fld id="{6FBB1E1C-ED46-47E4-98BF-8279883B3BB1}" type="datetimeFigureOut">
               <a:rPr lang="zh-TW" altLang="en-US" smtClean="0"/>
-              <a:t>2018/6/26</a:t>
+              <a:t>2019/9/28</a:t>
             </a:fld>
             <a:endParaRPr lang="zh-TW" altLang="en-US"/>
           </a:p>
@@ -883,8 +880,8 @@
         </p:nvSpPr>
         <p:spPr>
           <a:xfrm>
-            <a:off x="722313" y="4406900"/>
-            <a:ext cx="7772400" cy="1362075"/>
+            <a:off x="722313" y="3305176"/>
+            <a:ext cx="7772400" cy="1021556"/>
           </a:xfrm>
         </p:spPr>
         <p:txBody>
@@ -896,8 +893,8 @@
           </a:lstStyle>
           <a:p>
             <a:r>
-              <a:rPr lang="zh-TW" altLang="en-US" smtClean="0"/>
-              <a:t>按一下以編輯母片標題樣式</a:t>
+              <a:rPr lang="en-US" altLang="zh-TW" smtClean="0"/>
+              <a:t>Click to edit Master title style</a:t>
             </a:r>
             <a:endParaRPr lang="zh-TW" altLang="en-US"/>
           </a:p>
@@ -915,8 +912,8 @@
         </p:nvSpPr>
         <p:spPr>
           <a:xfrm>
-            <a:off x="722313" y="2906713"/>
-            <a:ext cx="7772400" cy="1500187"/>
+            <a:off x="722313" y="2180035"/>
+            <a:ext cx="7772400" cy="1125140"/>
           </a:xfrm>
         </p:spPr>
         <p:txBody>
@@ -1016,8 +1013,8 @@
           <a:p>
             <a:pPr lvl="0"/>
             <a:r>
-              <a:rPr lang="zh-TW" altLang="en-US" smtClean="0"/>
-              <a:t>按一下以編輯母片文字樣式</a:t>
+              <a:rPr lang="en-US" altLang="zh-TW" smtClean="0"/>
+              <a:t>Click to edit Master text styles</a:t>
             </a:r>
           </a:p>
         </p:txBody>
@@ -1039,7 +1036,7 @@
           <a:p>
             <a:fld id="{6FBB1E1C-ED46-47E4-98BF-8279883B3BB1}" type="datetimeFigureOut">
               <a:rPr lang="zh-TW" altLang="en-US" smtClean="0"/>
-              <a:t>2018/6/26</a:t>
+              <a:t>2019/9/28</a:t>
             </a:fld>
             <a:endParaRPr lang="zh-TW" altLang="en-US"/>
           </a:p>
@@ -1128,8 +1125,8 @@
           <a:lstStyle/>
           <a:p>
             <a:r>
-              <a:rPr lang="zh-TW" altLang="en-US" smtClean="0"/>
-              <a:t>按一下以編輯母片標題樣式</a:t>
+              <a:rPr lang="en-US" altLang="zh-TW" smtClean="0"/>
+              <a:t>Click to edit Master title style</a:t>
             </a:r>
             <a:endParaRPr lang="zh-TW" altLang="en-US"/>
           </a:p>
@@ -1147,8 +1144,8 @@
         </p:nvSpPr>
         <p:spPr>
           <a:xfrm>
-            <a:off x="457200" y="1600200"/>
-            <a:ext cx="4038600" cy="4525963"/>
+            <a:off x="457200" y="1200151"/>
+            <a:ext cx="4038600" cy="3394472"/>
           </a:xfrm>
         </p:spPr>
         <p:txBody>
@@ -1185,36 +1182,36 @@
           <a:p>
             <a:pPr lvl="0"/>
             <a:r>
-              <a:rPr lang="zh-TW" altLang="en-US" smtClean="0"/>
-              <a:t>按一下以編輯母片文字樣式</a:t>
+              <a:rPr lang="en-US" altLang="zh-TW" smtClean="0"/>
+              <a:t>Click to edit Master text styles</a:t>
             </a:r>
           </a:p>
           <a:p>
             <a:pPr lvl="1"/>
             <a:r>
-              <a:rPr lang="zh-TW" altLang="en-US" smtClean="0"/>
-              <a:t>第二層</a:t>
+              <a:rPr lang="en-US" altLang="zh-TW" smtClean="0"/>
+              <a:t>Second level</a:t>
             </a:r>
           </a:p>
           <a:p>
             <a:pPr lvl="2"/>
             <a:r>
-              <a:rPr lang="zh-TW" altLang="en-US" smtClean="0"/>
-              <a:t>第三層</a:t>
+              <a:rPr lang="en-US" altLang="zh-TW" smtClean="0"/>
+              <a:t>Third level</a:t>
             </a:r>
           </a:p>
           <a:p>
             <a:pPr lvl="3"/>
             <a:r>
-              <a:rPr lang="zh-TW" altLang="en-US" smtClean="0"/>
-              <a:t>第四層</a:t>
+              <a:rPr lang="en-US" altLang="zh-TW" smtClean="0"/>
+              <a:t>Fourth level</a:t>
             </a:r>
           </a:p>
           <a:p>
             <a:pPr lvl="4"/>
             <a:r>
-              <a:rPr lang="zh-TW" altLang="en-US" smtClean="0"/>
-              <a:t>第五層</a:t>
+              <a:rPr lang="en-US" altLang="zh-TW" smtClean="0"/>
+              <a:t>Fifth level</a:t>
             </a:r>
             <a:endParaRPr lang="zh-TW" altLang="en-US"/>
           </a:p>
@@ -1232,8 +1229,8 @@
         </p:nvSpPr>
         <p:spPr>
           <a:xfrm>
-            <a:off x="4648200" y="1600200"/>
-            <a:ext cx="4038600" cy="4525963"/>
+            <a:off x="4648200" y="1200151"/>
+            <a:ext cx="4038600" cy="3394472"/>
           </a:xfrm>
         </p:spPr>
         <p:txBody>
@@ -1270,36 +1267,36 @@
           <a:p>
             <a:pPr lvl="0"/>
             <a:r>
-              <a:rPr lang="zh-TW" altLang="en-US" smtClean="0"/>
-              <a:t>按一下以編輯母片文字樣式</a:t>
+              <a:rPr lang="en-US" altLang="zh-TW" smtClean="0"/>
+              <a:t>Click to edit Master text styles</a:t>
             </a:r>
           </a:p>
           <a:p>
             <a:pPr lvl="1"/>
             <a:r>
-              <a:rPr lang="zh-TW" altLang="en-US" smtClean="0"/>
-              <a:t>第二層</a:t>
+              <a:rPr lang="en-US" altLang="zh-TW" smtClean="0"/>
+              <a:t>Second level</a:t>
             </a:r>
           </a:p>
           <a:p>
             <a:pPr lvl="2"/>
             <a:r>
-              <a:rPr lang="zh-TW" altLang="en-US" smtClean="0"/>
-              <a:t>第三層</a:t>
+              <a:rPr lang="en-US" altLang="zh-TW" smtClean="0"/>
+              <a:t>Third level</a:t>
             </a:r>
           </a:p>
           <a:p>
             <a:pPr lvl="3"/>
             <a:r>
-              <a:rPr lang="zh-TW" altLang="en-US" smtClean="0"/>
-              <a:t>第四層</a:t>
+              <a:rPr lang="en-US" altLang="zh-TW" smtClean="0"/>
+              <a:t>Fourth level</a:t>
             </a:r>
           </a:p>
           <a:p>
             <a:pPr lvl="4"/>
             <a:r>
-              <a:rPr lang="zh-TW" altLang="en-US" smtClean="0"/>
-              <a:t>第五層</a:t>
+              <a:rPr lang="en-US" altLang="zh-TW" smtClean="0"/>
+              <a:t>Fifth level</a:t>
             </a:r>
             <a:endParaRPr lang="zh-TW" altLang="en-US"/>
           </a:p>
@@ -1322,7 +1319,7 @@
           <a:p>
             <a:fld id="{6FBB1E1C-ED46-47E4-98BF-8279883B3BB1}" type="datetimeFigureOut">
               <a:rPr lang="zh-TW" altLang="en-US" smtClean="0"/>
-              <a:t>2018/6/26</a:t>
+              <a:t>2019/9/28</a:t>
             </a:fld>
             <a:endParaRPr lang="zh-TW" altLang="en-US"/>
           </a:p>
@@ -1415,8 +1412,8 @@
           </a:lstStyle>
           <a:p>
             <a:r>
-              <a:rPr lang="zh-TW" altLang="en-US" smtClean="0"/>
-              <a:t>按一下以編輯母片標題樣式</a:t>
+              <a:rPr lang="en-US" altLang="zh-TW" smtClean="0"/>
+              <a:t>Click to edit Master title style</a:t>
             </a:r>
             <a:endParaRPr lang="zh-TW" altLang="en-US"/>
           </a:p>
@@ -1434,8 +1431,8 @@
         </p:nvSpPr>
         <p:spPr>
           <a:xfrm>
-            <a:off x="457200" y="1535113"/>
-            <a:ext cx="4040188" cy="639762"/>
+            <a:off x="457200" y="1151335"/>
+            <a:ext cx="4040188" cy="479822"/>
           </a:xfrm>
         </p:spPr>
         <p:txBody>
@@ -1481,8 +1478,8 @@
           <a:p>
             <a:pPr lvl="0"/>
             <a:r>
-              <a:rPr lang="zh-TW" altLang="en-US" smtClean="0"/>
-              <a:t>按一下以編輯母片文字樣式</a:t>
+              <a:rPr lang="en-US" altLang="zh-TW" smtClean="0"/>
+              <a:t>Click to edit Master text styles</a:t>
             </a:r>
           </a:p>
         </p:txBody>
@@ -1499,8 +1496,8 @@
         </p:nvSpPr>
         <p:spPr>
           <a:xfrm>
-            <a:off x="457200" y="2174875"/>
-            <a:ext cx="4040188" cy="3951288"/>
+            <a:off x="457200" y="1631156"/>
+            <a:ext cx="4040188" cy="2963466"/>
           </a:xfrm>
         </p:spPr>
         <p:txBody>
@@ -1537,36 +1534,36 @@
           <a:p>
             <a:pPr lvl="0"/>
             <a:r>
-              <a:rPr lang="zh-TW" altLang="en-US" smtClean="0"/>
-              <a:t>按一下以編輯母片文字樣式</a:t>
+              <a:rPr lang="en-US" altLang="zh-TW" smtClean="0"/>
+              <a:t>Click to edit Master text styles</a:t>
             </a:r>
           </a:p>
           <a:p>
             <a:pPr lvl="1"/>
             <a:r>
-              <a:rPr lang="zh-TW" altLang="en-US" smtClean="0"/>
-              <a:t>第二層</a:t>
+              <a:rPr lang="en-US" altLang="zh-TW" smtClean="0"/>
+              <a:t>Second level</a:t>
             </a:r>
           </a:p>
           <a:p>
             <a:pPr lvl="2"/>
             <a:r>
-              <a:rPr lang="zh-TW" altLang="en-US" smtClean="0"/>
-              <a:t>第三層</a:t>
+              <a:rPr lang="en-US" altLang="zh-TW" smtClean="0"/>
+              <a:t>Third level</a:t>
             </a:r>
           </a:p>
           <a:p>
             <a:pPr lvl="3"/>
             <a:r>
-              <a:rPr lang="zh-TW" altLang="en-US" smtClean="0"/>
-              <a:t>第四層</a:t>
+              <a:rPr lang="en-US" altLang="zh-TW" smtClean="0"/>
+              <a:t>Fourth level</a:t>
             </a:r>
           </a:p>
           <a:p>
             <a:pPr lvl="4"/>
             <a:r>
-              <a:rPr lang="zh-TW" altLang="en-US" smtClean="0"/>
-              <a:t>第五層</a:t>
+              <a:rPr lang="en-US" altLang="zh-TW" smtClean="0"/>
+              <a:t>Fifth level</a:t>
             </a:r>
             <a:endParaRPr lang="zh-TW" altLang="en-US"/>
           </a:p>
@@ -1584,8 +1581,8 @@
         </p:nvSpPr>
         <p:spPr>
           <a:xfrm>
-            <a:off x="4645025" y="1535113"/>
-            <a:ext cx="4041775" cy="639762"/>
+            <a:off x="4645026" y="1151335"/>
+            <a:ext cx="4041775" cy="479822"/>
           </a:xfrm>
         </p:spPr>
         <p:txBody>
@@ -1631,8 +1628,8 @@
           <a:p>
             <a:pPr lvl="0"/>
             <a:r>
-              <a:rPr lang="zh-TW" altLang="en-US" smtClean="0"/>
-              <a:t>按一下以編輯母片文字樣式</a:t>
+              <a:rPr lang="en-US" altLang="zh-TW" smtClean="0"/>
+              <a:t>Click to edit Master text styles</a:t>
             </a:r>
           </a:p>
         </p:txBody>
@@ -1649,8 +1646,8 @@
         </p:nvSpPr>
         <p:spPr>
           <a:xfrm>
-            <a:off x="4645025" y="2174875"/>
-            <a:ext cx="4041775" cy="3951288"/>
+            <a:off x="4645026" y="1631156"/>
+            <a:ext cx="4041775" cy="2963466"/>
           </a:xfrm>
         </p:spPr>
         <p:txBody>
@@ -1687,36 +1684,36 @@
           <a:p>
             <a:pPr lvl="0"/>
             <a:r>
-              <a:rPr lang="zh-TW" altLang="en-US" smtClean="0"/>
-              <a:t>按一下以編輯母片文字樣式</a:t>
+              <a:rPr lang="en-US" altLang="zh-TW" smtClean="0"/>
+              <a:t>Click to edit Master text styles</a:t>
             </a:r>
           </a:p>
           <a:p>
             <a:pPr lvl="1"/>
             <a:r>
-              <a:rPr lang="zh-TW" altLang="en-US" smtClean="0"/>
-              <a:t>第二層</a:t>
+              <a:rPr lang="en-US" altLang="zh-TW" smtClean="0"/>
+              <a:t>Second level</a:t>
             </a:r>
           </a:p>
           <a:p>
             <a:pPr lvl="2"/>
             <a:r>
-              <a:rPr lang="zh-TW" altLang="en-US" smtClean="0"/>
-              <a:t>第三層</a:t>
+              <a:rPr lang="en-US" altLang="zh-TW" smtClean="0"/>
+              <a:t>Third level</a:t>
             </a:r>
           </a:p>
           <a:p>
             <a:pPr lvl="3"/>
             <a:r>
-              <a:rPr lang="zh-TW" altLang="en-US" smtClean="0"/>
-              <a:t>第四層</a:t>
+              <a:rPr lang="en-US" altLang="zh-TW" smtClean="0"/>
+              <a:t>Fourth level</a:t>
             </a:r>
           </a:p>
           <a:p>
             <a:pPr lvl="4"/>
             <a:r>
-              <a:rPr lang="zh-TW" altLang="en-US" smtClean="0"/>
-              <a:t>第五層</a:t>
+              <a:rPr lang="en-US" altLang="zh-TW" smtClean="0"/>
+              <a:t>Fifth level</a:t>
             </a:r>
             <a:endParaRPr lang="zh-TW" altLang="en-US"/>
           </a:p>
@@ -1739,7 +1736,7 @@
           <a:p>
             <a:fld id="{6FBB1E1C-ED46-47E4-98BF-8279883B3BB1}" type="datetimeFigureOut">
               <a:rPr lang="zh-TW" altLang="en-US" smtClean="0"/>
-              <a:t>2018/6/26</a:t>
+              <a:t>2019/9/28</a:t>
             </a:fld>
             <a:endParaRPr lang="zh-TW" altLang="en-US"/>
           </a:p>
@@ -1828,8 +1825,8 @@
           <a:lstStyle/>
           <a:p>
             <a:r>
-              <a:rPr lang="zh-TW" altLang="en-US" smtClean="0"/>
-              <a:t>按一下以編輯母片標題樣式</a:t>
+              <a:rPr lang="en-US" altLang="zh-TW" smtClean="0"/>
+              <a:t>Click to edit Master title style</a:t>
             </a:r>
             <a:endParaRPr lang="zh-TW" altLang="en-US"/>
           </a:p>
@@ -1852,7 +1849,7 @@
           <a:p>
             <a:fld id="{6FBB1E1C-ED46-47E4-98BF-8279883B3BB1}" type="datetimeFigureOut">
               <a:rPr lang="zh-TW" altLang="en-US" smtClean="0"/>
-              <a:t>2018/6/26</a:t>
+              <a:t>2019/9/28</a:t>
             </a:fld>
             <a:endParaRPr lang="zh-TW" altLang="en-US"/>
           </a:p>
@@ -1942,7 +1939,7 @@
           <a:p>
             <a:fld id="{6FBB1E1C-ED46-47E4-98BF-8279883B3BB1}" type="datetimeFigureOut">
               <a:rPr lang="zh-TW" altLang="en-US" smtClean="0"/>
-              <a:t>2018/6/26</a:t>
+              <a:t>2019/9/28</a:t>
             </a:fld>
             <a:endParaRPr lang="zh-TW" altLang="en-US"/>
           </a:p>
@@ -2027,8 +2024,8 @@
         </p:nvSpPr>
         <p:spPr>
           <a:xfrm>
-            <a:off x="457200" y="273050"/>
-            <a:ext cx="3008313" cy="1162050"/>
+            <a:off x="457201" y="204787"/>
+            <a:ext cx="3008313" cy="871538"/>
           </a:xfrm>
         </p:spPr>
         <p:txBody>
@@ -2040,8 +2037,8 @@
           </a:lstStyle>
           <a:p>
             <a:r>
-              <a:rPr lang="zh-TW" altLang="en-US" smtClean="0"/>
-              <a:t>按一下以編輯母片標題樣式</a:t>
+              <a:rPr lang="en-US" altLang="zh-TW" smtClean="0"/>
+              <a:t>Click to edit Master title style</a:t>
             </a:r>
             <a:endParaRPr lang="zh-TW" altLang="en-US"/>
           </a:p>
@@ -2059,8 +2056,8 @@
         </p:nvSpPr>
         <p:spPr>
           <a:xfrm>
-            <a:off x="3575050" y="273050"/>
-            <a:ext cx="5111750" cy="5853113"/>
+            <a:off x="3575050" y="204788"/>
+            <a:ext cx="5111750" cy="4389835"/>
           </a:xfrm>
         </p:spPr>
         <p:txBody>
@@ -2097,36 +2094,36 @@
           <a:p>
             <a:pPr lvl="0"/>
             <a:r>
-              <a:rPr lang="zh-TW" altLang="en-US" smtClean="0"/>
-              <a:t>按一下以編輯母片文字樣式</a:t>
+              <a:rPr lang="en-US" altLang="zh-TW" smtClean="0"/>
+              <a:t>Click to edit Master text styles</a:t>
             </a:r>
           </a:p>
           <a:p>
             <a:pPr lvl="1"/>
             <a:r>
-              <a:rPr lang="zh-TW" altLang="en-US" smtClean="0"/>
-              <a:t>第二層</a:t>
+              <a:rPr lang="en-US" altLang="zh-TW" smtClean="0"/>
+              <a:t>Second level</a:t>
             </a:r>
           </a:p>
           <a:p>
             <a:pPr lvl="2"/>
             <a:r>
-              <a:rPr lang="zh-TW" altLang="en-US" smtClean="0"/>
-              <a:t>第三層</a:t>
+              <a:rPr lang="en-US" altLang="zh-TW" smtClean="0"/>
+              <a:t>Third level</a:t>
             </a:r>
           </a:p>
           <a:p>
             <a:pPr lvl="3"/>
             <a:r>
-              <a:rPr lang="zh-TW" altLang="en-US" smtClean="0"/>
-              <a:t>第四層</a:t>
+              <a:rPr lang="en-US" altLang="zh-TW" smtClean="0"/>
+              <a:t>Fourth level</a:t>
             </a:r>
           </a:p>
           <a:p>
             <a:pPr lvl="4"/>
             <a:r>
-              <a:rPr lang="zh-TW" altLang="en-US" smtClean="0"/>
-              <a:t>第五層</a:t>
+              <a:rPr lang="en-US" altLang="zh-TW" smtClean="0"/>
+              <a:t>Fifth level</a:t>
             </a:r>
             <a:endParaRPr lang="zh-TW" altLang="en-US"/>
           </a:p>
@@ -2144,8 +2141,8 @@
         </p:nvSpPr>
         <p:spPr>
           <a:xfrm>
-            <a:off x="457200" y="1435100"/>
-            <a:ext cx="3008313" cy="4691063"/>
+            <a:off x="457201" y="1076326"/>
+            <a:ext cx="3008313" cy="3518297"/>
           </a:xfrm>
         </p:spPr>
         <p:txBody>
@@ -2191,8 +2188,8 @@
           <a:p>
             <a:pPr lvl="0"/>
             <a:r>
-              <a:rPr lang="zh-TW" altLang="en-US" smtClean="0"/>
-              <a:t>按一下以編輯母片文字樣式</a:t>
+              <a:rPr lang="en-US" altLang="zh-TW" smtClean="0"/>
+              <a:t>Click to edit Master text styles</a:t>
             </a:r>
           </a:p>
         </p:txBody>
@@ -2214,7 +2211,7 @@
           <a:p>
             <a:fld id="{6FBB1E1C-ED46-47E4-98BF-8279883B3BB1}" type="datetimeFigureOut">
               <a:rPr lang="zh-TW" altLang="en-US" smtClean="0"/>
-              <a:t>2018/6/26</a:t>
+              <a:t>2019/9/28</a:t>
             </a:fld>
             <a:endParaRPr lang="zh-TW" altLang="en-US"/>
           </a:p>
@@ -2299,8 +2296,8 @@
         </p:nvSpPr>
         <p:spPr>
           <a:xfrm>
-            <a:off x="1792288" y="4800600"/>
-            <a:ext cx="5486400" cy="566738"/>
+            <a:off x="1792288" y="3600450"/>
+            <a:ext cx="5486400" cy="425054"/>
           </a:xfrm>
         </p:spPr>
         <p:txBody>
@@ -2312,8 +2309,8 @@
           </a:lstStyle>
           <a:p>
             <a:r>
-              <a:rPr lang="zh-TW" altLang="en-US" smtClean="0"/>
-              <a:t>按一下以編輯母片標題樣式</a:t>
+              <a:rPr lang="en-US" altLang="zh-TW" smtClean="0"/>
+              <a:t>Click to edit Master title style</a:t>
             </a:r>
             <a:endParaRPr lang="zh-TW" altLang="en-US"/>
           </a:p>
@@ -2331,8 +2328,8 @@
         </p:nvSpPr>
         <p:spPr>
           <a:xfrm>
-            <a:off x="1792288" y="612775"/>
-            <a:ext cx="5486400" cy="4114800"/>
+            <a:off x="1792288" y="459581"/>
+            <a:ext cx="5486400" cy="3086100"/>
           </a:xfrm>
         </p:spPr>
         <p:txBody>
@@ -2376,6 +2373,10 @@
             </a:lvl9pPr>
           </a:lstStyle>
           <a:p>
+            <a:r>
+              <a:rPr lang="en-US" altLang="zh-TW" smtClean="0"/>
+              <a:t>Click icon to add picture</a:t>
+            </a:r>
             <a:endParaRPr lang="zh-TW" altLang="en-US"/>
           </a:p>
         </p:txBody>
@@ -2392,8 +2393,8 @@
         </p:nvSpPr>
         <p:spPr>
           <a:xfrm>
-            <a:off x="1792288" y="5367338"/>
-            <a:ext cx="5486400" cy="804862"/>
+            <a:off x="1792288" y="4025503"/>
+            <a:ext cx="5486400" cy="603647"/>
           </a:xfrm>
         </p:spPr>
         <p:txBody>
@@ -2439,8 +2440,8 @@
           <a:p>
             <a:pPr lvl="0"/>
             <a:r>
-              <a:rPr lang="zh-TW" altLang="en-US" smtClean="0"/>
-              <a:t>按一下以編輯母片文字樣式</a:t>
+              <a:rPr lang="en-US" altLang="zh-TW" smtClean="0"/>
+              <a:t>Click to edit Master text styles</a:t>
             </a:r>
           </a:p>
         </p:txBody>
@@ -2462,7 +2463,7 @@
           <a:p>
             <a:fld id="{6FBB1E1C-ED46-47E4-98BF-8279883B3BB1}" type="datetimeFigureOut">
               <a:rPr lang="zh-TW" altLang="en-US" smtClean="0"/>
-              <a:t>2018/6/26</a:t>
+              <a:t>2019/9/28</a:t>
             </a:fld>
             <a:endParaRPr lang="zh-TW" altLang="en-US"/>
           </a:p>
@@ -2522,9 +2523,14 @@
 <p:sldMaster xmlns:a="http://schemas.openxmlformats.org/drawingml/2006/main" xmlns:r="http://schemas.openxmlformats.org/officeDocument/2006/relationships" xmlns:p="http://schemas.openxmlformats.org/presentationml/2006/main">
   <p:cSld>
     <p:bg>
-      <p:bgRef idx="1001">
-        <a:schemeClr val="bg1"/>
-      </p:bgRef>
+      <p:bgPr>
+        <a:blipFill dpi="0" rotWithShape="1">
+          <a:blip r:embed="rId13"/>
+          <a:srcRect/>
+          <a:tile tx="0" ty="0" sx="100000" sy="100000" flip="none" algn="tl"/>
+        </a:blipFill>
+        <a:effectLst/>
+      </p:bgPr>
     </p:bg>
     <p:spTree>
       <p:nvGrpSpPr>
@@ -2552,8 +2558,8 @@
         </p:nvSpPr>
         <p:spPr>
           <a:xfrm>
-            <a:off x="457200" y="274638"/>
-            <a:ext cx="8229600" cy="1143000"/>
+            <a:off x="457200" y="205979"/>
+            <a:ext cx="8229600" cy="857250"/>
           </a:xfrm>
           <a:prstGeom prst="rect">
             <a:avLst/>
@@ -2585,8 +2591,8 @@
         </p:nvSpPr>
         <p:spPr>
           <a:xfrm>
-            <a:off x="457200" y="1600200"/>
-            <a:ext cx="8229600" cy="4525963"/>
+            <a:off x="457200" y="1200151"/>
+            <a:ext cx="8229600" cy="3394472"/>
           </a:xfrm>
           <a:prstGeom prst="rect">
             <a:avLst/>
@@ -2647,8 +2653,8 @@
         </p:nvSpPr>
         <p:spPr>
           <a:xfrm>
-            <a:off x="457200" y="6356350"/>
-            <a:ext cx="2133600" cy="365125"/>
+            <a:off x="457200" y="4767263"/>
+            <a:ext cx="2133600" cy="273844"/>
           </a:xfrm>
           <a:prstGeom prst="rect">
             <a:avLst/>
@@ -2670,7 +2676,7 @@
           <a:p>
             <a:fld id="{6FBB1E1C-ED46-47E4-98BF-8279883B3BB1}" type="datetimeFigureOut">
               <a:rPr lang="zh-TW" altLang="en-US" smtClean="0"/>
-              <a:t>2018/6/26</a:t>
+              <a:t>2019/9/28</a:t>
             </a:fld>
             <a:endParaRPr lang="zh-TW" altLang="en-US"/>
           </a:p>
@@ -2688,8 +2694,8 @@
         </p:nvSpPr>
         <p:spPr>
           <a:xfrm>
-            <a:off x="3124200" y="6356350"/>
-            <a:ext cx="2895600" cy="365125"/>
+            <a:off x="3124200" y="4767263"/>
+            <a:ext cx="2895600" cy="273844"/>
           </a:xfrm>
           <a:prstGeom prst="rect">
             <a:avLst/>
@@ -2725,8 +2731,8 @@
         </p:nvSpPr>
         <p:spPr>
           <a:xfrm>
-            <a:off x="6553200" y="6356350"/>
-            <a:ext cx="2133600" cy="365125"/>
+            <a:off x="6553200" y="4767263"/>
+            <a:ext cx="2133600" cy="273844"/>
           </a:xfrm>
           <a:prstGeom prst="rect">
             <a:avLst/>
@@ -2758,17 +2764,17 @@
   </p:cSld>
   <p:clrMap bg1="lt1" tx1="dk1" bg2="lt2" tx2="dk2" accent1="accent1" accent2="accent2" accent3="accent3" accent4="accent4" accent5="accent5" accent6="accent6" hlink="hlink" folHlink="folHlink"/>
   <p:sldLayoutIdLst>
-    <p:sldLayoutId id="2147483649" r:id="rId1"/>
-    <p:sldLayoutId id="2147483650" r:id="rId2"/>
-    <p:sldLayoutId id="2147483651" r:id="rId3"/>
-    <p:sldLayoutId id="2147483652" r:id="rId4"/>
-    <p:sldLayoutId id="2147483653" r:id="rId5"/>
-    <p:sldLayoutId id="2147483654" r:id="rId6"/>
-    <p:sldLayoutId id="2147483655" r:id="rId7"/>
-    <p:sldLayoutId id="2147483656" r:id="rId8"/>
-    <p:sldLayoutId id="2147483657" r:id="rId9"/>
-    <p:sldLayoutId id="2147483658" r:id="rId10"/>
-    <p:sldLayoutId id="2147483659" r:id="rId11"/>
+    <p:sldLayoutId id="2147483661" r:id="rId1"/>
+    <p:sldLayoutId id="2147483662" r:id="rId2"/>
+    <p:sldLayoutId id="2147483663" r:id="rId3"/>
+    <p:sldLayoutId id="2147483664" r:id="rId4"/>
+    <p:sldLayoutId id="2147483665" r:id="rId5"/>
+    <p:sldLayoutId id="2147483666" r:id="rId6"/>
+    <p:sldLayoutId id="2147483667" r:id="rId7"/>
+    <p:sldLayoutId id="2147483668" r:id="rId8"/>
+    <p:sldLayoutId id="2147483669" r:id="rId9"/>
+    <p:sldLayoutId id="2147483670" r:id="rId10"/>
+    <p:sldLayoutId id="2147483671" r:id="rId11"/>
   </p:sldLayoutIdLst>
   <p:txStyles>
     <p:titleStyle>
@@ -3052,54 +3058,93 @@
         </p:nvSpPr>
         <p:spPr/>
         <p:txBody>
-          <a:bodyPr/>
-          <a:lstStyle/>
-          <a:p>
-            <a:r>
-              <a:rPr lang="zh-TW" altLang="en-US" b="1" dirty="0">
-                <a:latin typeface="微軟正黑體" pitchFamily="34" charset="-120"/>
-                <a:ea typeface="微軟正黑體" pitchFamily="34" charset="-120"/>
-              </a:rPr>
-              <a:t>耶和華是我牧者</a:t>
-            </a:r>
-          </a:p>
-        </p:txBody>
-      </p:sp>
-      <p:sp>
-        <p:nvSpPr>
-          <p:cNvPr id="3" name="內容版面配置區 2"/>
-          <p:cNvSpPr>
-            <a:spLocks noGrp="1"/>
-          </p:cNvSpPr>
-          <p:nvPr>
-            <p:ph idx="1"/>
-          </p:nvPr>
-        </p:nvSpPr>
-        <p:spPr/>
-        <p:txBody>
           <a:bodyPr>
             <a:normAutofit/>
           </a:bodyPr>
           <a:lstStyle/>
           <a:p>
+            <a:r>
+              <a:rPr lang="zh-TW" altLang="en-US" sz="4000" b="1" dirty="0">
+                <a:solidFill>
+                  <a:srgbClr val="000066"/>
+                </a:solidFill>
+                <a:latin typeface="微軟正黑體" pitchFamily="34" charset="-120"/>
+                <a:ea typeface="微軟正黑體" pitchFamily="34" charset="-120"/>
+              </a:rPr>
+              <a:t>耶和華是我牧者</a:t>
+            </a:r>
+          </a:p>
+        </p:txBody>
+      </p:sp>
+      <p:sp>
+        <p:nvSpPr>
+          <p:cNvPr id="3" name="內容版面配置區 2"/>
+          <p:cNvSpPr>
+            <a:spLocks noGrp="1"/>
+          </p:cNvSpPr>
+          <p:nvPr>
+            <p:ph idx="1"/>
+          </p:nvPr>
+        </p:nvSpPr>
+        <p:spPr>
+          <a:xfrm>
+            <a:off x="0" y="1200151"/>
+            <a:ext cx="9144000" cy="3394472"/>
+          </a:xfrm>
+        </p:spPr>
+        <p:txBody>
+          <a:bodyPr>
+            <a:noAutofit/>
+          </a:bodyPr>
+          <a:lstStyle/>
+          <a:p>
             <a:pPr algn="ctr">
               <a:buNone/>
             </a:pPr>
             <a:r>
-              <a:rPr lang="zh-TW" altLang="en-US" sz="5400" b="1" dirty="0">
+              <a:rPr lang="zh-TW" altLang="en-US" sz="4800" b="1" dirty="0">
+                <a:solidFill>
+                  <a:srgbClr val="000066"/>
+                </a:solidFill>
                 <a:latin typeface="微軟正黑體" pitchFamily="34" charset="-120"/>
                 <a:ea typeface="微軟正黑體" pitchFamily="34" charset="-120"/>
               </a:rPr>
               <a:t>耶和華是我牧</a:t>
             </a:r>
             <a:r>
-              <a:rPr lang="zh-TW" altLang="en-US" sz="5400" b="1" dirty="0" smtClean="0">
-                <a:latin typeface="微軟正黑體" pitchFamily="34" charset="-120"/>
-                <a:ea typeface="微軟正黑體" pitchFamily="34" charset="-120"/>
-              </a:rPr>
-              <a:t>者</a:t>
-            </a:r>
-            <a:endParaRPr lang="en-US" altLang="zh-TW" sz="5400" b="1" dirty="0" smtClean="0">
+              <a:rPr lang="zh-TW" altLang="en-US" sz="4800" b="1" dirty="0" smtClean="0">
+                <a:solidFill>
+                  <a:srgbClr val="000066"/>
+                </a:solidFill>
+                <a:latin typeface="微軟正黑體" pitchFamily="34" charset="-120"/>
+                <a:ea typeface="微軟正黑體" pitchFamily="34" charset="-120"/>
+              </a:rPr>
+              <a:t>者  我</a:t>
+            </a:r>
+            <a:r>
+              <a:rPr lang="zh-TW" altLang="en-US" sz="4800" b="1" dirty="0">
+                <a:solidFill>
+                  <a:srgbClr val="000066"/>
+                </a:solidFill>
+                <a:latin typeface="微軟正黑體" pitchFamily="34" charset="-120"/>
+                <a:ea typeface="微軟正黑體" pitchFamily="34" charset="-120"/>
+              </a:rPr>
+              <a:t>必不至</a:t>
+            </a:r>
+            <a:r>
+              <a:rPr lang="zh-TW" altLang="en-US" sz="4800" b="1" dirty="0" smtClean="0">
+                <a:solidFill>
+                  <a:srgbClr val="000066"/>
+                </a:solidFill>
+                <a:latin typeface="微軟正黑體" pitchFamily="34" charset="-120"/>
+                <a:ea typeface="微軟正黑體" pitchFamily="34" charset="-120"/>
+              </a:rPr>
+              <a:t>缺乏</a:t>
+            </a:r>
+            <a:endParaRPr lang="en-US" altLang="zh-TW" sz="4800" b="1" dirty="0" smtClean="0">
+              <a:solidFill>
+                <a:srgbClr val="000066"/>
+              </a:solidFill>
               <a:latin typeface="微軟正黑體" pitchFamily="34" charset="-120"/>
               <a:ea typeface="微軟正黑體" pitchFamily="34" charset="-120"/>
             </a:endParaRPr>
@@ -3109,27 +3154,89 @@
               <a:buNone/>
             </a:pPr>
             <a:r>
-              <a:rPr lang="zh-TW" altLang="en-US" sz="5400" b="1" dirty="0" smtClean="0">
-                <a:latin typeface="微軟正黑體" pitchFamily="34" charset="-120"/>
-                <a:ea typeface="微軟正黑體" pitchFamily="34" charset="-120"/>
-              </a:rPr>
-              <a:t>我</a:t>
-            </a:r>
-            <a:r>
-              <a:rPr lang="zh-TW" altLang="en-US" sz="5400" b="1" dirty="0">
-                <a:latin typeface="微軟正黑體" pitchFamily="34" charset="-120"/>
-                <a:ea typeface="微軟正黑體" pitchFamily="34" charset="-120"/>
-              </a:rPr>
-              <a:t>必不至</a:t>
-            </a:r>
-            <a:r>
-              <a:rPr lang="zh-TW" altLang="en-US" sz="5400" b="1" dirty="0" smtClean="0">
-                <a:latin typeface="微軟正黑體" pitchFamily="34" charset="-120"/>
-                <a:ea typeface="微軟正黑體" pitchFamily="34" charset="-120"/>
-              </a:rPr>
-              <a:t>缺乏</a:t>
-            </a:r>
-            <a:endParaRPr lang="en-US" altLang="zh-TW" sz="5400" b="1" dirty="0" smtClean="0">
+              <a:rPr lang="zh-TW" altLang="en-US" sz="4800" b="1" dirty="0" smtClean="0">
+                <a:solidFill>
+                  <a:srgbClr val="000066"/>
+                </a:solidFill>
+                <a:latin typeface="微軟正黑體" pitchFamily="34" charset="-120"/>
+                <a:ea typeface="微軟正黑體" pitchFamily="34" charset="-120"/>
+              </a:rPr>
+              <a:t>使</a:t>
+            </a:r>
+            <a:r>
+              <a:rPr lang="zh-TW" altLang="en-US" sz="4800" b="1" dirty="0">
+                <a:solidFill>
+                  <a:srgbClr val="000066"/>
+                </a:solidFill>
+                <a:latin typeface="微軟正黑體" pitchFamily="34" charset="-120"/>
+                <a:ea typeface="微軟正黑體" pitchFamily="34" charset="-120"/>
+              </a:rPr>
+              <a:t>我躺臥青草</a:t>
+            </a:r>
+            <a:r>
+              <a:rPr lang="zh-TW" altLang="en-US" sz="4800" b="1" dirty="0" smtClean="0">
+                <a:solidFill>
+                  <a:srgbClr val="000066"/>
+                </a:solidFill>
+                <a:latin typeface="微軟正黑體" pitchFamily="34" charset="-120"/>
+                <a:ea typeface="微軟正黑體" pitchFamily="34" charset="-120"/>
+              </a:rPr>
+              <a:t>地</a:t>
+            </a:r>
+            <a:r>
+              <a:rPr lang="en-US" altLang="zh-TW" sz="4800" b="1" dirty="0" smtClean="0">
+                <a:solidFill>
+                  <a:srgbClr val="000066"/>
+                </a:solidFill>
+                <a:latin typeface="微軟正黑體" pitchFamily="34" charset="-120"/>
+                <a:ea typeface="微軟正黑體" pitchFamily="34" charset="-120"/>
+              </a:rPr>
+              <a:t> </a:t>
+            </a:r>
+            <a:r>
+              <a:rPr lang="en-US" altLang="zh-TW" sz="4800" b="1" dirty="0" smtClean="0">
+                <a:solidFill>
+                  <a:srgbClr val="000066"/>
+                </a:solidFill>
+                <a:latin typeface="微軟正黑體" pitchFamily="34" charset="-120"/>
+                <a:ea typeface="微軟正黑體" pitchFamily="34" charset="-120"/>
+              </a:rPr>
+              <a:t> </a:t>
+            </a:r>
+            <a:r>
+              <a:rPr lang="zh-TW" altLang="en-US" sz="4800" b="1" dirty="0" smtClean="0">
+                <a:solidFill>
+                  <a:srgbClr val="000066"/>
+                </a:solidFill>
+                <a:latin typeface="微軟正黑體" pitchFamily="34" charset="-120"/>
+                <a:ea typeface="微軟正黑體" pitchFamily="34" charset="-120"/>
+              </a:rPr>
+              <a:t>在</a:t>
+            </a:r>
+            <a:r>
+              <a:rPr lang="zh-TW" altLang="en-US" sz="4800" b="1" dirty="0">
+                <a:solidFill>
+                  <a:srgbClr val="000066"/>
+                </a:solidFill>
+                <a:latin typeface="微軟正黑體" pitchFamily="34" charset="-120"/>
+                <a:ea typeface="微軟正黑體" pitchFamily="34" charset="-120"/>
+              </a:rPr>
+              <a:t>安歇的水</a:t>
+            </a:r>
+            <a:r>
+              <a:rPr lang="zh-TW" altLang="en-US" sz="4800" b="1" dirty="0" smtClean="0">
+                <a:solidFill>
+                  <a:srgbClr val="000066"/>
+                </a:solidFill>
+                <a:latin typeface="微軟正黑體" pitchFamily="34" charset="-120"/>
+                <a:ea typeface="微軟正黑體" pitchFamily="34" charset="-120"/>
+              </a:rPr>
+              <a:t>邊</a:t>
+            </a:r>
+            <a:endParaRPr lang="en-US" altLang="zh-TW" sz="4800" b="1" dirty="0" smtClean="0">
+              <a:solidFill>
+                <a:srgbClr val="000066"/>
+              </a:solidFill>
               <a:latin typeface="微軟正黑體" pitchFamily="34" charset="-120"/>
               <a:ea typeface="微軟正黑體" pitchFamily="34" charset="-120"/>
             </a:endParaRPr>
@@ -3139,27 +3246,59 @@
               <a:buNone/>
             </a:pPr>
             <a:r>
-              <a:rPr lang="zh-TW" altLang="en-US" sz="5400" b="1" dirty="0" smtClean="0">
-                <a:latin typeface="微軟正黑體" pitchFamily="34" charset="-120"/>
-                <a:ea typeface="微軟正黑體" pitchFamily="34" charset="-120"/>
-              </a:rPr>
-              <a:t>使</a:t>
-            </a:r>
-            <a:r>
-              <a:rPr lang="zh-TW" altLang="en-US" sz="5400" b="1" dirty="0">
-                <a:latin typeface="微軟正黑體" pitchFamily="34" charset="-120"/>
-                <a:ea typeface="微軟正黑體" pitchFamily="34" charset="-120"/>
-              </a:rPr>
-              <a:t>我躺臥青草</a:t>
-            </a:r>
-            <a:r>
-              <a:rPr lang="zh-TW" altLang="en-US" sz="5400" b="1" dirty="0" smtClean="0">
-                <a:latin typeface="微軟正黑體" pitchFamily="34" charset="-120"/>
-                <a:ea typeface="微軟正黑體" pitchFamily="34" charset="-120"/>
-              </a:rPr>
-              <a:t>地</a:t>
-            </a:r>
-            <a:endParaRPr lang="en-US" altLang="zh-TW" sz="5400" b="1" dirty="0" smtClean="0">
+              <a:rPr lang="zh-TW" altLang="en-US" sz="4800" b="1" dirty="0">
+                <a:solidFill>
+                  <a:srgbClr val="000066"/>
+                </a:solidFill>
+                <a:latin typeface="微軟正黑體" pitchFamily="34" charset="-120"/>
+                <a:ea typeface="微軟正黑體" pitchFamily="34" charset="-120"/>
+              </a:rPr>
+              <a:t>祂使我靈魂甦</a:t>
+            </a:r>
+            <a:r>
+              <a:rPr lang="zh-TW" altLang="en-US" sz="4800" b="1" dirty="0" smtClean="0">
+                <a:solidFill>
+                  <a:srgbClr val="000066"/>
+                </a:solidFill>
+                <a:latin typeface="微軟正黑體" pitchFamily="34" charset="-120"/>
+                <a:ea typeface="微軟正黑體" pitchFamily="34" charset="-120"/>
+              </a:rPr>
+              <a:t>醒</a:t>
+            </a:r>
+            <a:r>
+              <a:rPr lang="en-US" altLang="zh-TW" sz="4800" b="1" dirty="0" smtClean="0">
+                <a:solidFill>
+                  <a:srgbClr val="000066"/>
+                </a:solidFill>
+                <a:latin typeface="微軟正黑體" pitchFamily="34" charset="-120"/>
+                <a:ea typeface="微軟正黑體" pitchFamily="34" charset="-120"/>
+              </a:rPr>
+              <a:t>  </a:t>
+            </a:r>
+            <a:r>
+              <a:rPr lang="zh-TW" altLang="en-US" sz="4800" b="1" dirty="0" smtClean="0">
+                <a:solidFill>
+                  <a:srgbClr val="000066"/>
+                </a:solidFill>
+                <a:latin typeface="微軟正黑體" pitchFamily="34" charset="-120"/>
+                <a:ea typeface="微軟正黑體" pitchFamily="34" charset="-120"/>
+              </a:rPr>
+              <a:t>引</a:t>
+            </a:r>
+            <a:r>
+              <a:rPr lang="zh-TW" altLang="en-US" sz="4800" b="1" dirty="0">
+                <a:solidFill>
+                  <a:srgbClr val="000066"/>
+                </a:solidFill>
+                <a:latin typeface="微軟正黑體" pitchFamily="34" charset="-120"/>
+                <a:ea typeface="微軟正黑體" pitchFamily="34" charset="-120"/>
+              </a:rPr>
+              <a:t>我走正義路</a:t>
+            </a:r>
+            <a:endParaRPr lang="en-US" altLang="zh-TW" sz="4800" b="1" dirty="0">
+              <a:solidFill>
+                <a:srgbClr val="000066"/>
+              </a:solidFill>
               <a:latin typeface="微軟正黑體" pitchFamily="34" charset="-120"/>
               <a:ea typeface="微軟正黑體" pitchFamily="34" charset="-120"/>
             </a:endParaRPr>
@@ -3169,27 +3308,64 @@
               <a:buNone/>
             </a:pPr>
             <a:r>
-              <a:rPr lang="zh-TW" altLang="en-US" sz="5400" b="1" dirty="0" smtClean="0">
-                <a:latin typeface="微軟正黑體" pitchFamily="34" charset="-120"/>
-                <a:ea typeface="微軟正黑體" pitchFamily="34" charset="-120"/>
-              </a:rPr>
-              <a:t>在</a:t>
-            </a:r>
-            <a:r>
-              <a:rPr lang="zh-TW" altLang="en-US" sz="5400" b="1" dirty="0">
-                <a:latin typeface="微軟正黑體" pitchFamily="34" charset="-120"/>
-                <a:ea typeface="微軟正黑體" pitchFamily="34" charset="-120"/>
-              </a:rPr>
-              <a:t>安歇的水</a:t>
-            </a:r>
-            <a:r>
-              <a:rPr lang="zh-TW" altLang="en-US" sz="5400" b="1" dirty="0" smtClean="0">
-                <a:latin typeface="微軟正黑體" pitchFamily="34" charset="-120"/>
-                <a:ea typeface="微軟正黑體" pitchFamily="34" charset="-120"/>
-              </a:rPr>
-              <a:t>邊</a:t>
-            </a:r>
-            <a:endParaRPr lang="zh-TW" altLang="en-US" sz="5400" b="1" dirty="0">
+              <a:rPr lang="zh-TW" altLang="en-US" sz="4800" b="1" dirty="0">
+                <a:solidFill>
+                  <a:srgbClr val="000066"/>
+                </a:solidFill>
+                <a:latin typeface="微軟正黑體" pitchFamily="34" charset="-120"/>
+                <a:ea typeface="微軟正黑體" pitchFamily="34" charset="-120"/>
+              </a:rPr>
+              <a:t>我雖過死蔭幽</a:t>
+            </a:r>
+            <a:r>
+              <a:rPr lang="zh-TW" altLang="en-US" sz="4800" b="1" dirty="0" smtClean="0">
+                <a:solidFill>
+                  <a:srgbClr val="000066"/>
+                </a:solidFill>
+                <a:latin typeface="微軟正黑體" pitchFamily="34" charset="-120"/>
+                <a:ea typeface="微軟正黑體" pitchFamily="34" charset="-120"/>
+              </a:rPr>
+              <a:t>谷</a:t>
+            </a:r>
+            <a:r>
+              <a:rPr lang="en-US" altLang="zh-TW" sz="4800" b="1" dirty="0" smtClean="0">
+                <a:solidFill>
+                  <a:srgbClr val="000066"/>
+                </a:solidFill>
+                <a:latin typeface="微軟正黑體" pitchFamily="34" charset="-120"/>
+                <a:ea typeface="微軟正黑體" pitchFamily="34" charset="-120"/>
+              </a:rPr>
+              <a:t>  </a:t>
+            </a:r>
+            <a:r>
+              <a:rPr lang="zh-TW" altLang="en-US" sz="4800" b="1" dirty="0" smtClean="0">
+                <a:solidFill>
+                  <a:srgbClr val="000066"/>
+                </a:solidFill>
+                <a:latin typeface="微軟正黑體" pitchFamily="34" charset="-120"/>
+                <a:ea typeface="微軟正黑體" pitchFamily="34" charset="-120"/>
+              </a:rPr>
+              <a:t>也</a:t>
+            </a:r>
+            <a:r>
+              <a:rPr lang="zh-TW" altLang="en-US" sz="4800" b="1" dirty="0">
+                <a:solidFill>
+                  <a:srgbClr val="000066"/>
+                </a:solidFill>
+                <a:latin typeface="微軟正黑體" pitchFamily="34" charset="-120"/>
+                <a:ea typeface="微軟正黑體" pitchFamily="34" charset="-120"/>
+              </a:rPr>
+              <a:t>必不怕遭害</a:t>
+            </a:r>
+          </a:p>
+          <a:p>
+            <a:pPr algn="ctr">
+              <a:buNone/>
+            </a:pPr>
+            <a:endParaRPr lang="zh-TW" altLang="en-US" sz="4800" b="1" dirty="0">
+              <a:solidFill>
+                <a:srgbClr val="000066"/>
+              </a:solidFill>
               <a:latin typeface="微軟正黑體" pitchFamily="34" charset="-120"/>
               <a:ea typeface="微軟正黑體" pitchFamily="34" charset="-120"/>
             </a:endParaRPr>
@@ -3197,6 +3373,11 @@
         </p:txBody>
       </p:sp>
     </p:spTree>
+    <p:extLst>
+      <p:ext uri="{BB962C8B-B14F-4D97-AF65-F5344CB8AC3E}">
+        <p14:creationId xmlns:p14="http://schemas.microsoft.com/office/powerpoint/2010/main" val="1052037943"/>
+      </p:ext>
+    </p:extLst>
   </p:cSld>
   <p:clrMapOvr>
     <a:masterClrMapping/>
@@ -3233,47 +3414,113 @@
         </p:nvSpPr>
         <p:spPr/>
         <p:txBody>
-          <a:bodyPr/>
-          <a:lstStyle/>
-          <a:p>
-            <a:r>
-              <a:rPr lang="zh-TW" altLang="en-US" b="1" dirty="0">
-                <a:latin typeface="微軟正黑體" pitchFamily="34" charset="-120"/>
-                <a:ea typeface="微軟正黑體" pitchFamily="34" charset="-120"/>
-              </a:rPr>
-              <a:t>耶和華是我牧者</a:t>
-            </a:r>
-          </a:p>
-        </p:txBody>
-      </p:sp>
-      <p:sp>
-        <p:nvSpPr>
-          <p:cNvPr id="3" name="內容版面配置區 2"/>
-          <p:cNvSpPr>
-            <a:spLocks noGrp="1"/>
-          </p:cNvSpPr>
-          <p:nvPr>
-            <p:ph idx="1"/>
-          </p:nvPr>
-        </p:nvSpPr>
-        <p:spPr/>
-        <p:txBody>
           <a:bodyPr>
             <a:normAutofit/>
           </a:bodyPr>
           <a:lstStyle/>
           <a:p>
+            <a:r>
+              <a:rPr lang="zh-TW" altLang="en-US" sz="4000" b="1" dirty="0">
+                <a:solidFill>
+                  <a:srgbClr val="000066"/>
+                </a:solidFill>
+                <a:latin typeface="微軟正黑體" pitchFamily="34" charset="-120"/>
+                <a:ea typeface="微軟正黑體" pitchFamily="34" charset="-120"/>
+              </a:rPr>
+              <a:t>耶和華是我牧者</a:t>
+            </a:r>
+          </a:p>
+        </p:txBody>
+      </p:sp>
+      <p:sp>
+        <p:nvSpPr>
+          <p:cNvPr id="3" name="內容版面配置區 2"/>
+          <p:cNvSpPr>
+            <a:spLocks noGrp="1"/>
+          </p:cNvSpPr>
+          <p:nvPr>
+            <p:ph idx="1"/>
+          </p:nvPr>
+        </p:nvSpPr>
+        <p:spPr>
+          <a:xfrm>
+            <a:off x="0" y="1200151"/>
+            <a:ext cx="9144000" cy="3394472"/>
+          </a:xfrm>
+        </p:spPr>
+        <p:txBody>
+          <a:bodyPr>
+            <a:noAutofit/>
+          </a:bodyPr>
+          <a:lstStyle/>
+          <a:p>
             <a:pPr algn="ctr">
               <a:buNone/>
             </a:pPr>
             <a:r>
-              <a:rPr lang="zh-TW" altLang="en-US" sz="5400" b="1" dirty="0">
-                <a:latin typeface="微軟正黑體" pitchFamily="34" charset="-120"/>
-                <a:ea typeface="微軟正黑體" pitchFamily="34" charset="-120"/>
-              </a:rPr>
-              <a:t>祂使我靈魂甦醒</a:t>
-            </a:r>
-            <a:endParaRPr lang="en-US" altLang="zh-TW" sz="5400" b="1" dirty="0">
+              <a:rPr lang="zh-TW" altLang="en-US" sz="4800" b="1" dirty="0">
+                <a:solidFill>
+                  <a:srgbClr val="000066"/>
+                </a:solidFill>
+                <a:latin typeface="微軟正黑體" pitchFamily="34" charset="-120"/>
+                <a:ea typeface="微軟正黑體" pitchFamily="34" charset="-120"/>
+              </a:rPr>
+              <a:t>在我敵人</a:t>
+            </a:r>
+            <a:r>
+              <a:rPr lang="zh-TW" altLang="en-US" sz="4800" b="1" dirty="0">
+                <a:solidFill>
+                  <a:srgbClr val="000066"/>
+                </a:solidFill>
+                <a:latin typeface="微軟正黑體" pitchFamily="34" charset="-120"/>
+                <a:ea typeface="微軟正黑體" pitchFamily="34" charset="-120"/>
+              </a:rPr>
+              <a:t>面</a:t>
+            </a:r>
+            <a:r>
+              <a:rPr lang="zh-TW" altLang="en-US" sz="4800" b="1" dirty="0" smtClean="0">
+                <a:solidFill>
+                  <a:srgbClr val="000066"/>
+                </a:solidFill>
+                <a:latin typeface="微軟正黑體" pitchFamily="34" charset="-120"/>
+                <a:ea typeface="微軟正黑體" pitchFamily="34" charset="-120"/>
+              </a:rPr>
+              <a:t>前  為</a:t>
+            </a:r>
+            <a:r>
+              <a:rPr lang="zh-TW" altLang="en-US" sz="4800" b="1" dirty="0">
+                <a:solidFill>
+                  <a:srgbClr val="000066"/>
+                </a:solidFill>
+                <a:latin typeface="微軟正黑體" pitchFamily="34" charset="-120"/>
+                <a:ea typeface="微軟正黑體" pitchFamily="34" charset="-120"/>
+              </a:rPr>
+              <a:t>我</a:t>
+            </a:r>
+            <a:r>
+              <a:rPr lang="zh-TW" altLang="en-US" sz="4800" b="1" dirty="0">
+                <a:solidFill>
+                  <a:srgbClr val="000066"/>
+                </a:solidFill>
+                <a:latin typeface="微軟正黑體" pitchFamily="34" charset="-120"/>
+                <a:ea typeface="微軟正黑體" pitchFamily="34" charset="-120"/>
+              </a:rPr>
+              <a:t>擺</a:t>
+            </a:r>
+            <a:r>
+              <a:rPr lang="zh-TW" altLang="en-US" sz="4800" b="1" dirty="0" smtClean="0">
+                <a:solidFill>
+                  <a:srgbClr val="000066"/>
+                </a:solidFill>
+                <a:latin typeface="微軟正黑體" pitchFamily="34" charset="-120"/>
+                <a:ea typeface="微軟正黑體" pitchFamily="34" charset="-120"/>
+              </a:rPr>
+              <a:t>設    席</a:t>
+            </a:r>
+            <a:endParaRPr lang="en-US" altLang="zh-TW" sz="4800" b="1" dirty="0">
+              <a:solidFill>
+                <a:srgbClr val="000066"/>
+              </a:solidFill>
               <a:latin typeface="微軟正黑體" pitchFamily="34" charset="-120"/>
               <a:ea typeface="微軟正黑體" pitchFamily="34" charset="-120"/>
             </a:endParaRPr>
@@ -3283,13 +3530,79 @@
               <a:buNone/>
             </a:pPr>
             <a:r>
-              <a:rPr lang="zh-TW" altLang="en-US" sz="5400" b="1" dirty="0">
-                <a:latin typeface="微軟正黑體" pitchFamily="34" charset="-120"/>
-                <a:ea typeface="微軟正黑體" pitchFamily="34" charset="-120"/>
-              </a:rPr>
-              <a:t>引我走正義路</a:t>
-            </a:r>
-            <a:endParaRPr lang="en-US" altLang="zh-TW" sz="5400" b="1" dirty="0">
+              <a:rPr lang="zh-TW" altLang="en-US" sz="4800" b="1" dirty="0">
+                <a:solidFill>
+                  <a:srgbClr val="000066"/>
+                </a:solidFill>
+                <a:latin typeface="微軟正黑體" pitchFamily="34" charset="-120"/>
+                <a:ea typeface="微軟正黑體" pitchFamily="34" charset="-120"/>
+              </a:rPr>
+              <a:t>你</a:t>
+            </a:r>
+            <a:r>
+              <a:rPr lang="zh-TW" altLang="en-US" sz="4800" b="1" dirty="0">
+                <a:solidFill>
+                  <a:srgbClr val="000066"/>
+                </a:solidFill>
+                <a:latin typeface="微軟正黑體" pitchFamily="34" charset="-120"/>
+                <a:ea typeface="微軟正黑體" pitchFamily="34" charset="-120"/>
+              </a:rPr>
+              <a:t>用油膏我的</a:t>
+            </a:r>
+            <a:r>
+              <a:rPr lang="zh-TW" altLang="en-US" sz="4800" b="1" dirty="0" smtClean="0">
+                <a:solidFill>
+                  <a:srgbClr val="000066"/>
+                </a:solidFill>
+                <a:latin typeface="微軟正黑體" pitchFamily="34" charset="-120"/>
+                <a:ea typeface="微軟正黑體" pitchFamily="34" charset="-120"/>
+              </a:rPr>
+              <a:t>頭</a:t>
+            </a:r>
+            <a:r>
+              <a:rPr lang="en-US" altLang="zh-TW" sz="4800" b="1" dirty="0" smtClean="0">
+                <a:solidFill>
+                  <a:srgbClr val="000066"/>
+                </a:solidFill>
+                <a:latin typeface="微軟正黑體" pitchFamily="34" charset="-120"/>
+                <a:ea typeface="微軟正黑體" pitchFamily="34" charset="-120"/>
+              </a:rPr>
+              <a:t>  </a:t>
+            </a:r>
+            <a:r>
+              <a:rPr lang="zh-TW" altLang="en-US" sz="4800" b="1" dirty="0" smtClean="0">
+                <a:solidFill>
+                  <a:srgbClr val="000066"/>
+                </a:solidFill>
+                <a:latin typeface="微軟正黑體" pitchFamily="34" charset="-120"/>
+                <a:ea typeface="微軟正黑體" pitchFamily="34" charset="-120"/>
+              </a:rPr>
+              <a:t>使</a:t>
+            </a:r>
+            <a:r>
+              <a:rPr lang="zh-TW" altLang="en-US" sz="4800" b="1" dirty="0">
+                <a:solidFill>
+                  <a:srgbClr val="000066"/>
+                </a:solidFill>
+                <a:latin typeface="微軟正黑體" pitchFamily="34" charset="-120"/>
+                <a:ea typeface="微軟正黑體" pitchFamily="34" charset="-120"/>
+              </a:rPr>
+              <a:t>我福杯滿</a:t>
+            </a:r>
+            <a:r>
+              <a:rPr lang="zh-TW" altLang="en-US" sz="4800" b="1" dirty="0" smtClean="0">
+                <a:solidFill>
+                  <a:srgbClr val="000066"/>
+                </a:solidFill>
+                <a:latin typeface="微軟正黑體" pitchFamily="34" charset="-120"/>
+                <a:ea typeface="微軟正黑體" pitchFamily="34" charset="-120"/>
+              </a:rPr>
+              <a:t>溢</a:t>
+            </a:r>
+            <a:endParaRPr lang="en-US" altLang="zh-TW" sz="4800" b="1" dirty="0" smtClean="0">
+              <a:solidFill>
+                <a:srgbClr val="000066"/>
+              </a:solidFill>
               <a:latin typeface="微軟正黑體" pitchFamily="34" charset="-120"/>
               <a:ea typeface="微軟正黑體" pitchFamily="34" charset="-120"/>
             </a:endParaRPr>
@@ -3299,13 +3612,59 @@
               <a:buNone/>
             </a:pPr>
             <a:r>
-              <a:rPr lang="zh-TW" altLang="en-US" sz="5400" b="1" dirty="0">
-                <a:latin typeface="微軟正黑體" pitchFamily="34" charset="-120"/>
-                <a:ea typeface="微軟正黑體" pitchFamily="34" charset="-120"/>
-              </a:rPr>
-              <a:t>我雖過死蔭幽谷</a:t>
-            </a:r>
-            <a:endParaRPr lang="en-US" altLang="zh-TW" sz="5400" b="1" dirty="0">
+              <a:rPr lang="zh-TW" altLang="en-US" sz="4800" b="1" dirty="0">
+                <a:solidFill>
+                  <a:srgbClr val="000066"/>
+                </a:solidFill>
+                <a:latin typeface="微軟正黑體" pitchFamily="34" charset="-120"/>
+                <a:ea typeface="微軟正黑體" pitchFamily="34" charset="-120"/>
+              </a:rPr>
+              <a:t>一生一世有恩</a:t>
+            </a:r>
+            <a:r>
+              <a:rPr lang="zh-TW" altLang="en-US" sz="4800" b="1" dirty="0" smtClean="0">
+                <a:solidFill>
+                  <a:srgbClr val="000066"/>
+                </a:solidFill>
+                <a:latin typeface="微軟正黑體" pitchFamily="34" charset="-120"/>
+                <a:ea typeface="微軟正黑體" pitchFamily="34" charset="-120"/>
+              </a:rPr>
+              <a:t>惠</a:t>
+            </a:r>
+            <a:r>
+              <a:rPr lang="en-US" altLang="zh-TW" sz="4800" b="1" dirty="0" smtClean="0">
+                <a:solidFill>
+                  <a:srgbClr val="000066"/>
+                </a:solidFill>
+                <a:latin typeface="微軟正黑體" pitchFamily="34" charset="-120"/>
+                <a:ea typeface="微軟正黑體" pitchFamily="34" charset="-120"/>
+              </a:rPr>
+              <a:t>  </a:t>
+            </a:r>
+            <a:r>
+              <a:rPr lang="zh-TW" altLang="en-US" sz="4800" b="1" dirty="0" smtClean="0">
+                <a:solidFill>
+                  <a:srgbClr val="000066"/>
+                </a:solidFill>
+                <a:latin typeface="微軟正黑體" pitchFamily="34" charset="-120"/>
+                <a:ea typeface="微軟正黑體" pitchFamily="34" charset="-120"/>
+              </a:rPr>
+              <a:t>有</a:t>
+            </a:r>
+            <a:r>
+              <a:rPr lang="zh-TW" altLang="en-US" sz="4800" b="1" dirty="0">
+                <a:solidFill>
+                  <a:srgbClr val="000066"/>
+                </a:solidFill>
+                <a:latin typeface="微軟正黑體" pitchFamily="34" charset="-120"/>
+                <a:ea typeface="微軟正黑體" pitchFamily="34" charset="-120"/>
+              </a:rPr>
+              <a:t>慈愛跟隨我</a:t>
+            </a:r>
+            <a:endParaRPr lang="en-US" altLang="zh-TW" sz="4800" b="1" dirty="0">
+              <a:solidFill>
+                <a:srgbClr val="000066"/>
+              </a:solidFill>
               <a:latin typeface="微軟正黑體" pitchFamily="34" charset="-120"/>
               <a:ea typeface="微軟正黑體" pitchFamily="34" charset="-120"/>
             </a:endParaRPr>
@@ -3315,16 +3674,116 @@
               <a:buNone/>
             </a:pPr>
             <a:r>
-              <a:rPr lang="zh-TW" altLang="en-US" sz="5400" b="1" dirty="0">
-                <a:latin typeface="微軟正黑體" pitchFamily="34" charset="-120"/>
-                <a:ea typeface="微軟正黑體" pitchFamily="34" charset="-120"/>
-              </a:rPr>
-              <a:t>也必不怕遭害</a:t>
-            </a:r>
+              <a:rPr lang="zh-TW" altLang="en-US" sz="4800" b="1" dirty="0">
+                <a:solidFill>
+                  <a:srgbClr val="000066"/>
+                </a:solidFill>
+                <a:latin typeface="微軟正黑體" pitchFamily="34" charset="-120"/>
+                <a:ea typeface="微軟正黑體" pitchFamily="34" charset="-120"/>
+              </a:rPr>
+              <a:t>我要住在你殿</a:t>
+            </a:r>
+            <a:r>
+              <a:rPr lang="zh-TW" altLang="en-US" sz="4800" b="1" dirty="0" smtClean="0">
+                <a:solidFill>
+                  <a:srgbClr val="000066"/>
+                </a:solidFill>
+                <a:latin typeface="微軟正黑體" pitchFamily="34" charset="-120"/>
+                <a:ea typeface="微軟正黑體" pitchFamily="34" charset="-120"/>
+              </a:rPr>
+              <a:t>中</a:t>
+            </a:r>
+            <a:r>
+              <a:rPr lang="en-US" altLang="zh-TW" sz="4800" b="1" dirty="0" smtClean="0">
+                <a:solidFill>
+                  <a:srgbClr val="000066"/>
+                </a:solidFill>
+                <a:latin typeface="微軟正黑體" pitchFamily="34" charset="-120"/>
+                <a:ea typeface="微軟正黑體" pitchFamily="34" charset="-120"/>
+              </a:rPr>
+              <a:t>  </a:t>
+            </a:r>
+            <a:r>
+              <a:rPr lang="zh-TW" altLang="en-US" sz="4800" b="1" dirty="0" smtClean="0">
+                <a:solidFill>
+                  <a:srgbClr val="000066"/>
+                </a:solidFill>
+                <a:latin typeface="微軟正黑體" pitchFamily="34" charset="-120"/>
+                <a:ea typeface="微軟正黑體" pitchFamily="34" charset="-120"/>
+              </a:rPr>
+              <a:t>直</a:t>
+            </a:r>
+            <a:r>
+              <a:rPr lang="zh-TW" altLang="en-US" sz="4800" b="1" dirty="0">
+                <a:solidFill>
+                  <a:srgbClr val="000066"/>
+                </a:solidFill>
+                <a:latin typeface="微軟正黑體" pitchFamily="34" charset="-120"/>
+                <a:ea typeface="微軟正黑體" pitchFamily="34" charset="-120"/>
+              </a:rPr>
+              <a:t>到永永遠遠</a:t>
+            </a:r>
+          </a:p>
+          <a:p>
+            <a:pPr algn="ctr">
+              <a:buNone/>
+            </a:pPr>
+            <a:endParaRPr lang="zh-TW" altLang="en-US" sz="4800" b="1" dirty="0">
+              <a:solidFill>
+                <a:srgbClr val="000066"/>
+              </a:solidFill>
+              <a:latin typeface="微軟正黑體" pitchFamily="34" charset="-120"/>
+              <a:ea typeface="微軟正黑體" pitchFamily="34" charset="-120"/>
+            </a:endParaRPr>
+          </a:p>
+        </p:txBody>
+      </p:sp>
+      <p:sp>
+        <p:nvSpPr>
+          <p:cNvPr id="4" name="TextBox 3"/>
+          <p:cNvSpPr txBox="1"/>
+          <p:nvPr/>
+        </p:nvSpPr>
+        <p:spPr>
+          <a:xfrm>
+            <a:off x="7092280" y="1236697"/>
+            <a:ext cx="1872208" cy="830997"/>
+          </a:xfrm>
+          <a:prstGeom prst="rect">
+            <a:avLst/>
+          </a:prstGeom>
+          <a:noFill/>
+        </p:spPr>
+        <p:txBody>
+          <a:bodyPr wrap="square" rtlCol="0">
+            <a:spAutoFit/>
+          </a:bodyPr>
+          <a:lstStyle/>
+          <a:p>
+            <a:r>
+              <a:rPr lang="zh-TW" altLang="en-US" sz="4800" b="1" dirty="0" smtClean="0">
+                <a:solidFill>
+                  <a:srgbClr val="000066"/>
+                </a:solidFill>
+                <a:latin typeface="微軟正黑體" pitchFamily="34" charset="-120"/>
+                <a:ea typeface="微軟正黑體" pitchFamily="34" charset="-120"/>
+              </a:rPr>
+              <a:t>筵</a:t>
+            </a:r>
+            <a:endParaRPr lang="en-US" sz="4800" dirty="0">
+              <a:solidFill>
+                <a:srgbClr val="000066"/>
+              </a:solidFill>
+            </a:endParaRPr>
           </a:p>
         </p:txBody>
       </p:sp>
     </p:spTree>
+    <p:extLst>
+      <p:ext uri="{BB962C8B-B14F-4D97-AF65-F5344CB8AC3E}">
+        <p14:creationId xmlns:p14="http://schemas.microsoft.com/office/powerpoint/2010/main" val="76446710"/>
+      </p:ext>
+    </p:extLst>
   </p:cSld>
   <p:clrMapOvr>
     <a:masterClrMapping/>
@@ -3361,54 +3820,123 @@
         </p:nvSpPr>
         <p:spPr/>
         <p:txBody>
-          <a:bodyPr/>
-          <a:lstStyle/>
-          <a:p>
-            <a:r>
-              <a:rPr lang="zh-TW" altLang="en-US" b="1" dirty="0">
-                <a:latin typeface="微軟正黑體" pitchFamily="34" charset="-120"/>
-                <a:ea typeface="微軟正黑體" pitchFamily="34" charset="-120"/>
-              </a:rPr>
-              <a:t>耶和華是我牧者</a:t>
-            </a:r>
-          </a:p>
-        </p:txBody>
-      </p:sp>
-      <p:sp>
-        <p:nvSpPr>
-          <p:cNvPr id="3" name="內容版面配置區 2"/>
-          <p:cNvSpPr>
-            <a:spLocks noGrp="1"/>
-          </p:cNvSpPr>
-          <p:nvPr>
-            <p:ph idx="1"/>
-          </p:nvPr>
-        </p:nvSpPr>
-        <p:spPr/>
-        <p:txBody>
           <a:bodyPr>
             <a:normAutofit/>
           </a:bodyPr>
           <a:lstStyle/>
           <a:p>
+            <a:r>
+              <a:rPr lang="zh-TW" altLang="en-US" sz="4000" b="1" dirty="0">
+                <a:solidFill>
+                  <a:srgbClr val="000066"/>
+                </a:solidFill>
+                <a:latin typeface="微軟正黑體" pitchFamily="34" charset="-120"/>
+                <a:ea typeface="微軟正黑體" pitchFamily="34" charset="-120"/>
+              </a:rPr>
+              <a:t>耶和華是我牧者</a:t>
+            </a:r>
+          </a:p>
+        </p:txBody>
+      </p:sp>
+      <p:sp>
+        <p:nvSpPr>
+          <p:cNvPr id="3" name="內容版面配置區 2"/>
+          <p:cNvSpPr>
+            <a:spLocks noGrp="1"/>
+          </p:cNvSpPr>
+          <p:nvPr>
+            <p:ph idx="1"/>
+          </p:nvPr>
+        </p:nvSpPr>
+        <p:spPr>
+          <a:xfrm>
+            <a:off x="0" y="1200151"/>
+            <a:ext cx="9144000" cy="3394472"/>
+          </a:xfrm>
+        </p:spPr>
+        <p:txBody>
+          <a:bodyPr>
+            <a:noAutofit/>
+          </a:bodyPr>
+          <a:lstStyle/>
+          <a:p>
             <a:pPr algn="ctr">
               <a:buNone/>
             </a:pPr>
             <a:r>
-              <a:rPr lang="zh-TW" altLang="en-US" sz="5400" b="1" dirty="0">
-                <a:latin typeface="微軟正黑體" pitchFamily="34" charset="-120"/>
-                <a:ea typeface="微軟正黑體" pitchFamily="34" charset="-120"/>
-              </a:rPr>
-              <a:t>在我敵人</a:t>
-            </a:r>
-            <a:r>
-              <a:rPr lang="zh-TW" altLang="en-US" sz="5400" b="1" dirty="0" smtClean="0">
-                <a:latin typeface="微軟正黑體" pitchFamily="34" charset="-120"/>
-                <a:ea typeface="微軟正黑體" pitchFamily="34" charset="-120"/>
-              </a:rPr>
-              <a:t>面前</a:t>
-            </a:r>
-            <a:endParaRPr lang="en-US" altLang="zh-TW" sz="5400" b="1" dirty="0" smtClean="0">
+              <a:rPr lang="zh-TW" altLang="en-US" sz="4800" b="1" dirty="0">
+                <a:solidFill>
+                  <a:srgbClr val="000066"/>
+                </a:solidFill>
+                <a:latin typeface="微軟正黑體" pitchFamily="34" charset="-120"/>
+                <a:ea typeface="微軟正黑體" pitchFamily="34" charset="-120"/>
+              </a:rPr>
+              <a:t>嘿嘿喲 </a:t>
+            </a:r>
+            <a:r>
+              <a:rPr lang="zh-TW" altLang="en-US" sz="4800" b="1" dirty="0" smtClean="0">
+                <a:solidFill>
+                  <a:srgbClr val="000066"/>
+                </a:solidFill>
+                <a:latin typeface="微軟正黑體" pitchFamily="34" charset="-120"/>
+                <a:ea typeface="微軟正黑體" pitchFamily="34" charset="-120"/>
+              </a:rPr>
+              <a:t>嘿</a:t>
+            </a:r>
+            <a:r>
+              <a:rPr lang="zh-TW" altLang="en-US" sz="4800" b="1" dirty="0">
+                <a:solidFill>
+                  <a:srgbClr val="000066"/>
+                </a:solidFill>
+                <a:latin typeface="微軟正黑體" pitchFamily="34" charset="-120"/>
+                <a:ea typeface="微軟正黑體" pitchFamily="34" charset="-120"/>
+              </a:rPr>
+              <a:t>嘿</a:t>
+            </a:r>
+            <a:r>
+              <a:rPr lang="zh-TW" altLang="en-US" sz="4800" b="1" dirty="0" smtClean="0">
+                <a:solidFill>
+                  <a:srgbClr val="000066"/>
+                </a:solidFill>
+                <a:latin typeface="微軟正黑體" pitchFamily="34" charset="-120"/>
+                <a:ea typeface="微軟正黑體" pitchFamily="34" charset="-120"/>
+              </a:rPr>
+              <a:t>喲</a:t>
+            </a:r>
+            <a:r>
+              <a:rPr lang="en-US" altLang="zh-TW" sz="4800" b="1" dirty="0">
+                <a:solidFill>
+                  <a:srgbClr val="000066"/>
+                </a:solidFill>
+                <a:latin typeface="微軟正黑體" pitchFamily="34" charset="-120"/>
+                <a:ea typeface="微軟正黑體" pitchFamily="34" charset="-120"/>
+              </a:rPr>
+              <a:t> </a:t>
+            </a:r>
+            <a:r>
+              <a:rPr lang="zh-TW" altLang="en-US" sz="4800" b="1" dirty="0" smtClean="0">
+                <a:solidFill>
+                  <a:srgbClr val="000066"/>
+                </a:solidFill>
+                <a:latin typeface="微軟正黑體" pitchFamily="34" charset="-120"/>
+                <a:ea typeface="微軟正黑體" pitchFamily="34" charset="-120"/>
+              </a:rPr>
+              <a:t>主</a:t>
+            </a:r>
+            <a:r>
+              <a:rPr lang="zh-TW" altLang="en-US" sz="4800" b="1" dirty="0">
+                <a:solidFill>
+                  <a:srgbClr val="000066"/>
+                </a:solidFill>
+                <a:latin typeface="微軟正黑體" pitchFamily="34" charset="-120"/>
+                <a:ea typeface="微軟正黑體" pitchFamily="34" charset="-120"/>
+              </a:rPr>
+              <a:t>你與我同在</a:t>
+            </a:r>
+            <a:endParaRPr lang="en-US" altLang="zh-TW" sz="4800" b="1" dirty="0">
+              <a:solidFill>
+                <a:srgbClr val="000066"/>
+              </a:solidFill>
               <a:latin typeface="微軟正黑體" pitchFamily="34" charset="-120"/>
               <a:ea typeface="微軟正黑體" pitchFamily="34" charset="-120"/>
             </a:endParaRPr>
@@ -3418,34 +3946,79 @@
               <a:buNone/>
             </a:pPr>
             <a:r>
-              <a:rPr lang="zh-TW" altLang="en-US" sz="5400" b="1" dirty="0" smtClean="0">
-                <a:latin typeface="微軟正黑體" pitchFamily="34" charset="-120"/>
-                <a:ea typeface="微軟正黑體" pitchFamily="34" charset="-120"/>
-              </a:rPr>
-              <a:t>為</a:t>
-            </a:r>
-            <a:r>
-              <a:rPr lang="zh-TW" altLang="en-US" sz="5400" b="1" dirty="0">
+              <a:rPr lang="zh-TW" altLang="en-US" sz="4800" b="1" dirty="0">
+                <a:solidFill>
+                  <a:srgbClr val="000066"/>
+                </a:solidFill>
+                <a:latin typeface="微軟正黑體" pitchFamily="34" charset="-120"/>
+                <a:ea typeface="微軟正黑體" pitchFamily="34" charset="-120"/>
+              </a:rPr>
+              <a:t>你的杖和你的</a:t>
+            </a:r>
+            <a:r>
+              <a:rPr lang="zh-TW" altLang="en-US" sz="4800" b="1" dirty="0" smtClean="0">
+                <a:solidFill>
+                  <a:srgbClr val="000066"/>
+                </a:solidFill>
+                <a:latin typeface="微軟正黑體" pitchFamily="34" charset="-120"/>
+                <a:ea typeface="微軟正黑體" pitchFamily="34" charset="-120"/>
+              </a:rPr>
+              <a:t>竿</a:t>
+            </a:r>
+            <a:r>
+              <a:rPr lang="en-US" altLang="zh-TW" sz="4800" b="1" dirty="0">
+                <a:solidFill>
+                  <a:srgbClr val="000066"/>
+                </a:solidFill>
+                <a:latin typeface="微軟正黑體" pitchFamily="34" charset="-120"/>
+                <a:ea typeface="微軟正黑體" pitchFamily="34" charset="-120"/>
+              </a:rPr>
+              <a:t> </a:t>
+            </a:r>
+            <a:r>
+              <a:rPr lang="en-US" altLang="zh-TW" sz="4800" b="1" dirty="0" smtClean="0">
+                <a:solidFill>
+                  <a:srgbClr val="000066"/>
+                </a:solidFill>
+                <a:latin typeface="微軟正黑體" pitchFamily="34" charset="-120"/>
+                <a:ea typeface="微軟正黑體" pitchFamily="34" charset="-120"/>
+              </a:rPr>
+              <a:t> </a:t>
+            </a:r>
+            <a:r>
+              <a:rPr lang="zh-TW" altLang="en-US" sz="4800" b="1" dirty="0" smtClean="0">
+                <a:solidFill>
+                  <a:srgbClr val="000066"/>
+                </a:solidFill>
+                <a:latin typeface="微軟正黑體" pitchFamily="34" charset="-120"/>
+                <a:ea typeface="微軟正黑體" pitchFamily="34" charset="-120"/>
+              </a:rPr>
+              <a:t>時</a:t>
+            </a:r>
+            <a:r>
+              <a:rPr lang="zh-TW" altLang="en-US" sz="4800" b="1" dirty="0">
+                <a:solidFill>
+                  <a:srgbClr val="000066"/>
+                </a:solidFill>
+                <a:latin typeface="微軟正黑體" pitchFamily="34" charset="-120"/>
+                <a:ea typeface="微軟正黑體" pitchFamily="34" charset="-120"/>
+              </a:rPr>
+              <a:t>時都安慰</a:t>
+            </a:r>
+            <a:r>
+              <a:rPr lang="zh-TW" altLang="en-US" sz="4800" b="1" dirty="0" smtClean="0">
+                <a:solidFill>
+                  <a:srgbClr val="000066"/>
+                </a:solidFill>
                 <a:latin typeface="微軟正黑體" pitchFamily="34" charset="-120"/>
                 <a:ea typeface="微軟正黑體" pitchFamily="34" charset="-120"/>
               </a:rPr>
               <a:t>我</a:t>
             </a:r>
-            <a:r>
-              <a:rPr lang="zh-TW" altLang="en-US" sz="5400" b="1" dirty="0" smtClean="0">
-                <a:latin typeface="微軟正黑體" pitchFamily="34" charset="-120"/>
-                <a:ea typeface="微軟正黑體" pitchFamily="34" charset="-120"/>
-              </a:rPr>
-              <a:t>擺設</a:t>
-            </a:r>
-            <a:r>
-              <a:rPr lang="zh-CN" altLang="en-US" sz="5400" b="1" dirty="0" smtClean="0">
-                <a:latin typeface="微軟正黑體" pitchFamily="34" charset="-120"/>
-                <a:ea typeface="微軟正黑體" pitchFamily="34" charset="-120"/>
-              </a:rPr>
-              <a:t>筵席</a:t>
-            </a:r>
-            <a:endParaRPr lang="en-US" altLang="zh-TW" sz="5400" b="1" dirty="0" smtClean="0">
+            <a:endParaRPr lang="en-US" altLang="zh-TW" sz="4800" b="1" dirty="0" smtClean="0">
+              <a:solidFill>
+                <a:srgbClr val="000066"/>
+              </a:solidFill>
               <a:latin typeface="微軟正黑體" pitchFamily="34" charset="-120"/>
               <a:ea typeface="微軟正黑體" pitchFamily="34" charset="-120"/>
             </a:endParaRPr>
@@ -3455,27 +4028,79 @@
               <a:buNone/>
             </a:pPr>
             <a:r>
-              <a:rPr lang="zh-TW" altLang="en-US" sz="5400" b="1" dirty="0" smtClean="0">
-                <a:latin typeface="微軟正黑體" pitchFamily="34" charset="-120"/>
-                <a:ea typeface="微軟正黑體" pitchFamily="34" charset="-120"/>
-              </a:rPr>
-              <a:t>你</a:t>
-            </a:r>
-            <a:r>
-              <a:rPr lang="zh-TW" altLang="en-US" sz="5400" b="1" dirty="0">
-                <a:latin typeface="微軟正黑體" pitchFamily="34" charset="-120"/>
-                <a:ea typeface="微軟正黑體" pitchFamily="34" charset="-120"/>
-              </a:rPr>
-              <a:t>用油膏我的</a:t>
-            </a:r>
-            <a:r>
-              <a:rPr lang="zh-TW" altLang="en-US" sz="5400" b="1" dirty="0" smtClean="0">
-                <a:latin typeface="微軟正黑體" pitchFamily="34" charset="-120"/>
-                <a:ea typeface="微軟正黑體" pitchFamily="34" charset="-120"/>
-              </a:rPr>
-              <a:t>頭</a:t>
-            </a:r>
-            <a:endParaRPr lang="en-US" altLang="zh-TW" sz="5400" b="1" dirty="0" smtClean="0">
+              <a:rPr lang="zh-TW" altLang="en-US" sz="4800" b="1" dirty="0">
+                <a:solidFill>
+                  <a:srgbClr val="000066"/>
+                </a:solidFill>
+                <a:latin typeface="微軟正黑體" pitchFamily="34" charset="-120"/>
+                <a:ea typeface="微軟正黑體" pitchFamily="34" charset="-120"/>
+              </a:rPr>
+              <a:t>嘿嘿喲 </a:t>
+            </a:r>
+            <a:r>
+              <a:rPr lang="zh-TW" altLang="en-US" sz="4800" b="1" dirty="0" smtClean="0">
+                <a:solidFill>
+                  <a:srgbClr val="000066"/>
+                </a:solidFill>
+                <a:latin typeface="微軟正黑體" pitchFamily="34" charset="-120"/>
+                <a:ea typeface="微軟正黑體" pitchFamily="34" charset="-120"/>
+              </a:rPr>
+              <a:t>嘿</a:t>
+            </a:r>
+            <a:r>
+              <a:rPr lang="zh-TW" altLang="en-US" sz="4800" b="1" dirty="0">
+                <a:solidFill>
+                  <a:srgbClr val="000066"/>
+                </a:solidFill>
+                <a:latin typeface="微軟正黑體" pitchFamily="34" charset="-120"/>
+                <a:ea typeface="微軟正黑體" pitchFamily="34" charset="-120"/>
+              </a:rPr>
+              <a:t>嘿</a:t>
+            </a:r>
+            <a:r>
+              <a:rPr lang="zh-TW" altLang="en-US" sz="4800" b="1" dirty="0" smtClean="0">
+                <a:solidFill>
+                  <a:srgbClr val="000066"/>
+                </a:solidFill>
+                <a:latin typeface="微軟正黑體" pitchFamily="34" charset="-120"/>
+                <a:ea typeface="微軟正黑體" pitchFamily="34" charset="-120"/>
+              </a:rPr>
+              <a:t>喲</a:t>
+            </a:r>
+            <a:r>
+              <a:rPr lang="en-US" altLang="zh-TW" sz="4800" b="1" dirty="0" smtClean="0">
+                <a:solidFill>
+                  <a:srgbClr val="000066"/>
+                </a:solidFill>
+                <a:latin typeface="微軟正黑體" pitchFamily="34" charset="-120"/>
+                <a:ea typeface="微軟正黑體" pitchFamily="34" charset="-120"/>
+              </a:rPr>
+              <a:t> </a:t>
+            </a:r>
+            <a:r>
+              <a:rPr lang="zh-TW" altLang="en-US" sz="4800" b="1" dirty="0" smtClean="0">
+                <a:solidFill>
+                  <a:srgbClr val="000066"/>
+                </a:solidFill>
+                <a:latin typeface="微軟正黑體" pitchFamily="34" charset="-120"/>
+                <a:ea typeface="微軟正黑體" pitchFamily="34" charset="-120"/>
+              </a:rPr>
+              <a:t>有</a:t>
+            </a:r>
+            <a:r>
+              <a:rPr lang="zh-TW" altLang="en-US" sz="4800" b="1" dirty="0">
+                <a:solidFill>
+                  <a:srgbClr val="000066"/>
+                </a:solidFill>
+                <a:latin typeface="微軟正黑體" pitchFamily="34" charset="-120"/>
+                <a:ea typeface="微軟正黑體" pitchFamily="34" charset="-120"/>
+              </a:rPr>
+              <a:t>慈愛跟隨我</a:t>
+            </a:r>
+            <a:endParaRPr lang="en-US" altLang="zh-TW" sz="4800" b="1" dirty="0">
+              <a:solidFill>
+                <a:srgbClr val="000066"/>
+              </a:solidFill>
               <a:latin typeface="微軟正黑體" pitchFamily="34" charset="-120"/>
               <a:ea typeface="微軟正黑體" pitchFamily="34" charset="-120"/>
             </a:endParaRPr>
@@ -3485,27 +4110,64 @@
               <a:buNone/>
             </a:pPr>
             <a:r>
-              <a:rPr lang="zh-TW" altLang="en-US" sz="5400" b="1" dirty="0" smtClean="0">
-                <a:latin typeface="微軟正黑體" pitchFamily="34" charset="-120"/>
-                <a:ea typeface="微軟正黑體" pitchFamily="34" charset="-120"/>
-              </a:rPr>
-              <a:t>使</a:t>
-            </a:r>
-            <a:r>
-              <a:rPr lang="zh-TW" altLang="en-US" sz="5400" b="1" dirty="0">
-                <a:latin typeface="微軟正黑體" pitchFamily="34" charset="-120"/>
-                <a:ea typeface="微軟正黑體" pitchFamily="34" charset="-120"/>
-              </a:rPr>
-              <a:t>我福杯滿</a:t>
-            </a:r>
-            <a:r>
-              <a:rPr lang="zh-TW" altLang="en-US" sz="5400" b="1" dirty="0" smtClean="0">
-                <a:latin typeface="微軟正黑體" pitchFamily="34" charset="-120"/>
-                <a:ea typeface="微軟正黑體" pitchFamily="34" charset="-120"/>
-              </a:rPr>
-              <a:t>溢</a:t>
-            </a:r>
-            <a:endParaRPr lang="zh-TW" altLang="en-US" sz="5400" b="1" dirty="0">
+              <a:rPr lang="zh-TW" altLang="en-US" sz="4800" b="1" dirty="0">
+                <a:solidFill>
+                  <a:srgbClr val="000066"/>
+                </a:solidFill>
+                <a:latin typeface="微軟正黑體" pitchFamily="34" charset="-120"/>
+                <a:ea typeface="微軟正黑體" pitchFamily="34" charset="-120"/>
+              </a:rPr>
+              <a:t>我要住在你殿</a:t>
+            </a:r>
+            <a:r>
+              <a:rPr lang="zh-TW" altLang="en-US" sz="4800" b="1" dirty="0" smtClean="0">
+                <a:solidFill>
+                  <a:srgbClr val="000066"/>
+                </a:solidFill>
+                <a:latin typeface="微軟正黑體" pitchFamily="34" charset="-120"/>
+                <a:ea typeface="微軟正黑體" pitchFamily="34" charset="-120"/>
+              </a:rPr>
+              <a:t>中</a:t>
+            </a:r>
+            <a:r>
+              <a:rPr lang="en-US" altLang="zh-TW" sz="4800" b="1" dirty="0" smtClean="0">
+                <a:solidFill>
+                  <a:srgbClr val="000066"/>
+                </a:solidFill>
+                <a:latin typeface="微軟正黑體" pitchFamily="34" charset="-120"/>
+                <a:ea typeface="微軟正黑體" pitchFamily="34" charset="-120"/>
+              </a:rPr>
+              <a:t>  </a:t>
+            </a:r>
+            <a:r>
+              <a:rPr lang="zh-TW" altLang="en-US" sz="4800" b="1" dirty="0" smtClean="0">
+                <a:solidFill>
+                  <a:srgbClr val="000066"/>
+                </a:solidFill>
+                <a:latin typeface="微軟正黑體" pitchFamily="34" charset="-120"/>
+                <a:ea typeface="微軟正黑體" pitchFamily="34" charset="-120"/>
+              </a:rPr>
+              <a:t>直</a:t>
+            </a:r>
+            <a:r>
+              <a:rPr lang="zh-TW" altLang="en-US" sz="4800" b="1" dirty="0">
+                <a:solidFill>
+                  <a:srgbClr val="000066"/>
+                </a:solidFill>
+                <a:latin typeface="微軟正黑體" pitchFamily="34" charset="-120"/>
+                <a:ea typeface="微軟正黑體" pitchFamily="34" charset="-120"/>
+              </a:rPr>
+              <a:t>到永永遠遠</a:t>
+            </a:r>
+          </a:p>
+          <a:p>
+            <a:pPr algn="ctr">
+              <a:buNone/>
+            </a:pPr>
+            <a:endParaRPr lang="zh-TW" altLang="en-US" sz="4800" b="1" dirty="0">
+              <a:solidFill>
+                <a:srgbClr val="000066"/>
+              </a:solidFill>
               <a:latin typeface="微軟正黑體" pitchFamily="34" charset="-120"/>
               <a:ea typeface="微軟正黑體" pitchFamily="34" charset="-120"/>
             </a:endParaRPr>
@@ -3513,390 +4175,11 @@
         </p:txBody>
       </p:sp>
     </p:spTree>
-  </p:cSld>
-  <p:clrMapOvr>
-    <a:masterClrMapping/>
-  </p:clrMapOvr>
-</p:sld>
-</file>
-
-<file path=ppt/slides/slide4.xml><?xml version="1.0" encoding="utf-8"?>
-<p:sld xmlns:a="http://schemas.openxmlformats.org/drawingml/2006/main" xmlns:r="http://schemas.openxmlformats.org/officeDocument/2006/relationships" xmlns:p="http://schemas.openxmlformats.org/presentationml/2006/main">
-  <p:cSld>
-    <p:spTree>
-      <p:nvGrpSpPr>
-        <p:cNvPr id="1" name=""/>
-        <p:cNvGrpSpPr/>
-        <p:nvPr/>
-      </p:nvGrpSpPr>
-      <p:grpSpPr>
-        <a:xfrm>
-          <a:off x="0" y="0"/>
-          <a:ext cx="0" cy="0"/>
-          <a:chOff x="0" y="0"/>
-          <a:chExt cx="0" cy="0"/>
-        </a:xfrm>
-      </p:grpSpPr>
-      <p:sp>
-        <p:nvSpPr>
-          <p:cNvPr id="2" name="標題 1"/>
-          <p:cNvSpPr>
-            <a:spLocks noGrp="1"/>
-          </p:cNvSpPr>
-          <p:nvPr>
-            <p:ph type="title"/>
-          </p:nvPr>
-        </p:nvSpPr>
-        <p:spPr/>
-        <p:txBody>
-          <a:bodyPr/>
-          <a:lstStyle/>
-          <a:p>
-            <a:r>
-              <a:rPr lang="zh-TW" altLang="en-US" b="1" dirty="0">
-                <a:latin typeface="微軟正黑體" pitchFamily="34" charset="-120"/>
-                <a:ea typeface="微軟正黑體" pitchFamily="34" charset="-120"/>
-              </a:rPr>
-              <a:t>耶和華是我牧者</a:t>
-            </a:r>
-          </a:p>
-        </p:txBody>
-      </p:sp>
-      <p:sp>
-        <p:nvSpPr>
-          <p:cNvPr id="3" name="內容版面配置區 2"/>
-          <p:cNvSpPr>
-            <a:spLocks noGrp="1"/>
-          </p:cNvSpPr>
-          <p:nvPr>
-            <p:ph idx="1"/>
-          </p:nvPr>
-        </p:nvSpPr>
-        <p:spPr/>
-        <p:txBody>
-          <a:bodyPr>
-            <a:normAutofit/>
-          </a:bodyPr>
-          <a:lstStyle/>
-          <a:p>
-            <a:pPr algn="ctr">
-              <a:buNone/>
-            </a:pPr>
-            <a:r>
-              <a:rPr lang="zh-TW" altLang="en-US" sz="5400" b="1" dirty="0">
-                <a:latin typeface="微軟正黑體" pitchFamily="34" charset="-120"/>
-                <a:ea typeface="微軟正黑體" pitchFamily="34" charset="-120"/>
-              </a:rPr>
-              <a:t>一生一世有恩惠</a:t>
-            </a:r>
-            <a:endParaRPr lang="en-US" altLang="zh-TW" sz="5400" b="1" dirty="0">
-              <a:latin typeface="微軟正黑體" pitchFamily="34" charset="-120"/>
-              <a:ea typeface="微軟正黑體" pitchFamily="34" charset="-120"/>
-            </a:endParaRPr>
-          </a:p>
-          <a:p>
-            <a:pPr algn="ctr">
-              <a:buNone/>
-            </a:pPr>
-            <a:r>
-              <a:rPr lang="zh-TW" altLang="en-US" sz="5400" b="1" dirty="0">
-                <a:latin typeface="微軟正黑體" pitchFamily="34" charset="-120"/>
-                <a:ea typeface="微軟正黑體" pitchFamily="34" charset="-120"/>
-              </a:rPr>
-              <a:t>有慈愛跟隨我</a:t>
-            </a:r>
-            <a:endParaRPr lang="en-US" altLang="zh-TW" sz="5400" b="1" dirty="0">
-              <a:latin typeface="微軟正黑體" pitchFamily="34" charset="-120"/>
-              <a:ea typeface="微軟正黑體" pitchFamily="34" charset="-120"/>
-            </a:endParaRPr>
-          </a:p>
-          <a:p>
-            <a:pPr algn="ctr">
-              <a:buNone/>
-            </a:pPr>
-            <a:r>
-              <a:rPr lang="zh-TW" altLang="en-US" sz="5400" b="1" dirty="0">
-                <a:latin typeface="微軟正黑體" pitchFamily="34" charset="-120"/>
-                <a:ea typeface="微軟正黑體" pitchFamily="34" charset="-120"/>
-              </a:rPr>
-              <a:t>我要住在你殿中</a:t>
-            </a:r>
-            <a:endParaRPr lang="en-US" altLang="zh-TW" sz="5400" b="1" dirty="0">
-              <a:latin typeface="微軟正黑體" pitchFamily="34" charset="-120"/>
-              <a:ea typeface="微軟正黑體" pitchFamily="34" charset="-120"/>
-            </a:endParaRPr>
-          </a:p>
-          <a:p>
-            <a:pPr algn="ctr">
-              <a:buNone/>
-            </a:pPr>
-            <a:r>
-              <a:rPr lang="zh-TW" altLang="en-US" sz="5400" b="1" dirty="0">
-                <a:latin typeface="微軟正黑體" pitchFamily="34" charset="-120"/>
-                <a:ea typeface="微軟正黑體" pitchFamily="34" charset="-120"/>
-              </a:rPr>
-              <a:t>直到永永遠遠</a:t>
-            </a:r>
-          </a:p>
-        </p:txBody>
-      </p:sp>
-    </p:spTree>
-  </p:cSld>
-  <p:clrMapOvr>
-    <a:masterClrMapping/>
-  </p:clrMapOvr>
-</p:sld>
-</file>
-
-<file path=ppt/slides/slide5.xml><?xml version="1.0" encoding="utf-8"?>
-<p:sld xmlns:a="http://schemas.openxmlformats.org/drawingml/2006/main" xmlns:r="http://schemas.openxmlformats.org/officeDocument/2006/relationships" xmlns:p="http://schemas.openxmlformats.org/presentationml/2006/main">
-  <p:cSld>
-    <p:spTree>
-      <p:nvGrpSpPr>
-        <p:cNvPr id="1" name=""/>
-        <p:cNvGrpSpPr/>
-        <p:nvPr/>
-      </p:nvGrpSpPr>
-      <p:grpSpPr>
-        <a:xfrm>
-          <a:off x="0" y="0"/>
-          <a:ext cx="0" cy="0"/>
-          <a:chOff x="0" y="0"/>
-          <a:chExt cx="0" cy="0"/>
-        </a:xfrm>
-      </p:grpSpPr>
-      <p:sp>
-        <p:nvSpPr>
-          <p:cNvPr id="2" name="標題 1"/>
-          <p:cNvSpPr>
-            <a:spLocks noGrp="1"/>
-          </p:cNvSpPr>
-          <p:nvPr>
-            <p:ph type="title"/>
-          </p:nvPr>
-        </p:nvSpPr>
-        <p:spPr/>
-        <p:txBody>
-          <a:bodyPr/>
-          <a:lstStyle/>
-          <a:p>
-            <a:r>
-              <a:rPr lang="zh-TW" altLang="en-US" b="1" dirty="0">
-                <a:latin typeface="微軟正黑體" pitchFamily="34" charset="-120"/>
-                <a:ea typeface="微軟正黑體" pitchFamily="34" charset="-120"/>
-              </a:rPr>
-              <a:t>耶和華是我牧者</a:t>
-            </a:r>
-          </a:p>
-        </p:txBody>
-      </p:sp>
-      <p:sp>
-        <p:nvSpPr>
-          <p:cNvPr id="3" name="內容版面配置區 2"/>
-          <p:cNvSpPr>
-            <a:spLocks noGrp="1"/>
-          </p:cNvSpPr>
-          <p:nvPr>
-            <p:ph idx="1"/>
-          </p:nvPr>
-        </p:nvSpPr>
-        <p:spPr/>
-        <p:txBody>
-          <a:bodyPr>
-            <a:normAutofit/>
-          </a:bodyPr>
-          <a:lstStyle/>
-          <a:p>
-            <a:pPr algn="ctr">
-              <a:buNone/>
-            </a:pPr>
-            <a:r>
-              <a:rPr lang="zh-TW" altLang="en-US" sz="5400" b="1" dirty="0">
-                <a:latin typeface="微軟正黑體" pitchFamily="34" charset="-120"/>
-                <a:ea typeface="微軟正黑體" pitchFamily="34" charset="-120"/>
-              </a:rPr>
-              <a:t>嘿嘿喲   嘿嘿喲</a:t>
-            </a:r>
-            <a:endParaRPr lang="en-US" altLang="zh-TW" sz="5400" b="1" dirty="0">
-              <a:latin typeface="微軟正黑體" pitchFamily="34" charset="-120"/>
-              <a:ea typeface="微軟正黑體" pitchFamily="34" charset="-120"/>
-            </a:endParaRPr>
-          </a:p>
-          <a:p>
-            <a:pPr algn="ctr">
-              <a:buNone/>
-            </a:pPr>
-            <a:r>
-              <a:rPr lang="zh-TW" altLang="en-US" sz="5400" b="1" dirty="0">
-                <a:latin typeface="微軟正黑體" pitchFamily="34" charset="-120"/>
-                <a:ea typeface="微軟正黑體" pitchFamily="34" charset="-120"/>
-              </a:rPr>
-              <a:t>主你與我同在</a:t>
-            </a:r>
-            <a:endParaRPr lang="en-US" altLang="zh-TW" sz="5400" b="1" dirty="0">
-              <a:latin typeface="微軟正黑體" pitchFamily="34" charset="-120"/>
-              <a:ea typeface="微軟正黑體" pitchFamily="34" charset="-120"/>
-            </a:endParaRPr>
-          </a:p>
-          <a:p>
-            <a:pPr algn="ctr">
-              <a:buNone/>
-            </a:pPr>
-            <a:r>
-              <a:rPr lang="zh-TW" altLang="en-US" sz="5400" b="1" dirty="0">
-                <a:latin typeface="微軟正黑體" pitchFamily="34" charset="-120"/>
-                <a:ea typeface="微軟正黑體" pitchFamily="34" charset="-120"/>
-              </a:rPr>
-              <a:t>你的杖和你的竿</a:t>
-            </a:r>
-            <a:endParaRPr lang="en-US" altLang="zh-TW" sz="5400" b="1" dirty="0">
-              <a:latin typeface="微軟正黑體" pitchFamily="34" charset="-120"/>
-              <a:ea typeface="微軟正黑體" pitchFamily="34" charset="-120"/>
-            </a:endParaRPr>
-          </a:p>
-          <a:p>
-            <a:pPr algn="ctr">
-              <a:buNone/>
-            </a:pPr>
-            <a:r>
-              <a:rPr lang="zh-TW" altLang="en-US" sz="5400" b="1" dirty="0">
-                <a:latin typeface="微軟正黑體" pitchFamily="34" charset="-120"/>
-                <a:ea typeface="微軟正黑體" pitchFamily="34" charset="-120"/>
-              </a:rPr>
-              <a:t>時時都安慰我</a:t>
-            </a:r>
-          </a:p>
-        </p:txBody>
-      </p:sp>
-    </p:spTree>
-  </p:cSld>
-  <p:clrMapOvr>
-    <a:masterClrMapping/>
-  </p:clrMapOvr>
-</p:sld>
-</file>
-
-<file path=ppt/slides/slide6.xml><?xml version="1.0" encoding="utf-8"?>
-<p:sld xmlns:a="http://schemas.openxmlformats.org/drawingml/2006/main" xmlns:r="http://schemas.openxmlformats.org/officeDocument/2006/relationships" xmlns:p="http://schemas.openxmlformats.org/presentationml/2006/main">
-  <p:cSld>
-    <p:spTree>
-      <p:nvGrpSpPr>
-        <p:cNvPr id="1" name=""/>
-        <p:cNvGrpSpPr/>
-        <p:nvPr/>
-      </p:nvGrpSpPr>
-      <p:grpSpPr>
-        <a:xfrm>
-          <a:off x="0" y="0"/>
-          <a:ext cx="0" cy="0"/>
-          <a:chOff x="0" y="0"/>
-          <a:chExt cx="0" cy="0"/>
-        </a:xfrm>
-      </p:grpSpPr>
-      <p:sp>
-        <p:nvSpPr>
-          <p:cNvPr id="2" name="標題 1"/>
-          <p:cNvSpPr>
-            <a:spLocks noGrp="1"/>
-          </p:cNvSpPr>
-          <p:nvPr>
-            <p:ph type="title"/>
-          </p:nvPr>
-        </p:nvSpPr>
-        <p:spPr/>
-        <p:txBody>
-          <a:bodyPr/>
-          <a:lstStyle/>
-          <a:p>
-            <a:r>
-              <a:rPr lang="zh-TW" altLang="en-US" b="1" dirty="0">
-                <a:latin typeface="微軟正黑體" pitchFamily="34" charset="-120"/>
-                <a:ea typeface="微軟正黑體" pitchFamily="34" charset="-120"/>
-              </a:rPr>
-              <a:t>耶和華是我牧者</a:t>
-            </a:r>
-          </a:p>
-        </p:txBody>
-      </p:sp>
-      <p:sp>
-        <p:nvSpPr>
-          <p:cNvPr id="3" name="內容版面配置區 2"/>
-          <p:cNvSpPr>
-            <a:spLocks noGrp="1"/>
-          </p:cNvSpPr>
-          <p:nvPr>
-            <p:ph idx="1"/>
-          </p:nvPr>
-        </p:nvSpPr>
-        <p:spPr/>
-        <p:txBody>
-          <a:bodyPr>
-            <a:normAutofit/>
-          </a:bodyPr>
-          <a:lstStyle/>
-          <a:p>
-            <a:pPr algn="ctr">
-              <a:buNone/>
-            </a:pPr>
-            <a:r>
-              <a:rPr lang="zh-TW" altLang="en-US" sz="5400" b="1" dirty="0">
-                <a:latin typeface="微軟正黑體" pitchFamily="34" charset="-120"/>
-                <a:ea typeface="微軟正黑體" pitchFamily="34" charset="-120"/>
-              </a:rPr>
-              <a:t>嘿嘿喲   嘿嘿喲</a:t>
-            </a:r>
-            <a:endParaRPr lang="en-US" altLang="zh-TW" sz="5400" b="1" dirty="0">
-              <a:latin typeface="微軟正黑體" pitchFamily="34" charset="-120"/>
-              <a:ea typeface="微軟正黑體" pitchFamily="34" charset="-120"/>
-            </a:endParaRPr>
-          </a:p>
-          <a:p>
-            <a:pPr algn="ctr">
-              <a:buNone/>
-            </a:pPr>
-            <a:r>
-              <a:rPr lang="zh-TW" altLang="en-US" sz="5400" b="1" dirty="0">
-                <a:latin typeface="微軟正黑體" pitchFamily="34" charset="-120"/>
-                <a:ea typeface="微軟正黑體" pitchFamily="34" charset="-120"/>
-              </a:rPr>
-              <a:t>有慈愛跟隨我</a:t>
-            </a:r>
-            <a:endParaRPr lang="en-US" altLang="zh-TW" sz="5400" b="1" dirty="0">
-              <a:latin typeface="微軟正黑體" pitchFamily="34" charset="-120"/>
-              <a:ea typeface="微軟正黑體" pitchFamily="34" charset="-120"/>
-            </a:endParaRPr>
-          </a:p>
-          <a:p>
-            <a:pPr algn="ctr">
-              <a:buNone/>
-            </a:pPr>
-            <a:r>
-              <a:rPr lang="zh-TW" altLang="en-US" sz="5400" b="1" dirty="0">
-                <a:latin typeface="微軟正黑體" pitchFamily="34" charset="-120"/>
-                <a:ea typeface="微軟正黑體" pitchFamily="34" charset="-120"/>
-              </a:rPr>
-              <a:t>我要住在你殿中</a:t>
-            </a:r>
-            <a:endParaRPr lang="en-US" altLang="zh-TW" sz="5400" b="1" dirty="0">
-              <a:latin typeface="微軟正黑體" pitchFamily="34" charset="-120"/>
-              <a:ea typeface="微軟正黑體" pitchFamily="34" charset="-120"/>
-            </a:endParaRPr>
-          </a:p>
-          <a:p>
-            <a:pPr algn="ctr">
-              <a:buNone/>
-            </a:pPr>
-            <a:r>
-              <a:rPr lang="zh-TW" altLang="en-US" sz="5400" b="1" dirty="0">
-                <a:latin typeface="微軟正黑體" pitchFamily="34" charset="-120"/>
-                <a:ea typeface="微軟正黑體" pitchFamily="34" charset="-120"/>
-              </a:rPr>
-              <a:t>直到永永遠遠</a:t>
-            </a:r>
-          </a:p>
-        </p:txBody>
-      </p:sp>
-    </p:spTree>
+    <p:extLst>
+      <p:ext uri="{BB962C8B-B14F-4D97-AF65-F5344CB8AC3E}">
+        <p14:creationId xmlns:p14="http://schemas.microsoft.com/office/powerpoint/2010/main" val="2243816370"/>
+      </p:ext>
+    </p:extLst>
   </p:cSld>
   <p:clrMapOvr>
     <a:masterClrMapping/>
@@ -3905,7 +4188,7 @@
 </file>
 
 <file path=ppt/theme/theme1.xml><?xml version="1.0" encoding="utf-8"?>
-<a:theme xmlns:a="http://schemas.openxmlformats.org/drawingml/2006/main" name="Office 佈景主題">
+<a:theme xmlns:a="http://schemas.openxmlformats.org/drawingml/2006/main" name="Church Theme">
   <a:themeElements>
     <a:clrScheme name="Office">
       <a:dk1>

--- a/耶和華是我牧者.pptx
+++ b/耶和華是我牧者.pptx
@@ -106,6 +106,22 @@
       </a:defRPr>
     </a:lvl9pPr>
   </p:defaultTextStyle>
+  <p:extLst>
+    <p:ext uri="{EFAFB233-063F-42B5-8137-9DF3F51BA10A}">
+      <p15:sldGuideLst xmlns:p15="http://schemas.microsoft.com/office/powerpoint/2012/main">
+        <p15:guide id="1" orient="horz" pos="1620">
+          <p15:clr>
+            <a:srgbClr val="A4A3A4"/>
+          </p15:clr>
+        </p15:guide>
+        <p15:guide id="2" pos="2880">
+          <p15:clr>
+            <a:srgbClr val="A4A3A4"/>
+          </p15:clr>
+        </p15:guide>
+      </p15:sldGuideLst>
+    </p:ext>
+  </p:extLst>
 </p:presentation>
 </file>
 
@@ -290,7 +306,7 @@
           <a:p>
             <a:fld id="{6FBB1E1C-ED46-47E4-98BF-8279883B3BB1}" type="datetimeFigureOut">
               <a:rPr lang="zh-TW" altLang="en-US" smtClean="0"/>
-              <a:t>2019/9/28</a:t>
+              <a:t>2020/1/11</a:t>
             </a:fld>
             <a:endParaRPr lang="zh-TW" altLang="en-US"/>
           </a:p>
@@ -455,7 +471,7 @@
           <a:p>
             <a:fld id="{6FBB1E1C-ED46-47E4-98BF-8279883B3BB1}" type="datetimeFigureOut">
               <a:rPr lang="zh-TW" altLang="en-US" smtClean="0"/>
-              <a:t>2019/9/28</a:t>
+              <a:t>2020/1/11</a:t>
             </a:fld>
             <a:endParaRPr lang="zh-TW" altLang="en-US"/>
           </a:p>
@@ -630,7 +646,7 @@
           <a:p>
             <a:fld id="{6FBB1E1C-ED46-47E4-98BF-8279883B3BB1}" type="datetimeFigureOut">
               <a:rPr lang="zh-TW" altLang="en-US" smtClean="0"/>
-              <a:t>2019/9/28</a:t>
+              <a:t>2020/1/11</a:t>
             </a:fld>
             <a:endParaRPr lang="zh-TW" altLang="en-US"/>
           </a:p>
@@ -795,7 +811,7 @@
           <a:p>
             <a:fld id="{6FBB1E1C-ED46-47E4-98BF-8279883B3BB1}" type="datetimeFigureOut">
               <a:rPr lang="zh-TW" altLang="en-US" smtClean="0"/>
-              <a:t>2019/9/28</a:t>
+              <a:t>2020/1/11</a:t>
             </a:fld>
             <a:endParaRPr lang="zh-TW" altLang="en-US"/>
           </a:p>
@@ -1036,7 +1052,7 @@
           <a:p>
             <a:fld id="{6FBB1E1C-ED46-47E4-98BF-8279883B3BB1}" type="datetimeFigureOut">
               <a:rPr lang="zh-TW" altLang="en-US" smtClean="0"/>
-              <a:t>2019/9/28</a:t>
+              <a:t>2020/1/11</a:t>
             </a:fld>
             <a:endParaRPr lang="zh-TW" altLang="en-US"/>
           </a:p>
@@ -1319,7 +1335,7 @@
           <a:p>
             <a:fld id="{6FBB1E1C-ED46-47E4-98BF-8279883B3BB1}" type="datetimeFigureOut">
               <a:rPr lang="zh-TW" altLang="en-US" smtClean="0"/>
-              <a:t>2019/9/28</a:t>
+              <a:t>2020/1/11</a:t>
             </a:fld>
             <a:endParaRPr lang="zh-TW" altLang="en-US"/>
           </a:p>
@@ -1736,7 +1752,7 @@
           <a:p>
             <a:fld id="{6FBB1E1C-ED46-47E4-98BF-8279883B3BB1}" type="datetimeFigureOut">
               <a:rPr lang="zh-TW" altLang="en-US" smtClean="0"/>
-              <a:t>2019/9/28</a:t>
+              <a:t>2020/1/11</a:t>
             </a:fld>
             <a:endParaRPr lang="zh-TW" altLang="en-US"/>
           </a:p>
@@ -1849,7 +1865,7 @@
           <a:p>
             <a:fld id="{6FBB1E1C-ED46-47E4-98BF-8279883B3BB1}" type="datetimeFigureOut">
               <a:rPr lang="zh-TW" altLang="en-US" smtClean="0"/>
-              <a:t>2019/9/28</a:t>
+              <a:t>2020/1/11</a:t>
             </a:fld>
             <a:endParaRPr lang="zh-TW" altLang="en-US"/>
           </a:p>
@@ -1939,7 +1955,7 @@
           <a:p>
             <a:fld id="{6FBB1E1C-ED46-47E4-98BF-8279883B3BB1}" type="datetimeFigureOut">
               <a:rPr lang="zh-TW" altLang="en-US" smtClean="0"/>
-              <a:t>2019/9/28</a:t>
+              <a:t>2020/1/11</a:t>
             </a:fld>
             <a:endParaRPr lang="zh-TW" altLang="en-US"/>
           </a:p>
@@ -2211,7 +2227,7 @@
           <a:p>
             <a:fld id="{6FBB1E1C-ED46-47E4-98BF-8279883B3BB1}" type="datetimeFigureOut">
               <a:rPr lang="zh-TW" altLang="en-US" smtClean="0"/>
-              <a:t>2019/9/28</a:t>
+              <a:t>2020/1/11</a:t>
             </a:fld>
             <a:endParaRPr lang="zh-TW" altLang="en-US"/>
           </a:p>
@@ -2463,7 +2479,7 @@
           <a:p>
             <a:fld id="{6FBB1E1C-ED46-47E4-98BF-8279883B3BB1}" type="datetimeFigureOut">
               <a:rPr lang="zh-TW" altLang="en-US" smtClean="0"/>
-              <a:t>2019/9/28</a:t>
+              <a:t>2020/1/11</a:t>
             </a:fld>
             <a:endParaRPr lang="zh-TW" altLang="en-US"/>
           </a:p>
@@ -2676,7 +2692,7 @@
           <a:p>
             <a:fld id="{6FBB1E1C-ED46-47E4-98BF-8279883B3BB1}" type="datetimeFigureOut">
               <a:rPr lang="zh-TW" altLang="en-US" smtClean="0"/>
-              <a:t>2019/9/28</a:t>
+              <a:t>2020/1/11</a:t>
             </a:fld>
             <a:endParaRPr lang="zh-TW" altLang="en-US"/>
           </a:p>
@@ -3191,17 +3207,7 @@
                 <a:latin typeface="微軟正黑體" pitchFamily="34" charset="-120"/>
                 <a:ea typeface="微軟正黑體" pitchFamily="34" charset="-120"/>
               </a:rPr>
-              <a:t> </a:t>
-            </a:r>
-            <a:r>
-              <a:rPr lang="en-US" altLang="zh-TW" sz="4800" b="1" dirty="0" smtClean="0">
-                <a:solidFill>
-                  <a:srgbClr val="000066"/>
-                </a:solidFill>
-                <a:latin typeface="微軟正黑體" pitchFamily="34" charset="-120"/>
-                <a:ea typeface="微軟正黑體" pitchFamily="34" charset="-120"/>
-              </a:rPr>
-              <a:t> </a:t>
+              <a:t>  </a:t>
             </a:r>
             <a:r>
               <a:rPr lang="zh-TW" altLang="en-US" sz="4800" b="1" dirty="0" smtClean="0">
@@ -3465,7 +3471,17 @@
                 <a:latin typeface="微軟正黑體" pitchFamily="34" charset="-120"/>
                 <a:ea typeface="微軟正黑體" pitchFamily="34" charset="-120"/>
               </a:rPr>
-              <a:t>在我敵人</a:t>
+              <a:t>在我敵人面</a:t>
+            </a:r>
+            <a:r>
+              <a:rPr lang="zh-TW" altLang="en-US" sz="4800" b="1" dirty="0" smtClean="0">
+                <a:solidFill>
+                  <a:srgbClr val="000066"/>
+                </a:solidFill>
+                <a:latin typeface="微軟正黑體" pitchFamily="34" charset="-120"/>
+                <a:ea typeface="微軟正黑體" pitchFamily="34" charset="-120"/>
+              </a:rPr>
+              <a:t>前  為</a:t>
             </a:r>
             <a:r>
               <a:rPr lang="zh-TW" altLang="en-US" sz="4800" b="1" dirty="0">
@@ -3475,37 +3491,7 @@
                 <a:latin typeface="微軟正黑體" pitchFamily="34" charset="-120"/>
                 <a:ea typeface="微軟正黑體" pitchFamily="34" charset="-120"/>
               </a:rPr>
-              <a:t>面</a:t>
-            </a:r>
-            <a:r>
-              <a:rPr lang="zh-TW" altLang="en-US" sz="4800" b="1" dirty="0" smtClean="0">
-                <a:solidFill>
-                  <a:srgbClr val="000066"/>
-                </a:solidFill>
-                <a:latin typeface="微軟正黑體" pitchFamily="34" charset="-120"/>
-                <a:ea typeface="微軟正黑體" pitchFamily="34" charset="-120"/>
-              </a:rPr>
-              <a:t>前  為</a:t>
-            </a:r>
-            <a:r>
-              <a:rPr lang="zh-TW" altLang="en-US" sz="4800" b="1" dirty="0">
-                <a:solidFill>
-                  <a:srgbClr val="000066"/>
-                </a:solidFill>
-                <a:latin typeface="微軟正黑體" pitchFamily="34" charset="-120"/>
-                <a:ea typeface="微軟正黑體" pitchFamily="34" charset="-120"/>
-              </a:rPr>
-              <a:t>我</a:t>
-            </a:r>
-            <a:r>
-              <a:rPr lang="zh-TW" altLang="en-US" sz="4800" b="1" dirty="0">
-                <a:solidFill>
-                  <a:srgbClr val="000066"/>
-                </a:solidFill>
-                <a:latin typeface="微軟正黑體" pitchFamily="34" charset="-120"/>
-                <a:ea typeface="微軟正黑體" pitchFamily="34" charset="-120"/>
-              </a:rPr>
-              <a:t>擺</a:t>
+              <a:t>我擺</a:t>
             </a:r>
             <a:r>
               <a:rPr lang="zh-TW" altLang="en-US" sz="4800" b="1" dirty="0" smtClean="0">
@@ -3537,17 +3523,7 @@
                 <a:latin typeface="微軟正黑體" pitchFamily="34" charset="-120"/>
                 <a:ea typeface="微軟正黑體" pitchFamily="34" charset="-120"/>
               </a:rPr>
-              <a:t>你</a:t>
-            </a:r>
-            <a:r>
-              <a:rPr lang="zh-TW" altLang="en-US" sz="4800" b="1" dirty="0">
-                <a:solidFill>
-                  <a:srgbClr val="000066"/>
-                </a:solidFill>
-                <a:latin typeface="微軟正黑體" pitchFamily="34" charset="-120"/>
-                <a:ea typeface="微軟正黑體" pitchFamily="34" charset="-120"/>
-              </a:rPr>
-              <a:t>用油膏我的</a:t>
+              <a:t>你用油膏我的</a:t>
             </a:r>
             <a:r>
               <a:rPr lang="zh-TW" altLang="en-US" sz="4800" b="1" dirty="0" smtClean="0">
@@ -3747,7 +3723,7 @@
         <p:spPr>
           <a:xfrm>
             <a:off x="7092280" y="1236697"/>
-            <a:ext cx="1872208" cy="830997"/>
+            <a:ext cx="720080" cy="830997"/>
           </a:xfrm>
           <a:prstGeom prst="rect">
             <a:avLst/>

--- a/耶和華是我牧者.pptx
+++ b/耶和華是我牧者.pptx
@@ -5,9 +5,16 @@
     <p:sldMasterId id="2147483660" r:id="rId1"/>
   </p:sldMasterIdLst>
   <p:sldIdLst>
-    <p:sldId id="256" r:id="rId2"/>
-    <p:sldId id="257" r:id="rId3"/>
-    <p:sldId id="258" r:id="rId4"/>
+    <p:sldId id="259" r:id="rId2"/>
+    <p:sldId id="260" r:id="rId3"/>
+    <p:sldId id="261" r:id="rId4"/>
+    <p:sldId id="262" r:id="rId5"/>
+    <p:sldId id="263" r:id="rId6"/>
+    <p:sldId id="264" r:id="rId7"/>
+    <p:sldId id="265" r:id="rId8"/>
+    <p:sldId id="266" r:id="rId9"/>
+    <p:sldId id="267" r:id="rId10"/>
+    <p:sldId id="268" r:id="rId11"/>
   </p:sldIdLst>
   <p:sldSz cx="9144000" cy="5143500" type="screen16x9"/>
   <p:notesSz cx="6858000" cy="9144000"/>
@@ -306,7 +313,7 @@
           <a:p>
             <a:fld id="{6FBB1E1C-ED46-47E4-98BF-8279883B3BB1}" type="datetimeFigureOut">
               <a:rPr lang="zh-TW" altLang="en-US" smtClean="0"/>
-              <a:t>2020/1/11</a:t>
+              <a:t>2021/5/15</a:t>
             </a:fld>
             <a:endParaRPr lang="zh-TW" altLang="en-US"/>
           </a:p>
@@ -471,7 +478,7 @@
           <a:p>
             <a:fld id="{6FBB1E1C-ED46-47E4-98BF-8279883B3BB1}" type="datetimeFigureOut">
               <a:rPr lang="zh-TW" altLang="en-US" smtClean="0"/>
-              <a:t>2020/1/11</a:t>
+              <a:t>2021/5/15</a:t>
             </a:fld>
             <a:endParaRPr lang="zh-TW" altLang="en-US"/>
           </a:p>
@@ -646,7 +653,7 @@
           <a:p>
             <a:fld id="{6FBB1E1C-ED46-47E4-98BF-8279883B3BB1}" type="datetimeFigureOut">
               <a:rPr lang="zh-TW" altLang="en-US" smtClean="0"/>
-              <a:t>2020/1/11</a:t>
+              <a:t>2021/5/15</a:t>
             </a:fld>
             <a:endParaRPr lang="zh-TW" altLang="en-US"/>
           </a:p>
@@ -811,7 +818,7 @@
           <a:p>
             <a:fld id="{6FBB1E1C-ED46-47E4-98BF-8279883B3BB1}" type="datetimeFigureOut">
               <a:rPr lang="zh-TW" altLang="en-US" smtClean="0"/>
-              <a:t>2020/1/11</a:t>
+              <a:t>2021/5/15</a:t>
             </a:fld>
             <a:endParaRPr lang="zh-TW" altLang="en-US"/>
           </a:p>
@@ -1052,7 +1059,7 @@
           <a:p>
             <a:fld id="{6FBB1E1C-ED46-47E4-98BF-8279883B3BB1}" type="datetimeFigureOut">
               <a:rPr lang="zh-TW" altLang="en-US" smtClean="0"/>
-              <a:t>2020/1/11</a:t>
+              <a:t>2021/5/15</a:t>
             </a:fld>
             <a:endParaRPr lang="zh-TW" altLang="en-US"/>
           </a:p>
@@ -1335,7 +1342,7 @@
           <a:p>
             <a:fld id="{6FBB1E1C-ED46-47E4-98BF-8279883B3BB1}" type="datetimeFigureOut">
               <a:rPr lang="zh-TW" altLang="en-US" smtClean="0"/>
-              <a:t>2020/1/11</a:t>
+              <a:t>2021/5/15</a:t>
             </a:fld>
             <a:endParaRPr lang="zh-TW" altLang="en-US"/>
           </a:p>
@@ -1752,7 +1759,7 @@
           <a:p>
             <a:fld id="{6FBB1E1C-ED46-47E4-98BF-8279883B3BB1}" type="datetimeFigureOut">
               <a:rPr lang="zh-TW" altLang="en-US" smtClean="0"/>
-              <a:t>2020/1/11</a:t>
+              <a:t>2021/5/15</a:t>
             </a:fld>
             <a:endParaRPr lang="zh-TW" altLang="en-US"/>
           </a:p>
@@ -1865,7 +1872,7 @@
           <a:p>
             <a:fld id="{6FBB1E1C-ED46-47E4-98BF-8279883B3BB1}" type="datetimeFigureOut">
               <a:rPr lang="zh-TW" altLang="en-US" smtClean="0"/>
-              <a:t>2020/1/11</a:t>
+              <a:t>2021/5/15</a:t>
             </a:fld>
             <a:endParaRPr lang="zh-TW" altLang="en-US"/>
           </a:p>
@@ -1955,7 +1962,7 @@
           <a:p>
             <a:fld id="{6FBB1E1C-ED46-47E4-98BF-8279883B3BB1}" type="datetimeFigureOut">
               <a:rPr lang="zh-TW" altLang="en-US" smtClean="0"/>
-              <a:t>2020/1/11</a:t>
+              <a:t>2021/5/15</a:t>
             </a:fld>
             <a:endParaRPr lang="zh-TW" altLang="en-US"/>
           </a:p>
@@ -2227,7 +2234,7 @@
           <a:p>
             <a:fld id="{6FBB1E1C-ED46-47E4-98BF-8279883B3BB1}" type="datetimeFigureOut">
               <a:rPr lang="zh-TW" altLang="en-US" smtClean="0"/>
-              <a:t>2020/1/11</a:t>
+              <a:t>2021/5/15</a:t>
             </a:fld>
             <a:endParaRPr lang="zh-TW" altLang="en-US"/>
           </a:p>
@@ -2479,7 +2486,7 @@
           <a:p>
             <a:fld id="{6FBB1E1C-ED46-47E4-98BF-8279883B3BB1}" type="datetimeFigureOut">
               <a:rPr lang="zh-TW" altLang="en-US" smtClean="0"/>
-              <a:t>2020/1/11</a:t>
+              <a:t>2021/5/15</a:t>
             </a:fld>
             <a:endParaRPr lang="zh-TW" altLang="en-US"/>
           </a:p>
@@ -2692,7 +2699,7 @@
           <a:p>
             <a:fld id="{6FBB1E1C-ED46-47E4-98BF-8279883B3BB1}" type="datetimeFigureOut">
               <a:rPr lang="zh-TW" altLang="en-US" smtClean="0"/>
-              <a:t>2020/1/11</a:t>
+              <a:t>2021/5/15</a:t>
             </a:fld>
             <a:endParaRPr lang="zh-TW" altLang="en-US"/>
           </a:p>
@@ -3064,48 +3071,18 @@
       </p:grpSpPr>
       <p:sp>
         <p:nvSpPr>
-          <p:cNvPr id="2" name="標題 1"/>
+          <p:cNvPr id="4" name="標題 3"/>
           <p:cNvSpPr>
             <a:spLocks noGrp="1"/>
           </p:cNvSpPr>
           <p:nvPr>
             <p:ph type="title"/>
-          </p:nvPr>
-        </p:nvSpPr>
-        <p:spPr/>
-        <p:txBody>
-          <a:bodyPr>
-            <a:normAutofit/>
-          </a:bodyPr>
-          <a:lstStyle/>
-          <a:p>
-            <a:r>
-              <a:rPr lang="zh-TW" altLang="en-US" sz="4000" b="1" dirty="0">
-                <a:solidFill>
-                  <a:srgbClr val="000066"/>
-                </a:solidFill>
-                <a:latin typeface="微軟正黑體" pitchFamily="34" charset="-120"/>
-                <a:ea typeface="微軟正黑體" pitchFamily="34" charset="-120"/>
-              </a:rPr>
-              <a:t>耶和華是我牧者</a:t>
-            </a:r>
-          </a:p>
-        </p:txBody>
-      </p:sp>
-      <p:sp>
-        <p:nvSpPr>
-          <p:cNvPr id="3" name="內容版面配置區 2"/>
-          <p:cNvSpPr>
-            <a:spLocks noGrp="1"/>
-          </p:cNvSpPr>
-          <p:nvPr>
-            <p:ph idx="1"/>
           </p:nvPr>
         </p:nvSpPr>
         <p:spPr>
           <a:xfrm>
-            <a:off x="0" y="1200151"/>
-            <a:ext cx="9144000" cy="3394472"/>
+            <a:off x="0" y="1995686"/>
+            <a:ext cx="9144000" cy="857250"/>
           </a:xfrm>
         </p:spPr>
         <p:txBody>
@@ -3114,52 +3091,171 @@
           </a:bodyPr>
           <a:lstStyle/>
           <a:p>
+            <a:r>
+              <a:rPr lang="zh-TW" altLang="en-US" sz="5400" b="1" i="1" dirty="0" smtClean="0">
+                <a:solidFill>
+                  <a:srgbClr val="660033"/>
+                </a:solidFill>
+                <a:effectLst>
+                  <a:outerShdw blurRad="38100" dist="38100" dir="2700000" algn="tl">
+                    <a:srgbClr val="000000">
+                      <a:alpha val="43137"/>
+                    </a:srgbClr>
+                  </a:outerShdw>
+                </a:effectLst>
+                <a:latin typeface="微軟正黑體" pitchFamily="34" charset="-120"/>
+                <a:ea typeface="微軟正黑體" pitchFamily="34" charset="-120"/>
+              </a:rPr>
+              <a:t>耶</a:t>
+            </a:r>
+            <a:r>
+              <a:rPr lang="zh-TW" altLang="en-US" sz="5400" b="1" i="1" dirty="0">
+                <a:solidFill>
+                  <a:srgbClr val="660033"/>
+                </a:solidFill>
+                <a:effectLst>
+                  <a:outerShdw blurRad="38100" dist="38100" dir="2700000" algn="tl">
+                    <a:srgbClr val="000000">
+                      <a:alpha val="43137"/>
+                    </a:srgbClr>
+                  </a:outerShdw>
+                </a:effectLst>
+                <a:latin typeface="微軟正黑體" pitchFamily="34" charset="-120"/>
+                <a:ea typeface="微軟正黑體" pitchFamily="34" charset="-120"/>
+              </a:rPr>
+              <a:t>和華是我牧者</a:t>
+            </a:r>
+          </a:p>
+        </p:txBody>
+      </p:sp>
+    </p:spTree>
+    <p:extLst>
+      <p:ext uri="{BB962C8B-B14F-4D97-AF65-F5344CB8AC3E}">
+        <p14:creationId xmlns:p14="http://schemas.microsoft.com/office/powerpoint/2010/main" val="3242519752"/>
+      </p:ext>
+    </p:extLst>
+  </p:cSld>
+  <p:clrMapOvr>
+    <a:masterClrMapping/>
+  </p:clrMapOvr>
+</p:sld>
+</file>
+
+<file path=ppt/slides/slide10.xml><?xml version="1.0" encoding="utf-8"?>
+<p:sld xmlns:a="http://schemas.openxmlformats.org/drawingml/2006/main" xmlns:r="http://schemas.openxmlformats.org/officeDocument/2006/relationships" xmlns:p="http://schemas.openxmlformats.org/presentationml/2006/main">
+  <p:cSld>
+    <p:spTree>
+      <p:nvGrpSpPr>
+        <p:cNvPr id="1" name=""/>
+        <p:cNvGrpSpPr/>
+        <p:nvPr/>
+      </p:nvGrpSpPr>
+      <p:grpSpPr>
+        <a:xfrm>
+          <a:off x="0" y="0"/>
+          <a:ext cx="0" cy="0"/>
+          <a:chOff x="0" y="0"/>
+          <a:chExt cx="0" cy="0"/>
+        </a:xfrm>
+      </p:grpSpPr>
+      <p:sp>
+        <p:nvSpPr>
+          <p:cNvPr id="5" name="內容版面配置區 4"/>
+          <p:cNvSpPr>
+            <a:spLocks noGrp="1"/>
+          </p:cNvSpPr>
+          <p:nvPr>
+            <p:ph idx="1"/>
+          </p:nvPr>
+        </p:nvSpPr>
+        <p:spPr>
+          <a:xfrm>
+            <a:off x="0" y="1563638"/>
+            <a:ext cx="9144000" cy="1803647"/>
+          </a:xfrm>
+        </p:spPr>
+        <p:txBody>
+          <a:bodyPr anchor="ctr">
+            <a:normAutofit/>
+          </a:bodyPr>
+          <a:lstStyle/>
+          <a:p>
             <a:pPr algn="ctr">
               <a:buNone/>
             </a:pPr>
             <a:r>
               <a:rPr lang="zh-TW" altLang="en-US" sz="4800" b="1" dirty="0">
                 <a:solidFill>
-                  <a:srgbClr val="000066"/>
-                </a:solidFill>
-                <a:latin typeface="微軟正黑體" pitchFamily="34" charset="-120"/>
-                <a:ea typeface="微軟正黑體" pitchFamily="34" charset="-120"/>
-              </a:rPr>
-              <a:t>耶和華是我牧</a:t>
+                  <a:srgbClr val="660033"/>
+                </a:solidFill>
+                <a:latin typeface="微軟正黑體" pitchFamily="34" charset="-120"/>
+                <a:ea typeface="微軟正黑體" pitchFamily="34" charset="-120"/>
+              </a:rPr>
+              <a:t>嘿嘿</a:t>
             </a:r>
             <a:r>
               <a:rPr lang="zh-TW" altLang="en-US" sz="4800" b="1" dirty="0" smtClean="0">
                 <a:solidFill>
-                  <a:srgbClr val="000066"/>
-                </a:solidFill>
-                <a:latin typeface="微軟正黑體" pitchFamily="34" charset="-120"/>
-                <a:ea typeface="微軟正黑體" pitchFamily="34" charset="-120"/>
-              </a:rPr>
-              <a:t>者  我</a:t>
+                  <a:srgbClr val="660033"/>
+                </a:solidFill>
+                <a:latin typeface="微軟正黑體" pitchFamily="34" charset="-120"/>
+                <a:ea typeface="微軟正黑體" pitchFamily="34" charset="-120"/>
+              </a:rPr>
+              <a:t>喲  </a:t>
             </a:r>
             <a:r>
               <a:rPr lang="zh-TW" altLang="en-US" sz="4800" b="1" dirty="0">
                 <a:solidFill>
-                  <a:srgbClr val="000066"/>
-                </a:solidFill>
-                <a:latin typeface="微軟正黑體" pitchFamily="34" charset="-120"/>
-                <a:ea typeface="微軟正黑體" pitchFamily="34" charset="-120"/>
-              </a:rPr>
-              <a:t>必不至</a:t>
+                  <a:srgbClr val="660033"/>
+                </a:solidFill>
+                <a:latin typeface="微軟正黑體" pitchFamily="34" charset="-120"/>
+                <a:ea typeface="微軟正黑體" pitchFamily="34" charset="-120"/>
+              </a:rPr>
+              <a:t>嘿嘿喲</a:t>
+            </a:r>
+            <a:r>
+              <a:rPr lang="en-US" altLang="zh-TW" sz="4800" b="1" dirty="0">
+                <a:solidFill>
+                  <a:srgbClr val="660033"/>
+                </a:solidFill>
+                <a:latin typeface="微軟正黑體" pitchFamily="34" charset="-120"/>
+                <a:ea typeface="微軟正黑體" pitchFamily="34" charset="-120"/>
+              </a:rPr>
+              <a:t> </a:t>
+            </a:r>
+            <a:r>
+              <a:rPr lang="en-US" altLang="zh-TW" sz="4800" b="1" dirty="0" smtClean="0">
+                <a:solidFill>
+                  <a:srgbClr val="660033"/>
+                </a:solidFill>
+                <a:latin typeface="微軟正黑體" pitchFamily="34" charset="-120"/>
+                <a:ea typeface="微軟正黑體" pitchFamily="34" charset="-120"/>
+              </a:rPr>
+              <a:t> </a:t>
             </a:r>
             <a:r>
               <a:rPr lang="zh-TW" altLang="en-US" sz="4800" b="1" dirty="0" smtClean="0">
                 <a:solidFill>
-                  <a:srgbClr val="000066"/>
-                </a:solidFill>
-                <a:latin typeface="微軟正黑體" pitchFamily="34" charset="-120"/>
-                <a:ea typeface="微軟正黑體" pitchFamily="34" charset="-120"/>
-              </a:rPr>
-              <a:t>缺乏</a:t>
-            </a:r>
-            <a:endParaRPr lang="en-US" altLang="zh-TW" sz="4800" b="1" dirty="0" smtClean="0">
+                  <a:srgbClr val="660033"/>
+                </a:solidFill>
+                <a:latin typeface="微軟正黑體" pitchFamily="34" charset="-120"/>
+                <a:ea typeface="微軟正黑體" pitchFamily="34" charset="-120"/>
+              </a:rPr>
+              <a:t>有</a:t>
+            </a:r>
+            <a:r>
+              <a:rPr lang="zh-TW" altLang="en-US" sz="4800" b="1" dirty="0">
+                <a:solidFill>
+                  <a:srgbClr val="660033"/>
+                </a:solidFill>
+                <a:latin typeface="微軟正黑體" pitchFamily="34" charset="-120"/>
+                <a:ea typeface="微軟正黑體" pitchFamily="34" charset="-120"/>
+              </a:rPr>
+              <a:t>慈愛跟隨我</a:t>
+            </a:r>
+            <a:endParaRPr lang="en-US" altLang="zh-TW" sz="4800" b="1" dirty="0">
               <a:solidFill>
-                <a:srgbClr val="000066"/>
+                <a:srgbClr val="660033"/>
               </a:solidFill>
               <a:latin typeface="微軟正黑體" pitchFamily="34" charset="-120"/>
               <a:ea typeface="微軟正黑體" pitchFamily="34" charset="-120"/>
@@ -3170,39 +3266,59 @@
               <a:buNone/>
             </a:pPr>
             <a:r>
+              <a:rPr lang="zh-TW" altLang="en-US" sz="4800" b="1" dirty="0">
+                <a:solidFill>
+                  <a:srgbClr val="660033"/>
+                </a:solidFill>
+                <a:latin typeface="微軟正黑體" pitchFamily="34" charset="-120"/>
+                <a:ea typeface="微軟正黑體" pitchFamily="34" charset="-120"/>
+              </a:rPr>
+              <a:t>我要住</a:t>
+            </a:r>
+            <a:r>
               <a:rPr lang="zh-TW" altLang="en-US" sz="4800" b="1" dirty="0" smtClean="0">
                 <a:solidFill>
-                  <a:srgbClr val="000066"/>
-                </a:solidFill>
-                <a:latin typeface="微軟正黑體" pitchFamily="34" charset="-120"/>
-                <a:ea typeface="微軟正黑體" pitchFamily="34" charset="-120"/>
-              </a:rPr>
-              <a:t>使</a:t>
+                  <a:srgbClr val="660033"/>
+                </a:solidFill>
+                <a:latin typeface="微軟正黑體" pitchFamily="34" charset="-120"/>
+                <a:ea typeface="微軟正黑體" pitchFamily="34" charset="-120"/>
+              </a:rPr>
+              <a:t>在</a:t>
+            </a:r>
+            <a:r>
+              <a:rPr lang="zh-CN" altLang="en-US" sz="4800" b="1" dirty="0">
+                <a:solidFill>
+                  <a:srgbClr val="660033"/>
+                </a:solidFill>
+                <a:latin typeface="微軟正黑體" pitchFamily="34" charset="-120"/>
+                <a:ea typeface="微軟正黑體" pitchFamily="34" charset="-120"/>
+              </a:rPr>
+              <a:t>袮</a:t>
+            </a:r>
+            <a:r>
+              <a:rPr lang="zh-TW" altLang="en-US" sz="4800" b="1" dirty="0" smtClean="0">
+                <a:solidFill>
+                  <a:srgbClr val="660033"/>
+                </a:solidFill>
+                <a:latin typeface="微軟正黑體" pitchFamily="34" charset="-120"/>
+                <a:ea typeface="微軟正黑體" pitchFamily="34" charset="-120"/>
+              </a:rPr>
+              <a:t>殿</a:t>
             </a:r>
             <a:r>
               <a:rPr lang="zh-TW" altLang="en-US" sz="4800" b="1" dirty="0">
                 <a:solidFill>
-                  <a:srgbClr val="000066"/>
-                </a:solidFill>
-                <a:latin typeface="微軟正黑體" pitchFamily="34" charset="-120"/>
-                <a:ea typeface="微軟正黑體" pitchFamily="34" charset="-120"/>
-              </a:rPr>
-              <a:t>我躺臥青草</a:t>
-            </a:r>
-            <a:r>
-              <a:rPr lang="zh-TW" altLang="en-US" sz="4800" b="1" dirty="0" smtClean="0">
-                <a:solidFill>
-                  <a:srgbClr val="000066"/>
-                </a:solidFill>
-                <a:latin typeface="微軟正黑體" pitchFamily="34" charset="-120"/>
-                <a:ea typeface="微軟正黑體" pitchFamily="34" charset="-120"/>
-              </a:rPr>
-              <a:t>地</a:t>
-            </a:r>
-            <a:r>
-              <a:rPr lang="en-US" altLang="zh-TW" sz="4800" b="1" dirty="0" smtClean="0">
-                <a:solidFill>
-                  <a:srgbClr val="000066"/>
+                  <a:srgbClr val="660033"/>
+                </a:solidFill>
+                <a:latin typeface="微軟正黑體" pitchFamily="34" charset="-120"/>
+                <a:ea typeface="微軟正黑體" pitchFamily="34" charset="-120"/>
+              </a:rPr>
+              <a:t>中</a:t>
+            </a:r>
+            <a:r>
+              <a:rPr lang="en-US" altLang="zh-TW" sz="4800" b="1" dirty="0">
+                <a:solidFill>
+                  <a:srgbClr val="660033"/>
                 </a:solidFill>
                 <a:latin typeface="微軟正黑體" pitchFamily="34" charset="-120"/>
                 <a:ea typeface="微軟正黑體" pitchFamily="34" charset="-120"/>
@@ -3210,178 +3326,29 @@
               <a:t>  </a:t>
             </a:r>
             <a:r>
-              <a:rPr lang="zh-TW" altLang="en-US" sz="4800" b="1" dirty="0" smtClean="0">
-                <a:solidFill>
-                  <a:srgbClr val="000066"/>
-                </a:solidFill>
-                <a:latin typeface="微軟正黑體" pitchFamily="34" charset="-120"/>
-                <a:ea typeface="微軟正黑體" pitchFamily="34" charset="-120"/>
-              </a:rPr>
-              <a:t>在</a:t>
-            </a:r>
-            <a:r>
               <a:rPr lang="zh-TW" altLang="en-US" sz="4800" b="1" dirty="0">
                 <a:solidFill>
-                  <a:srgbClr val="000066"/>
-                </a:solidFill>
-                <a:latin typeface="微軟正黑體" pitchFamily="34" charset="-120"/>
-                <a:ea typeface="微軟正黑體" pitchFamily="34" charset="-120"/>
-              </a:rPr>
-              <a:t>安歇的水</a:t>
-            </a:r>
-            <a:r>
-              <a:rPr lang="zh-TW" altLang="en-US" sz="4800" b="1" dirty="0" smtClean="0">
-                <a:solidFill>
-                  <a:srgbClr val="000066"/>
-                </a:solidFill>
-                <a:latin typeface="微軟正黑體" pitchFamily="34" charset="-120"/>
-                <a:ea typeface="微軟正黑體" pitchFamily="34" charset="-120"/>
-              </a:rPr>
-              <a:t>邊</a:t>
-            </a:r>
-            <a:endParaRPr lang="en-US" altLang="zh-TW" sz="4800" b="1" dirty="0" smtClean="0">
+                  <a:srgbClr val="660033"/>
+                </a:solidFill>
+                <a:latin typeface="微軟正黑體" pitchFamily="34" charset="-120"/>
+                <a:ea typeface="微軟正黑體" pitchFamily="34" charset="-120"/>
+              </a:rPr>
+              <a:t>直到永永遠遠</a:t>
+            </a:r>
+            <a:endParaRPr lang="zh-TW" altLang="en-US" sz="4800" b="1" dirty="0">
               <a:solidFill>
-                <a:srgbClr val="000066"/>
+                <a:srgbClr val="660033"/>
               </a:solidFill>
               <a:latin typeface="微軟正黑體" pitchFamily="34" charset="-120"/>
               <a:ea typeface="微軟正黑體" pitchFamily="34" charset="-120"/>
             </a:endParaRPr>
           </a:p>
-          <a:p>
-            <a:pPr algn="ctr">
-              <a:buNone/>
-            </a:pPr>
-            <a:r>
-              <a:rPr lang="zh-TW" altLang="en-US" sz="4800" b="1" dirty="0">
-                <a:solidFill>
-                  <a:srgbClr val="000066"/>
-                </a:solidFill>
-                <a:latin typeface="微軟正黑體" pitchFamily="34" charset="-120"/>
-                <a:ea typeface="微軟正黑體" pitchFamily="34" charset="-120"/>
-              </a:rPr>
-              <a:t>祂使我靈魂甦</a:t>
-            </a:r>
-            <a:r>
-              <a:rPr lang="zh-TW" altLang="en-US" sz="4800" b="1" dirty="0" smtClean="0">
-                <a:solidFill>
-                  <a:srgbClr val="000066"/>
-                </a:solidFill>
-                <a:latin typeface="微軟正黑體" pitchFamily="34" charset="-120"/>
-                <a:ea typeface="微軟正黑體" pitchFamily="34" charset="-120"/>
-              </a:rPr>
-              <a:t>醒</a:t>
-            </a:r>
-            <a:r>
-              <a:rPr lang="en-US" altLang="zh-TW" sz="4800" b="1" dirty="0" smtClean="0">
-                <a:solidFill>
-                  <a:srgbClr val="000066"/>
-                </a:solidFill>
-                <a:latin typeface="微軟正黑體" pitchFamily="34" charset="-120"/>
-                <a:ea typeface="微軟正黑體" pitchFamily="34" charset="-120"/>
-              </a:rPr>
-              <a:t>  </a:t>
-            </a:r>
-            <a:r>
-              <a:rPr lang="zh-TW" altLang="en-US" sz="4800" b="1" dirty="0" smtClean="0">
-                <a:solidFill>
-                  <a:srgbClr val="000066"/>
-                </a:solidFill>
-                <a:latin typeface="微軟正黑體" pitchFamily="34" charset="-120"/>
-                <a:ea typeface="微軟正黑體" pitchFamily="34" charset="-120"/>
-              </a:rPr>
-              <a:t>引</a:t>
-            </a:r>
-            <a:r>
-              <a:rPr lang="zh-TW" altLang="en-US" sz="4800" b="1" dirty="0">
-                <a:solidFill>
-                  <a:srgbClr val="000066"/>
-                </a:solidFill>
-                <a:latin typeface="微軟正黑體" pitchFamily="34" charset="-120"/>
-                <a:ea typeface="微軟正黑體" pitchFamily="34" charset="-120"/>
-              </a:rPr>
-              <a:t>我走正義路</a:t>
-            </a:r>
-            <a:endParaRPr lang="en-US" altLang="zh-TW" sz="4800" b="1" dirty="0">
-              <a:solidFill>
-                <a:srgbClr val="000066"/>
-              </a:solidFill>
-              <a:latin typeface="微軟正黑體" pitchFamily="34" charset="-120"/>
-              <a:ea typeface="微軟正黑體" pitchFamily="34" charset="-120"/>
-            </a:endParaRPr>
-          </a:p>
-          <a:p>
-            <a:pPr algn="ctr">
-              <a:buNone/>
-            </a:pPr>
-            <a:r>
-              <a:rPr lang="zh-TW" altLang="en-US" sz="4800" b="1" dirty="0">
-                <a:solidFill>
-                  <a:srgbClr val="000066"/>
-                </a:solidFill>
-                <a:latin typeface="微軟正黑體" pitchFamily="34" charset="-120"/>
-                <a:ea typeface="微軟正黑體" pitchFamily="34" charset="-120"/>
-              </a:rPr>
-              <a:t>我雖過死蔭幽</a:t>
-            </a:r>
-            <a:r>
-              <a:rPr lang="zh-TW" altLang="en-US" sz="4800" b="1" dirty="0" smtClean="0">
-                <a:solidFill>
-                  <a:srgbClr val="000066"/>
-                </a:solidFill>
-                <a:latin typeface="微軟正黑體" pitchFamily="34" charset="-120"/>
-                <a:ea typeface="微軟正黑體" pitchFamily="34" charset="-120"/>
-              </a:rPr>
-              <a:t>谷</a:t>
-            </a:r>
-            <a:r>
-              <a:rPr lang="en-US" altLang="zh-TW" sz="4800" b="1" dirty="0" smtClean="0">
-                <a:solidFill>
-                  <a:srgbClr val="000066"/>
-                </a:solidFill>
-                <a:latin typeface="微軟正黑體" pitchFamily="34" charset="-120"/>
-                <a:ea typeface="微軟正黑體" pitchFamily="34" charset="-120"/>
-              </a:rPr>
-              <a:t>  </a:t>
-            </a:r>
-            <a:r>
-              <a:rPr lang="zh-TW" altLang="en-US" sz="4800" b="1" dirty="0" smtClean="0">
-                <a:solidFill>
-                  <a:srgbClr val="000066"/>
-                </a:solidFill>
-                <a:latin typeface="微軟正黑體" pitchFamily="34" charset="-120"/>
-                <a:ea typeface="微軟正黑體" pitchFamily="34" charset="-120"/>
-              </a:rPr>
-              <a:t>也</a:t>
-            </a:r>
-            <a:r>
-              <a:rPr lang="zh-TW" altLang="en-US" sz="4800" b="1" dirty="0">
-                <a:solidFill>
-                  <a:srgbClr val="000066"/>
-                </a:solidFill>
-                <a:latin typeface="微軟正黑體" pitchFamily="34" charset="-120"/>
-                <a:ea typeface="微軟正黑體" pitchFamily="34" charset="-120"/>
-              </a:rPr>
-              <a:t>必不怕遭害</a:t>
-            </a:r>
-          </a:p>
-          <a:p>
-            <a:pPr algn="ctr">
-              <a:buNone/>
-            </a:pPr>
-            <a:endParaRPr lang="zh-TW" altLang="en-US" sz="4800" b="1" dirty="0">
-              <a:solidFill>
-                <a:srgbClr val="000066"/>
-              </a:solidFill>
-              <a:latin typeface="微軟正黑體" pitchFamily="34" charset="-120"/>
-              <a:ea typeface="微軟正黑體" pitchFamily="34" charset="-120"/>
-            </a:endParaRPr>
-          </a:p>
         </p:txBody>
       </p:sp>
     </p:spTree>
     <p:extLst>
       <p:ext uri="{BB962C8B-B14F-4D97-AF65-F5344CB8AC3E}">
-        <p14:creationId xmlns:p14="http://schemas.microsoft.com/office/powerpoint/2010/main" val="1052037943"/>
+        <p14:creationId xmlns:p14="http://schemas.microsoft.com/office/powerpoint/2010/main" val="1260665184"/>
       </p:ext>
     </p:extLst>
   </p:cSld>
@@ -3410,102 +3377,52 @@
       </p:grpSpPr>
       <p:sp>
         <p:nvSpPr>
-          <p:cNvPr id="2" name="標題 1"/>
-          <p:cNvSpPr>
-            <a:spLocks noGrp="1"/>
-          </p:cNvSpPr>
-          <p:nvPr>
-            <p:ph type="title"/>
-          </p:nvPr>
-        </p:nvSpPr>
-        <p:spPr/>
-        <p:txBody>
-          <a:bodyPr>
+          <p:cNvPr id="5" name="內容版面配置區 4"/>
+          <p:cNvSpPr>
+            <a:spLocks noGrp="1"/>
+          </p:cNvSpPr>
+          <p:nvPr>
+            <p:ph idx="1"/>
+          </p:nvPr>
+        </p:nvSpPr>
+        <p:spPr>
+          <a:xfrm>
+            <a:off x="0" y="1563638"/>
+            <a:ext cx="9144000" cy="1803647"/>
+          </a:xfrm>
+        </p:spPr>
+        <p:txBody>
+          <a:bodyPr anchor="ctr">
             <a:normAutofit/>
           </a:bodyPr>
           <a:lstStyle/>
           <a:p>
-            <a:r>
-              <a:rPr lang="zh-TW" altLang="en-US" sz="4000" b="1" dirty="0">
-                <a:solidFill>
-                  <a:srgbClr val="000066"/>
-                </a:solidFill>
-                <a:latin typeface="微軟正黑體" pitchFamily="34" charset="-120"/>
-                <a:ea typeface="微軟正黑體" pitchFamily="34" charset="-120"/>
-              </a:rPr>
-              <a:t>耶和華是我牧者</a:t>
-            </a:r>
-          </a:p>
-        </p:txBody>
-      </p:sp>
-      <p:sp>
-        <p:nvSpPr>
-          <p:cNvPr id="3" name="內容版面配置區 2"/>
-          <p:cNvSpPr>
-            <a:spLocks noGrp="1"/>
-          </p:cNvSpPr>
-          <p:nvPr>
-            <p:ph idx="1"/>
-          </p:nvPr>
-        </p:nvSpPr>
-        <p:spPr>
-          <a:xfrm>
-            <a:off x="0" y="1200151"/>
-            <a:ext cx="9144000" cy="3394472"/>
-          </a:xfrm>
-        </p:spPr>
-        <p:txBody>
-          <a:bodyPr>
-            <a:noAutofit/>
-          </a:bodyPr>
-          <a:lstStyle/>
-          <a:p>
             <a:pPr algn="ctr">
               <a:buNone/>
             </a:pPr>
             <a:r>
               <a:rPr lang="zh-TW" altLang="en-US" sz="4800" b="1" dirty="0">
                 <a:solidFill>
-                  <a:srgbClr val="000066"/>
-                </a:solidFill>
-                <a:latin typeface="微軟正黑體" pitchFamily="34" charset="-120"/>
-                <a:ea typeface="微軟正黑體" pitchFamily="34" charset="-120"/>
-              </a:rPr>
-              <a:t>在我敵人面</a:t>
+                  <a:srgbClr val="660033"/>
+                </a:solidFill>
+                <a:latin typeface="微軟正黑體" pitchFamily="34" charset="-120"/>
+                <a:ea typeface="微軟正黑體" pitchFamily="34" charset="-120"/>
+              </a:rPr>
+              <a:t>耶和華是我牧</a:t>
             </a:r>
             <a:r>
               <a:rPr lang="zh-TW" altLang="en-US" sz="4800" b="1" dirty="0" smtClean="0">
                 <a:solidFill>
-                  <a:srgbClr val="000066"/>
-                </a:solidFill>
-                <a:latin typeface="微軟正黑體" pitchFamily="34" charset="-120"/>
-                <a:ea typeface="微軟正黑體" pitchFamily="34" charset="-120"/>
-              </a:rPr>
-              <a:t>前  為</a:t>
-            </a:r>
-            <a:r>
-              <a:rPr lang="zh-TW" altLang="en-US" sz="4800" b="1" dirty="0">
-                <a:solidFill>
-                  <a:srgbClr val="000066"/>
-                </a:solidFill>
-                <a:latin typeface="微軟正黑體" pitchFamily="34" charset="-120"/>
-                <a:ea typeface="微軟正黑體" pitchFamily="34" charset="-120"/>
-              </a:rPr>
-              <a:t>我擺</a:t>
-            </a:r>
-            <a:r>
-              <a:rPr lang="zh-TW" altLang="en-US" sz="4800" b="1" dirty="0" smtClean="0">
-                <a:solidFill>
-                  <a:srgbClr val="000066"/>
-                </a:solidFill>
-                <a:latin typeface="微軟正黑體" pitchFamily="34" charset="-120"/>
-                <a:ea typeface="微軟正黑體" pitchFamily="34" charset="-120"/>
-              </a:rPr>
-              <a:t>設    席</a:t>
-            </a:r>
-            <a:endParaRPr lang="en-US" altLang="zh-TW" sz="4800" b="1" dirty="0">
+                  <a:srgbClr val="660033"/>
+                </a:solidFill>
+                <a:latin typeface="微軟正黑體" pitchFamily="34" charset="-120"/>
+                <a:ea typeface="微軟正黑體" pitchFamily="34" charset="-120"/>
+              </a:rPr>
+              <a:t>者</a:t>
+            </a:r>
+            <a:endParaRPr lang="en-US" altLang="zh-TW" sz="4800" b="1" dirty="0" smtClean="0">
               <a:solidFill>
-                <a:srgbClr val="000066"/>
+                <a:srgbClr val="660033"/>
               </a:solidFill>
               <a:latin typeface="微軟正黑體" pitchFamily="34" charset="-120"/>
               <a:ea typeface="微軟正黑體" pitchFamily="34" charset="-120"/>
@@ -3516,248 +3433,39 @@
               <a:buNone/>
             </a:pPr>
             <a:r>
+              <a:rPr lang="zh-TW" altLang="en-US" sz="4800" b="1" dirty="0" smtClean="0">
+                <a:solidFill>
+                  <a:srgbClr val="660033"/>
+                </a:solidFill>
+                <a:latin typeface="微軟正黑體" pitchFamily="34" charset="-120"/>
+                <a:ea typeface="微軟正黑體" pitchFamily="34" charset="-120"/>
+              </a:rPr>
+              <a:t>我</a:t>
+            </a:r>
+            <a:r>
               <a:rPr lang="zh-TW" altLang="en-US" sz="4800" b="1" dirty="0">
                 <a:solidFill>
-                  <a:srgbClr val="000066"/>
-                </a:solidFill>
-                <a:latin typeface="微軟正黑體" pitchFamily="34" charset="-120"/>
-                <a:ea typeface="微軟正黑體" pitchFamily="34" charset="-120"/>
-              </a:rPr>
-              <a:t>你用油膏我的</a:t>
-            </a:r>
-            <a:r>
-              <a:rPr lang="zh-TW" altLang="en-US" sz="4800" b="1" dirty="0" smtClean="0">
-                <a:solidFill>
-                  <a:srgbClr val="000066"/>
-                </a:solidFill>
-                <a:latin typeface="微軟正黑體" pitchFamily="34" charset="-120"/>
-                <a:ea typeface="微軟正黑體" pitchFamily="34" charset="-120"/>
-              </a:rPr>
-              <a:t>頭</a:t>
-            </a:r>
-            <a:r>
-              <a:rPr lang="en-US" altLang="zh-TW" sz="4800" b="1" dirty="0" smtClean="0">
-                <a:solidFill>
-                  <a:srgbClr val="000066"/>
-                </a:solidFill>
-                <a:latin typeface="微軟正黑體" pitchFamily="34" charset="-120"/>
-                <a:ea typeface="微軟正黑體" pitchFamily="34" charset="-120"/>
-              </a:rPr>
-              <a:t>  </a:t>
-            </a:r>
-            <a:r>
-              <a:rPr lang="zh-TW" altLang="en-US" sz="4800" b="1" dirty="0" smtClean="0">
-                <a:solidFill>
-                  <a:srgbClr val="000066"/>
-                </a:solidFill>
-                <a:latin typeface="微軟正黑體" pitchFamily="34" charset="-120"/>
-                <a:ea typeface="微軟正黑體" pitchFamily="34" charset="-120"/>
-              </a:rPr>
-              <a:t>使</a:t>
-            </a:r>
-            <a:r>
-              <a:rPr lang="zh-TW" altLang="en-US" sz="4800" b="1" dirty="0">
-                <a:solidFill>
-                  <a:srgbClr val="000066"/>
-                </a:solidFill>
-                <a:latin typeface="微軟正黑體" pitchFamily="34" charset="-120"/>
-                <a:ea typeface="微軟正黑體" pitchFamily="34" charset="-120"/>
-              </a:rPr>
-              <a:t>我福杯滿</a:t>
-            </a:r>
-            <a:r>
-              <a:rPr lang="zh-TW" altLang="en-US" sz="4800" b="1" dirty="0" smtClean="0">
-                <a:solidFill>
-                  <a:srgbClr val="000066"/>
-                </a:solidFill>
-                <a:latin typeface="微軟正黑體" pitchFamily="34" charset="-120"/>
-                <a:ea typeface="微軟正黑體" pitchFamily="34" charset="-120"/>
-              </a:rPr>
-              <a:t>溢</a:t>
+                  <a:srgbClr val="660033"/>
+                </a:solidFill>
+                <a:latin typeface="微軟正黑體" pitchFamily="34" charset="-120"/>
+                <a:ea typeface="微軟正黑體" pitchFamily="34" charset="-120"/>
+              </a:rPr>
+              <a:t>必不至缺乏</a:t>
             </a:r>
             <a:endParaRPr lang="en-US" altLang="zh-TW" sz="4800" b="1" dirty="0" smtClean="0">
               <a:solidFill>
-                <a:srgbClr val="000066"/>
+                <a:srgbClr val="660033"/>
               </a:solidFill>
               <a:latin typeface="微軟正黑體" pitchFamily="34" charset="-120"/>
               <a:ea typeface="微軟正黑體" pitchFamily="34" charset="-120"/>
             </a:endParaRPr>
           </a:p>
-          <a:p>
-            <a:pPr algn="ctr">
-              <a:buNone/>
-            </a:pPr>
-            <a:r>
-              <a:rPr lang="zh-TW" altLang="en-US" sz="4800" b="1" dirty="0">
-                <a:solidFill>
-                  <a:srgbClr val="000066"/>
-                </a:solidFill>
-                <a:latin typeface="微軟正黑體" pitchFamily="34" charset="-120"/>
-                <a:ea typeface="微軟正黑體" pitchFamily="34" charset="-120"/>
-              </a:rPr>
-              <a:t>一生一世有恩</a:t>
-            </a:r>
-            <a:r>
-              <a:rPr lang="zh-TW" altLang="en-US" sz="4800" b="1" dirty="0" smtClean="0">
-                <a:solidFill>
-                  <a:srgbClr val="000066"/>
-                </a:solidFill>
-                <a:latin typeface="微軟正黑體" pitchFamily="34" charset="-120"/>
-                <a:ea typeface="微軟正黑體" pitchFamily="34" charset="-120"/>
-              </a:rPr>
-              <a:t>惠</a:t>
-            </a:r>
-            <a:r>
-              <a:rPr lang="en-US" altLang="zh-TW" sz="4800" b="1" dirty="0" smtClean="0">
-                <a:solidFill>
-                  <a:srgbClr val="000066"/>
-                </a:solidFill>
-                <a:latin typeface="微軟正黑體" pitchFamily="34" charset="-120"/>
-                <a:ea typeface="微軟正黑體" pitchFamily="34" charset="-120"/>
-              </a:rPr>
-              <a:t>  </a:t>
-            </a:r>
-            <a:r>
-              <a:rPr lang="zh-TW" altLang="en-US" sz="4800" b="1" dirty="0" smtClean="0">
-                <a:solidFill>
-                  <a:srgbClr val="000066"/>
-                </a:solidFill>
-                <a:latin typeface="微軟正黑體" pitchFamily="34" charset="-120"/>
-                <a:ea typeface="微軟正黑體" pitchFamily="34" charset="-120"/>
-              </a:rPr>
-              <a:t>有</a:t>
-            </a:r>
-            <a:r>
-              <a:rPr lang="zh-TW" altLang="en-US" sz="4800" b="1" dirty="0">
-                <a:solidFill>
-                  <a:srgbClr val="000066"/>
-                </a:solidFill>
-                <a:latin typeface="微軟正黑體" pitchFamily="34" charset="-120"/>
-                <a:ea typeface="微軟正黑體" pitchFamily="34" charset="-120"/>
-              </a:rPr>
-              <a:t>慈愛跟隨我</a:t>
-            </a:r>
-            <a:endParaRPr lang="en-US" altLang="zh-TW" sz="4800" b="1" dirty="0">
-              <a:solidFill>
-                <a:srgbClr val="000066"/>
-              </a:solidFill>
-              <a:latin typeface="微軟正黑體" pitchFamily="34" charset="-120"/>
-              <a:ea typeface="微軟正黑體" pitchFamily="34" charset="-120"/>
-            </a:endParaRPr>
-          </a:p>
-          <a:p>
-            <a:pPr algn="ctr">
-              <a:buNone/>
-            </a:pPr>
-            <a:r>
-              <a:rPr lang="zh-TW" altLang="en-US" sz="4800" b="1" dirty="0">
-                <a:solidFill>
-                  <a:srgbClr val="000066"/>
-                </a:solidFill>
-                <a:latin typeface="微軟正黑體" pitchFamily="34" charset="-120"/>
-                <a:ea typeface="微軟正黑體" pitchFamily="34" charset="-120"/>
-              </a:rPr>
-              <a:t>我要住在你殿</a:t>
-            </a:r>
-            <a:r>
-              <a:rPr lang="zh-TW" altLang="en-US" sz="4800" b="1" dirty="0" smtClean="0">
-                <a:solidFill>
-                  <a:srgbClr val="000066"/>
-                </a:solidFill>
-                <a:latin typeface="微軟正黑體" pitchFamily="34" charset="-120"/>
-                <a:ea typeface="微軟正黑體" pitchFamily="34" charset="-120"/>
-              </a:rPr>
-              <a:t>中</a:t>
-            </a:r>
-            <a:r>
-              <a:rPr lang="en-US" altLang="zh-TW" sz="4800" b="1" dirty="0" smtClean="0">
-                <a:solidFill>
-                  <a:srgbClr val="000066"/>
-                </a:solidFill>
-                <a:latin typeface="微軟正黑體" pitchFamily="34" charset="-120"/>
-                <a:ea typeface="微軟正黑體" pitchFamily="34" charset="-120"/>
-              </a:rPr>
-              <a:t>  </a:t>
-            </a:r>
-            <a:r>
-              <a:rPr lang="zh-TW" altLang="en-US" sz="4800" b="1" dirty="0" smtClean="0">
-                <a:solidFill>
-                  <a:srgbClr val="000066"/>
-                </a:solidFill>
-                <a:latin typeface="微軟正黑體" pitchFamily="34" charset="-120"/>
-                <a:ea typeface="微軟正黑體" pitchFamily="34" charset="-120"/>
-              </a:rPr>
-              <a:t>直</a:t>
-            </a:r>
-            <a:r>
-              <a:rPr lang="zh-TW" altLang="en-US" sz="4800" b="1" dirty="0">
-                <a:solidFill>
-                  <a:srgbClr val="000066"/>
-                </a:solidFill>
-                <a:latin typeface="微軟正黑體" pitchFamily="34" charset="-120"/>
-                <a:ea typeface="微軟正黑體" pitchFamily="34" charset="-120"/>
-              </a:rPr>
-              <a:t>到永永遠遠</a:t>
-            </a:r>
-          </a:p>
-          <a:p>
-            <a:pPr algn="ctr">
-              <a:buNone/>
-            </a:pPr>
-            <a:endParaRPr lang="zh-TW" altLang="en-US" sz="4800" b="1" dirty="0">
-              <a:solidFill>
-                <a:srgbClr val="000066"/>
-              </a:solidFill>
-              <a:latin typeface="微軟正黑體" pitchFamily="34" charset="-120"/>
-              <a:ea typeface="微軟正黑體" pitchFamily="34" charset="-120"/>
-            </a:endParaRPr>
-          </a:p>
-        </p:txBody>
-      </p:sp>
-      <p:sp>
-        <p:nvSpPr>
-          <p:cNvPr id="4" name="TextBox 3"/>
-          <p:cNvSpPr txBox="1"/>
-          <p:nvPr/>
-        </p:nvSpPr>
-        <p:spPr>
-          <a:xfrm>
-            <a:off x="7092280" y="1236697"/>
-            <a:ext cx="720080" cy="830997"/>
-          </a:xfrm>
-          <a:prstGeom prst="rect">
-            <a:avLst/>
-          </a:prstGeom>
-          <a:noFill/>
-        </p:spPr>
-        <p:txBody>
-          <a:bodyPr wrap="square" rtlCol="0">
-            <a:spAutoFit/>
-          </a:bodyPr>
-          <a:lstStyle/>
-          <a:p>
-            <a:r>
-              <a:rPr lang="zh-TW" altLang="en-US" sz="4800" b="1" dirty="0" smtClean="0">
-                <a:solidFill>
-                  <a:srgbClr val="000066"/>
-                </a:solidFill>
-                <a:latin typeface="微軟正黑體" pitchFamily="34" charset="-120"/>
-                <a:ea typeface="微軟正黑體" pitchFamily="34" charset="-120"/>
-              </a:rPr>
-              <a:t>筵</a:t>
-            </a:r>
-            <a:endParaRPr lang="en-US" sz="4800" dirty="0">
-              <a:solidFill>
-                <a:srgbClr val="000066"/>
-              </a:solidFill>
-            </a:endParaRPr>
-          </a:p>
         </p:txBody>
       </p:sp>
     </p:spTree>
     <p:extLst>
       <p:ext uri="{BB962C8B-B14F-4D97-AF65-F5344CB8AC3E}">
-        <p14:creationId xmlns:p14="http://schemas.microsoft.com/office/powerpoint/2010/main" val="76446710"/>
+        <p14:creationId xmlns:p14="http://schemas.microsoft.com/office/powerpoint/2010/main" val="52935419"/>
       </p:ext>
     </p:extLst>
   </p:cSld>
@@ -3786,132 +3494,52 @@
       </p:grpSpPr>
       <p:sp>
         <p:nvSpPr>
-          <p:cNvPr id="2" name="標題 1"/>
-          <p:cNvSpPr>
-            <a:spLocks noGrp="1"/>
-          </p:cNvSpPr>
-          <p:nvPr>
-            <p:ph type="title"/>
-          </p:nvPr>
-        </p:nvSpPr>
-        <p:spPr/>
-        <p:txBody>
-          <a:bodyPr>
+          <p:cNvPr id="5" name="內容版面配置區 4"/>
+          <p:cNvSpPr>
+            <a:spLocks noGrp="1"/>
+          </p:cNvSpPr>
+          <p:nvPr>
+            <p:ph idx="1"/>
+          </p:nvPr>
+        </p:nvSpPr>
+        <p:spPr>
+          <a:xfrm>
+            <a:off x="0" y="1563638"/>
+            <a:ext cx="9144000" cy="1803647"/>
+          </a:xfrm>
+        </p:spPr>
+        <p:txBody>
+          <a:bodyPr anchor="ctr">
             <a:normAutofit/>
           </a:bodyPr>
           <a:lstStyle/>
           <a:p>
-            <a:r>
-              <a:rPr lang="zh-TW" altLang="en-US" sz="4000" b="1" dirty="0">
-                <a:solidFill>
-                  <a:srgbClr val="000066"/>
-                </a:solidFill>
-                <a:latin typeface="微軟正黑體" pitchFamily="34" charset="-120"/>
-                <a:ea typeface="微軟正黑體" pitchFamily="34" charset="-120"/>
-              </a:rPr>
-              <a:t>耶和華是我牧者</a:t>
-            </a:r>
-          </a:p>
-        </p:txBody>
-      </p:sp>
-      <p:sp>
-        <p:nvSpPr>
-          <p:cNvPr id="3" name="內容版面配置區 2"/>
-          <p:cNvSpPr>
-            <a:spLocks noGrp="1"/>
-          </p:cNvSpPr>
-          <p:nvPr>
-            <p:ph idx="1"/>
-          </p:nvPr>
-        </p:nvSpPr>
-        <p:spPr>
-          <a:xfrm>
-            <a:off x="0" y="1200151"/>
-            <a:ext cx="9144000" cy="3394472"/>
-          </a:xfrm>
-        </p:spPr>
-        <p:txBody>
-          <a:bodyPr>
-            <a:noAutofit/>
-          </a:bodyPr>
-          <a:lstStyle/>
-          <a:p>
             <a:pPr algn="ctr">
               <a:buNone/>
             </a:pPr>
             <a:r>
               <a:rPr lang="zh-TW" altLang="en-US" sz="4800" b="1" dirty="0">
                 <a:solidFill>
-                  <a:srgbClr val="000066"/>
-                </a:solidFill>
-                <a:latin typeface="微軟正黑體" pitchFamily="34" charset="-120"/>
-                <a:ea typeface="微軟正黑體" pitchFamily="34" charset="-120"/>
-              </a:rPr>
-              <a:t>嘿嘿喲 </a:t>
+                  <a:srgbClr val="660033"/>
+                </a:solidFill>
+                <a:latin typeface="微軟正黑體" pitchFamily="34" charset="-120"/>
+                <a:ea typeface="微軟正黑體" pitchFamily="34" charset="-120"/>
+              </a:rPr>
+              <a:t>使我躺臥青草</a:t>
             </a:r>
             <a:r>
               <a:rPr lang="zh-TW" altLang="en-US" sz="4800" b="1" dirty="0" smtClean="0">
                 <a:solidFill>
-                  <a:srgbClr val="000066"/>
-                </a:solidFill>
-                <a:latin typeface="微軟正黑體" pitchFamily="34" charset="-120"/>
-                <a:ea typeface="微軟正黑體" pitchFamily="34" charset="-120"/>
-              </a:rPr>
-              <a:t>嘿</a:t>
-            </a:r>
-            <a:r>
-              <a:rPr lang="zh-TW" altLang="en-US" sz="4800" b="1" dirty="0">
-                <a:solidFill>
-                  <a:srgbClr val="000066"/>
-                </a:solidFill>
-                <a:latin typeface="微軟正黑體" pitchFamily="34" charset="-120"/>
-                <a:ea typeface="微軟正黑體" pitchFamily="34" charset="-120"/>
-              </a:rPr>
-              <a:t>嘿</a:t>
-            </a:r>
-            <a:r>
-              <a:rPr lang="zh-TW" altLang="en-US" sz="4800" b="1" dirty="0" smtClean="0">
-                <a:solidFill>
-                  <a:srgbClr val="000066"/>
-                </a:solidFill>
-                <a:latin typeface="微軟正黑體" pitchFamily="34" charset="-120"/>
-                <a:ea typeface="微軟正黑體" pitchFamily="34" charset="-120"/>
-              </a:rPr>
-              <a:t>喲</a:t>
-            </a:r>
-            <a:r>
-              <a:rPr lang="en-US" altLang="zh-TW" sz="4800" b="1" dirty="0">
-                <a:solidFill>
-                  <a:srgbClr val="000066"/>
-                </a:solidFill>
-                <a:latin typeface="微軟正黑體" pitchFamily="34" charset="-120"/>
-                <a:ea typeface="微軟正黑體" pitchFamily="34" charset="-120"/>
-              </a:rPr>
-              <a:t> </a:t>
-            </a:r>
-            <a:r>
-              <a:rPr lang="zh-TW" altLang="en-US" sz="4800" b="1" dirty="0" smtClean="0">
-                <a:solidFill>
-                  <a:srgbClr val="000066"/>
-                </a:solidFill>
-                <a:latin typeface="微軟正黑體" pitchFamily="34" charset="-120"/>
-                <a:ea typeface="微軟正黑體" pitchFamily="34" charset="-120"/>
-              </a:rPr>
-              <a:t>主</a:t>
-            </a:r>
-            <a:r>
-              <a:rPr lang="zh-TW" altLang="en-US" sz="4800" b="1" dirty="0">
-                <a:solidFill>
-                  <a:srgbClr val="000066"/>
-                </a:solidFill>
-                <a:latin typeface="微軟正黑體" pitchFamily="34" charset="-120"/>
-                <a:ea typeface="微軟正黑體" pitchFamily="34" charset="-120"/>
-              </a:rPr>
-              <a:t>你與我同在</a:t>
-            </a:r>
-            <a:endParaRPr lang="en-US" altLang="zh-TW" sz="4800" b="1" dirty="0">
+                  <a:srgbClr val="660033"/>
+                </a:solidFill>
+                <a:latin typeface="微軟正黑體" pitchFamily="34" charset="-120"/>
+                <a:ea typeface="微軟正黑體" pitchFamily="34" charset="-120"/>
+              </a:rPr>
+              <a:t>地</a:t>
+            </a:r>
+            <a:endParaRPr lang="en-US" altLang="zh-TW" sz="4800" b="1" dirty="0" smtClean="0">
               <a:solidFill>
-                <a:srgbClr val="000066"/>
+                <a:srgbClr val="660033"/>
               </a:solidFill>
               <a:latin typeface="微軟正黑體" pitchFamily="34" charset="-120"/>
               <a:ea typeface="微軟正黑體" pitchFamily="34" charset="-120"/>
@@ -3922,83 +3550,86 @@
               <a:buNone/>
             </a:pPr>
             <a:r>
+              <a:rPr lang="zh-TW" altLang="en-US" sz="4800" b="1" dirty="0" smtClean="0">
+                <a:solidFill>
+                  <a:srgbClr val="660033"/>
+                </a:solidFill>
+                <a:latin typeface="微軟正黑體" pitchFamily="34" charset="-120"/>
+                <a:ea typeface="微軟正黑體" pitchFamily="34" charset="-120"/>
+              </a:rPr>
+              <a:t>在</a:t>
+            </a:r>
+            <a:r>
               <a:rPr lang="zh-TW" altLang="en-US" sz="4800" b="1" dirty="0">
                 <a:solidFill>
-                  <a:srgbClr val="000066"/>
-                </a:solidFill>
-                <a:latin typeface="微軟正黑體" pitchFamily="34" charset="-120"/>
-                <a:ea typeface="微軟正黑體" pitchFamily="34" charset="-120"/>
-              </a:rPr>
-              <a:t>你的杖和你的</a:t>
-            </a:r>
-            <a:r>
-              <a:rPr lang="zh-TW" altLang="en-US" sz="4800" b="1" dirty="0" smtClean="0">
-                <a:solidFill>
-                  <a:srgbClr val="000066"/>
-                </a:solidFill>
-                <a:latin typeface="微軟正黑體" pitchFamily="34" charset="-120"/>
-                <a:ea typeface="微軟正黑體" pitchFamily="34" charset="-120"/>
-              </a:rPr>
-              <a:t>竿</a:t>
-            </a:r>
-            <a:r>
-              <a:rPr lang="en-US" altLang="zh-TW" sz="4800" b="1" dirty="0">
-                <a:solidFill>
-                  <a:srgbClr val="000066"/>
-                </a:solidFill>
-                <a:latin typeface="微軟正黑體" pitchFamily="34" charset="-120"/>
-                <a:ea typeface="微軟正黑體" pitchFamily="34" charset="-120"/>
-              </a:rPr>
-              <a:t> </a:t>
-            </a:r>
-            <a:r>
-              <a:rPr lang="en-US" altLang="zh-TW" sz="4800" b="1" dirty="0" smtClean="0">
-                <a:solidFill>
-                  <a:srgbClr val="000066"/>
-                </a:solidFill>
-                <a:latin typeface="微軟正黑體" pitchFamily="34" charset="-120"/>
-                <a:ea typeface="微軟正黑體" pitchFamily="34" charset="-120"/>
-              </a:rPr>
-              <a:t> </a:t>
-            </a:r>
-            <a:r>
-              <a:rPr lang="zh-TW" altLang="en-US" sz="4800" b="1" dirty="0" smtClean="0">
-                <a:solidFill>
-                  <a:srgbClr val="000066"/>
-                </a:solidFill>
-                <a:latin typeface="微軟正黑體" pitchFamily="34" charset="-120"/>
-                <a:ea typeface="微軟正黑體" pitchFamily="34" charset="-120"/>
-              </a:rPr>
-              <a:t>時</a:t>
-            </a:r>
-            <a:r>
-              <a:rPr lang="zh-TW" altLang="en-US" sz="4800" b="1" dirty="0">
-                <a:solidFill>
-                  <a:srgbClr val="000066"/>
-                </a:solidFill>
-                <a:latin typeface="微軟正黑體" pitchFamily="34" charset="-120"/>
-                <a:ea typeface="微軟正黑體" pitchFamily="34" charset="-120"/>
-              </a:rPr>
-              <a:t>時都安慰</a:t>
-            </a:r>
-            <a:r>
-              <a:rPr lang="zh-TW" altLang="en-US" sz="4800" b="1" dirty="0" smtClean="0">
-                <a:solidFill>
-                  <a:srgbClr val="000066"/>
-                </a:solidFill>
-                <a:latin typeface="微軟正黑體" pitchFamily="34" charset="-120"/>
-                <a:ea typeface="微軟正黑體" pitchFamily="34" charset="-120"/>
-              </a:rPr>
-              <a:t>我</a:t>
-            </a:r>
-            <a:endParaRPr lang="en-US" altLang="zh-TW" sz="4800" b="1" dirty="0" smtClean="0">
+                  <a:srgbClr val="660033"/>
+                </a:solidFill>
+                <a:latin typeface="微軟正黑體" pitchFamily="34" charset="-120"/>
+                <a:ea typeface="微軟正黑體" pitchFamily="34" charset="-120"/>
+              </a:rPr>
+              <a:t>安歇的水邊</a:t>
+            </a:r>
+            <a:endParaRPr lang="en-US" altLang="zh-TW" sz="4800" b="1" dirty="0">
               <a:solidFill>
-                <a:srgbClr val="000066"/>
+                <a:srgbClr val="660033"/>
               </a:solidFill>
               <a:latin typeface="微軟正黑體" pitchFamily="34" charset="-120"/>
               <a:ea typeface="微軟正黑體" pitchFamily="34" charset="-120"/>
             </a:endParaRPr>
           </a:p>
+        </p:txBody>
+      </p:sp>
+    </p:spTree>
+    <p:extLst>
+      <p:ext uri="{BB962C8B-B14F-4D97-AF65-F5344CB8AC3E}">
+        <p14:creationId xmlns:p14="http://schemas.microsoft.com/office/powerpoint/2010/main" val="2424006380"/>
+      </p:ext>
+    </p:extLst>
+  </p:cSld>
+  <p:clrMapOvr>
+    <a:masterClrMapping/>
+  </p:clrMapOvr>
+</p:sld>
+</file>
+
+<file path=ppt/slides/slide4.xml><?xml version="1.0" encoding="utf-8"?>
+<p:sld xmlns:a="http://schemas.openxmlformats.org/drawingml/2006/main" xmlns:r="http://schemas.openxmlformats.org/officeDocument/2006/relationships" xmlns:p="http://schemas.openxmlformats.org/presentationml/2006/main">
+  <p:cSld>
+    <p:spTree>
+      <p:nvGrpSpPr>
+        <p:cNvPr id="1" name=""/>
+        <p:cNvGrpSpPr/>
+        <p:nvPr/>
+      </p:nvGrpSpPr>
+      <p:grpSpPr>
+        <a:xfrm>
+          <a:off x="0" y="0"/>
+          <a:ext cx="0" cy="0"/>
+          <a:chOff x="0" y="0"/>
+          <a:chExt cx="0" cy="0"/>
+        </a:xfrm>
+      </p:grpSpPr>
+      <p:sp>
+        <p:nvSpPr>
+          <p:cNvPr id="5" name="內容版面配置區 4"/>
+          <p:cNvSpPr>
+            <a:spLocks noGrp="1"/>
+          </p:cNvSpPr>
+          <p:nvPr>
+            <p:ph idx="1"/>
+          </p:nvPr>
+        </p:nvSpPr>
+        <p:spPr>
+          <a:xfrm>
+            <a:off x="0" y="1563638"/>
+            <a:ext cx="9144000" cy="1803647"/>
+          </a:xfrm>
+        </p:spPr>
+        <p:txBody>
+          <a:bodyPr anchor="ctr">
+            <a:normAutofit/>
+          </a:bodyPr>
+          <a:lstStyle/>
           <a:p>
             <a:pPr algn="ctr">
               <a:buNone/>
@@ -4006,76 +3637,26 @@
             <a:r>
               <a:rPr lang="zh-TW" altLang="en-US" sz="4800" b="1" dirty="0">
                 <a:solidFill>
-                  <a:srgbClr val="000066"/>
-                </a:solidFill>
-                <a:latin typeface="微軟正黑體" pitchFamily="34" charset="-120"/>
-                <a:ea typeface="微軟正黑體" pitchFamily="34" charset="-120"/>
-              </a:rPr>
-              <a:t>嘿嘿喲 </a:t>
+                  <a:srgbClr val="660033"/>
+                </a:solidFill>
+                <a:latin typeface="微軟正黑體" pitchFamily="34" charset="-120"/>
+                <a:ea typeface="微軟正黑體" pitchFamily="34" charset="-120"/>
+              </a:rPr>
+              <a:t>祂使我靈魂甦</a:t>
             </a:r>
             <a:r>
               <a:rPr lang="zh-TW" altLang="en-US" sz="4800" b="1" dirty="0" smtClean="0">
                 <a:solidFill>
-                  <a:srgbClr val="000066"/>
-                </a:solidFill>
-                <a:latin typeface="微軟正黑體" pitchFamily="34" charset="-120"/>
-                <a:ea typeface="微軟正黑體" pitchFamily="34" charset="-120"/>
-              </a:rPr>
-              <a:t>嘿</a:t>
-            </a:r>
-            <a:r>
-              <a:rPr lang="zh-TW" altLang="en-US" sz="4800" b="1" dirty="0">
-                <a:solidFill>
-                  <a:srgbClr val="000066"/>
-                </a:solidFill>
-                <a:latin typeface="微軟正黑體" pitchFamily="34" charset="-120"/>
-                <a:ea typeface="微軟正黑體" pitchFamily="34" charset="-120"/>
-              </a:rPr>
-              <a:t>嘿</a:t>
-            </a:r>
-            <a:r>
-              <a:rPr lang="zh-TW" altLang="en-US" sz="4800" b="1" dirty="0" smtClean="0">
-                <a:solidFill>
-                  <a:srgbClr val="000066"/>
-                </a:solidFill>
-                <a:latin typeface="微軟正黑體" pitchFamily="34" charset="-120"/>
-                <a:ea typeface="微軟正黑體" pitchFamily="34" charset="-120"/>
-              </a:rPr>
-              <a:t>喲</a:t>
-            </a:r>
-            <a:r>
-              <a:rPr lang="en-US" altLang="zh-TW" sz="4800" b="1" dirty="0" smtClean="0">
-                <a:solidFill>
-                  <a:srgbClr val="000066"/>
-                </a:solidFill>
-                <a:latin typeface="微軟正黑體" pitchFamily="34" charset="-120"/>
-                <a:ea typeface="微軟正黑體" pitchFamily="34" charset="-120"/>
-              </a:rPr>
-              <a:t> </a:t>
-            </a:r>
-            <a:r>
-              <a:rPr lang="zh-TW" altLang="en-US" sz="4800" b="1" dirty="0" smtClean="0">
-                <a:solidFill>
-                  <a:srgbClr val="000066"/>
-                </a:solidFill>
-                <a:latin typeface="微軟正黑體" pitchFamily="34" charset="-120"/>
-                <a:ea typeface="微軟正黑體" pitchFamily="34" charset="-120"/>
-              </a:rPr>
-              <a:t>有</a:t>
-            </a:r>
-            <a:r>
-              <a:rPr lang="zh-TW" altLang="en-US" sz="4800" b="1" dirty="0">
-                <a:solidFill>
-                  <a:srgbClr val="000066"/>
-                </a:solidFill>
-                <a:latin typeface="微軟正黑體" pitchFamily="34" charset="-120"/>
-                <a:ea typeface="微軟正黑體" pitchFamily="34" charset="-120"/>
-              </a:rPr>
-              <a:t>慈愛跟隨我</a:t>
-            </a:r>
-            <a:endParaRPr lang="en-US" altLang="zh-TW" sz="4800" b="1" dirty="0">
+                  <a:srgbClr val="660033"/>
+                </a:solidFill>
+                <a:latin typeface="微軟正黑體" pitchFamily="34" charset="-120"/>
+                <a:ea typeface="微軟正黑體" pitchFamily="34" charset="-120"/>
+              </a:rPr>
+              <a:t>醒</a:t>
+            </a:r>
+            <a:endParaRPr lang="en-US" altLang="zh-TW" sz="4800" b="1" dirty="0" smtClean="0">
               <a:solidFill>
-                <a:srgbClr val="000066"/>
+                <a:srgbClr val="660033"/>
               </a:solidFill>
               <a:latin typeface="微軟正黑體" pitchFamily="34" charset="-120"/>
               <a:ea typeface="微軟正黑體" pitchFamily="34" charset="-120"/>
@@ -4086,63 +3667,28 @@
               <a:buNone/>
             </a:pPr>
             <a:r>
+              <a:rPr lang="zh-TW" altLang="en-US" sz="4800" b="1" dirty="0" smtClean="0">
+                <a:solidFill>
+                  <a:srgbClr val="660033"/>
+                </a:solidFill>
+                <a:latin typeface="微軟正黑體" pitchFamily="34" charset="-120"/>
+                <a:ea typeface="微軟正黑體" pitchFamily="34" charset="-120"/>
+              </a:rPr>
+              <a:t>引</a:t>
+            </a:r>
+            <a:r>
               <a:rPr lang="zh-TW" altLang="en-US" sz="4800" b="1" dirty="0">
                 <a:solidFill>
-                  <a:srgbClr val="000066"/>
-                </a:solidFill>
-                <a:latin typeface="微軟正黑體" pitchFamily="34" charset="-120"/>
-                <a:ea typeface="微軟正黑體" pitchFamily="34" charset="-120"/>
-              </a:rPr>
-              <a:t>我要住在你殿</a:t>
-            </a:r>
-            <a:r>
-              <a:rPr lang="zh-TW" altLang="en-US" sz="4800" b="1" dirty="0" smtClean="0">
-                <a:solidFill>
-                  <a:srgbClr val="000066"/>
-                </a:solidFill>
-                <a:latin typeface="微軟正黑體" pitchFamily="34" charset="-120"/>
-                <a:ea typeface="微軟正黑體" pitchFamily="34" charset="-120"/>
-              </a:rPr>
-              <a:t>中</a:t>
-            </a:r>
-            <a:r>
-              <a:rPr lang="en-US" altLang="zh-TW" sz="4800" b="1" dirty="0" smtClean="0">
-                <a:solidFill>
-                  <a:srgbClr val="000066"/>
-                </a:solidFill>
-                <a:latin typeface="微軟正黑體" pitchFamily="34" charset="-120"/>
-                <a:ea typeface="微軟正黑體" pitchFamily="34" charset="-120"/>
-              </a:rPr>
-              <a:t>  </a:t>
-            </a:r>
-            <a:r>
-              <a:rPr lang="zh-TW" altLang="en-US" sz="4800" b="1" dirty="0" smtClean="0">
-                <a:solidFill>
-                  <a:srgbClr val="000066"/>
-                </a:solidFill>
-                <a:latin typeface="微軟正黑體" pitchFamily="34" charset="-120"/>
-                <a:ea typeface="微軟正黑體" pitchFamily="34" charset="-120"/>
-              </a:rPr>
-              <a:t>直</a:t>
-            </a:r>
-            <a:r>
-              <a:rPr lang="zh-TW" altLang="en-US" sz="4800" b="1" dirty="0">
-                <a:solidFill>
-                  <a:srgbClr val="000066"/>
-                </a:solidFill>
-                <a:latin typeface="微軟正黑體" pitchFamily="34" charset="-120"/>
-                <a:ea typeface="微軟正黑體" pitchFamily="34" charset="-120"/>
-              </a:rPr>
-              <a:t>到永永遠遠</a:t>
-            </a:r>
-          </a:p>
-          <a:p>
-            <a:pPr algn="ctr">
-              <a:buNone/>
-            </a:pPr>
-            <a:endParaRPr lang="zh-TW" altLang="en-US" sz="4800" b="1" dirty="0">
+                  <a:srgbClr val="660033"/>
+                </a:solidFill>
+                <a:latin typeface="微軟正黑體" pitchFamily="34" charset="-120"/>
+                <a:ea typeface="微軟正黑體" pitchFamily="34" charset="-120"/>
+              </a:rPr>
+              <a:t>我走正義路</a:t>
+            </a:r>
+            <a:endParaRPr lang="en-US" altLang="zh-TW" sz="4800" b="1" dirty="0">
               <a:solidFill>
-                <a:srgbClr val="000066"/>
+                <a:srgbClr val="660033"/>
               </a:solidFill>
               <a:latin typeface="微軟正黑體" pitchFamily="34" charset="-120"/>
               <a:ea typeface="微軟正黑體" pitchFamily="34" charset="-120"/>
@@ -4153,7 +3699,812 @@
     </p:spTree>
     <p:extLst>
       <p:ext uri="{BB962C8B-B14F-4D97-AF65-F5344CB8AC3E}">
-        <p14:creationId xmlns:p14="http://schemas.microsoft.com/office/powerpoint/2010/main" val="2243816370"/>
+        <p14:creationId xmlns:p14="http://schemas.microsoft.com/office/powerpoint/2010/main" val="3306266197"/>
+      </p:ext>
+    </p:extLst>
+  </p:cSld>
+  <p:clrMapOvr>
+    <a:masterClrMapping/>
+  </p:clrMapOvr>
+</p:sld>
+</file>
+
+<file path=ppt/slides/slide5.xml><?xml version="1.0" encoding="utf-8"?>
+<p:sld xmlns:a="http://schemas.openxmlformats.org/drawingml/2006/main" xmlns:r="http://schemas.openxmlformats.org/officeDocument/2006/relationships" xmlns:p="http://schemas.openxmlformats.org/presentationml/2006/main">
+  <p:cSld>
+    <p:spTree>
+      <p:nvGrpSpPr>
+        <p:cNvPr id="1" name=""/>
+        <p:cNvGrpSpPr/>
+        <p:nvPr/>
+      </p:nvGrpSpPr>
+      <p:grpSpPr>
+        <a:xfrm>
+          <a:off x="0" y="0"/>
+          <a:ext cx="0" cy="0"/>
+          <a:chOff x="0" y="0"/>
+          <a:chExt cx="0" cy="0"/>
+        </a:xfrm>
+      </p:grpSpPr>
+      <p:sp>
+        <p:nvSpPr>
+          <p:cNvPr id="5" name="內容版面配置區 4"/>
+          <p:cNvSpPr>
+            <a:spLocks noGrp="1"/>
+          </p:cNvSpPr>
+          <p:nvPr>
+            <p:ph idx="1"/>
+          </p:nvPr>
+        </p:nvSpPr>
+        <p:spPr>
+          <a:xfrm>
+            <a:off x="0" y="1563638"/>
+            <a:ext cx="9144000" cy="1803647"/>
+          </a:xfrm>
+        </p:spPr>
+        <p:txBody>
+          <a:bodyPr anchor="ctr">
+            <a:normAutofit/>
+          </a:bodyPr>
+          <a:lstStyle/>
+          <a:p>
+            <a:pPr algn="ctr">
+              <a:buNone/>
+            </a:pPr>
+            <a:r>
+              <a:rPr lang="zh-TW" altLang="en-US" sz="4800" b="1" dirty="0">
+                <a:solidFill>
+                  <a:srgbClr val="660033"/>
+                </a:solidFill>
+                <a:latin typeface="微軟正黑體" pitchFamily="34" charset="-120"/>
+                <a:ea typeface="微軟正黑體" pitchFamily="34" charset="-120"/>
+              </a:rPr>
+              <a:t>我雖過死蔭幽</a:t>
+            </a:r>
+            <a:r>
+              <a:rPr lang="zh-TW" altLang="en-US" sz="4800" b="1" dirty="0" smtClean="0">
+                <a:solidFill>
+                  <a:srgbClr val="660033"/>
+                </a:solidFill>
+                <a:latin typeface="微軟正黑體" pitchFamily="34" charset="-120"/>
+                <a:ea typeface="微軟正黑體" pitchFamily="34" charset="-120"/>
+              </a:rPr>
+              <a:t>谷</a:t>
+            </a:r>
+            <a:endParaRPr lang="en-US" altLang="zh-TW" sz="4800" b="1" dirty="0" smtClean="0">
+              <a:solidFill>
+                <a:srgbClr val="660033"/>
+              </a:solidFill>
+              <a:latin typeface="微軟正黑體" pitchFamily="34" charset="-120"/>
+              <a:ea typeface="微軟正黑體" pitchFamily="34" charset="-120"/>
+            </a:endParaRPr>
+          </a:p>
+          <a:p>
+            <a:pPr algn="ctr">
+              <a:buNone/>
+            </a:pPr>
+            <a:r>
+              <a:rPr lang="zh-TW" altLang="en-US" sz="4800" b="1" dirty="0" smtClean="0">
+                <a:solidFill>
+                  <a:srgbClr val="660033"/>
+                </a:solidFill>
+                <a:latin typeface="微軟正黑體" pitchFamily="34" charset="-120"/>
+                <a:ea typeface="微軟正黑體" pitchFamily="34" charset="-120"/>
+              </a:rPr>
+              <a:t>也</a:t>
+            </a:r>
+            <a:r>
+              <a:rPr lang="zh-TW" altLang="en-US" sz="4800" b="1" dirty="0">
+                <a:solidFill>
+                  <a:srgbClr val="660033"/>
+                </a:solidFill>
+                <a:latin typeface="微軟正黑體" pitchFamily="34" charset="-120"/>
+                <a:ea typeface="微軟正黑體" pitchFamily="34" charset="-120"/>
+              </a:rPr>
+              <a:t>必不怕遭害</a:t>
+            </a:r>
+            <a:endParaRPr lang="zh-TW" altLang="en-US" sz="4800" b="1" dirty="0">
+              <a:solidFill>
+                <a:srgbClr val="660033"/>
+              </a:solidFill>
+              <a:latin typeface="微軟正黑體" pitchFamily="34" charset="-120"/>
+              <a:ea typeface="微軟正黑體" pitchFamily="34" charset="-120"/>
+            </a:endParaRPr>
+          </a:p>
+        </p:txBody>
+      </p:sp>
+    </p:spTree>
+    <p:extLst>
+      <p:ext uri="{BB962C8B-B14F-4D97-AF65-F5344CB8AC3E}">
+        <p14:creationId xmlns:p14="http://schemas.microsoft.com/office/powerpoint/2010/main" val="2245375344"/>
+      </p:ext>
+    </p:extLst>
+  </p:cSld>
+  <p:clrMapOvr>
+    <a:masterClrMapping/>
+  </p:clrMapOvr>
+</p:sld>
+</file>
+
+<file path=ppt/slides/slide6.xml><?xml version="1.0" encoding="utf-8"?>
+<p:sld xmlns:a="http://schemas.openxmlformats.org/drawingml/2006/main" xmlns:r="http://schemas.openxmlformats.org/officeDocument/2006/relationships" xmlns:p="http://schemas.openxmlformats.org/presentationml/2006/main">
+  <p:cSld>
+    <p:spTree>
+      <p:nvGrpSpPr>
+        <p:cNvPr id="1" name=""/>
+        <p:cNvGrpSpPr/>
+        <p:nvPr/>
+      </p:nvGrpSpPr>
+      <p:grpSpPr>
+        <a:xfrm>
+          <a:off x="0" y="0"/>
+          <a:ext cx="0" cy="0"/>
+          <a:chOff x="0" y="0"/>
+          <a:chExt cx="0" cy="0"/>
+        </a:xfrm>
+      </p:grpSpPr>
+      <p:sp>
+        <p:nvSpPr>
+          <p:cNvPr id="5" name="內容版面配置區 4"/>
+          <p:cNvSpPr>
+            <a:spLocks noGrp="1"/>
+          </p:cNvSpPr>
+          <p:nvPr>
+            <p:ph idx="1"/>
+          </p:nvPr>
+        </p:nvSpPr>
+        <p:spPr>
+          <a:xfrm>
+            <a:off x="0" y="1563638"/>
+            <a:ext cx="9144000" cy="1803647"/>
+          </a:xfrm>
+        </p:spPr>
+        <p:txBody>
+          <a:bodyPr anchor="ctr">
+            <a:normAutofit/>
+          </a:bodyPr>
+          <a:lstStyle/>
+          <a:p>
+            <a:pPr algn="ctr">
+              <a:buNone/>
+            </a:pPr>
+            <a:r>
+              <a:rPr lang="zh-TW" altLang="en-US" sz="4800" b="1" dirty="0">
+                <a:solidFill>
+                  <a:srgbClr val="660033"/>
+                </a:solidFill>
+                <a:latin typeface="微軟正黑體" pitchFamily="34" charset="-120"/>
+                <a:ea typeface="微軟正黑體" pitchFamily="34" charset="-120"/>
+              </a:rPr>
+              <a:t>在我敵人面前  為我擺設    席</a:t>
+            </a:r>
+            <a:endParaRPr lang="en-US" altLang="zh-TW" sz="4800" b="1" dirty="0">
+              <a:solidFill>
+                <a:srgbClr val="660033"/>
+              </a:solidFill>
+              <a:latin typeface="微軟正黑體" pitchFamily="34" charset="-120"/>
+              <a:ea typeface="微軟正黑體" pitchFamily="34" charset="-120"/>
+            </a:endParaRPr>
+          </a:p>
+          <a:p>
+            <a:pPr algn="ctr">
+              <a:buNone/>
+            </a:pPr>
+            <a:r>
+              <a:rPr lang="zh-CN" altLang="en-US" sz="4800" b="1" dirty="0" smtClean="0">
+                <a:solidFill>
+                  <a:srgbClr val="660033"/>
+                </a:solidFill>
+                <a:latin typeface="微軟正黑體" pitchFamily="34" charset="-120"/>
+                <a:ea typeface="微軟正黑體" pitchFamily="34" charset="-120"/>
+              </a:rPr>
+              <a:t>袮</a:t>
+            </a:r>
+            <a:r>
+              <a:rPr lang="zh-TW" altLang="en-US" sz="4800" b="1" dirty="0" smtClean="0">
+                <a:solidFill>
+                  <a:srgbClr val="660033"/>
+                </a:solidFill>
+                <a:latin typeface="微軟正黑體" pitchFamily="34" charset="-120"/>
+                <a:ea typeface="微軟正黑體" pitchFamily="34" charset="-120"/>
+              </a:rPr>
+              <a:t>用</a:t>
+            </a:r>
+            <a:r>
+              <a:rPr lang="zh-TW" altLang="en-US" sz="4800" b="1" dirty="0">
+                <a:solidFill>
+                  <a:srgbClr val="660033"/>
+                </a:solidFill>
+                <a:latin typeface="微軟正黑體" pitchFamily="34" charset="-120"/>
+                <a:ea typeface="微軟正黑體" pitchFamily="34" charset="-120"/>
+              </a:rPr>
+              <a:t>油膏我的頭</a:t>
+            </a:r>
+            <a:r>
+              <a:rPr lang="en-US" altLang="zh-TW" sz="4800" b="1" dirty="0">
+                <a:solidFill>
+                  <a:srgbClr val="660033"/>
+                </a:solidFill>
+                <a:latin typeface="微軟正黑體" pitchFamily="34" charset="-120"/>
+                <a:ea typeface="微軟正黑體" pitchFamily="34" charset="-120"/>
+              </a:rPr>
+              <a:t>  </a:t>
+            </a:r>
+            <a:r>
+              <a:rPr lang="zh-TW" altLang="en-US" sz="4800" b="1" dirty="0">
+                <a:solidFill>
+                  <a:srgbClr val="660033"/>
+                </a:solidFill>
+                <a:latin typeface="微軟正黑體" pitchFamily="34" charset="-120"/>
+                <a:ea typeface="微軟正黑體" pitchFamily="34" charset="-120"/>
+              </a:rPr>
+              <a:t>使我福杯滿溢</a:t>
+            </a:r>
+            <a:endParaRPr lang="en-US" altLang="zh-TW" sz="4800" b="1" dirty="0">
+              <a:solidFill>
+                <a:srgbClr val="660033"/>
+              </a:solidFill>
+              <a:latin typeface="微軟正黑體" pitchFamily="34" charset="-120"/>
+              <a:ea typeface="微軟正黑體" pitchFamily="34" charset="-120"/>
+            </a:endParaRPr>
+          </a:p>
+        </p:txBody>
+      </p:sp>
+      <p:sp>
+        <p:nvSpPr>
+          <p:cNvPr id="3" name="TextBox 2"/>
+          <p:cNvSpPr txBox="1"/>
+          <p:nvPr/>
+        </p:nvSpPr>
+        <p:spPr>
+          <a:xfrm>
+            <a:off x="7092280" y="1634464"/>
+            <a:ext cx="720080" cy="830997"/>
+          </a:xfrm>
+          <a:prstGeom prst="rect">
+            <a:avLst/>
+          </a:prstGeom>
+          <a:noFill/>
+        </p:spPr>
+        <p:txBody>
+          <a:bodyPr wrap="square" rtlCol="0">
+            <a:spAutoFit/>
+          </a:bodyPr>
+          <a:lstStyle/>
+          <a:p>
+            <a:r>
+              <a:rPr lang="zh-TW" altLang="en-US" sz="4800" b="1" dirty="0" smtClean="0">
+                <a:solidFill>
+                  <a:srgbClr val="660033"/>
+                </a:solidFill>
+                <a:latin typeface="微軟正黑體" pitchFamily="34" charset="-120"/>
+                <a:ea typeface="微軟正黑體" pitchFamily="34" charset="-120"/>
+              </a:rPr>
+              <a:t>筵</a:t>
+            </a:r>
+            <a:endParaRPr lang="en-US" sz="4800" dirty="0">
+              <a:solidFill>
+                <a:srgbClr val="660033"/>
+              </a:solidFill>
+            </a:endParaRPr>
+          </a:p>
+        </p:txBody>
+      </p:sp>
+    </p:spTree>
+    <p:extLst>
+      <p:ext uri="{BB962C8B-B14F-4D97-AF65-F5344CB8AC3E}">
+        <p14:creationId xmlns:p14="http://schemas.microsoft.com/office/powerpoint/2010/main" val="614266019"/>
+      </p:ext>
+    </p:extLst>
+  </p:cSld>
+  <p:clrMapOvr>
+    <a:masterClrMapping/>
+  </p:clrMapOvr>
+</p:sld>
+</file>
+
+<file path=ppt/slides/slide7.xml><?xml version="1.0" encoding="utf-8"?>
+<p:sld xmlns:a="http://schemas.openxmlformats.org/drawingml/2006/main" xmlns:r="http://schemas.openxmlformats.org/officeDocument/2006/relationships" xmlns:p="http://schemas.openxmlformats.org/presentationml/2006/main">
+  <p:cSld>
+    <p:spTree>
+      <p:nvGrpSpPr>
+        <p:cNvPr id="1" name=""/>
+        <p:cNvGrpSpPr/>
+        <p:nvPr/>
+      </p:nvGrpSpPr>
+      <p:grpSpPr>
+        <a:xfrm>
+          <a:off x="0" y="0"/>
+          <a:ext cx="0" cy="0"/>
+          <a:chOff x="0" y="0"/>
+          <a:chExt cx="0" cy="0"/>
+        </a:xfrm>
+      </p:grpSpPr>
+      <p:sp>
+        <p:nvSpPr>
+          <p:cNvPr id="5" name="內容版面配置區 4"/>
+          <p:cNvSpPr>
+            <a:spLocks noGrp="1"/>
+          </p:cNvSpPr>
+          <p:nvPr>
+            <p:ph idx="1"/>
+          </p:nvPr>
+        </p:nvSpPr>
+        <p:spPr>
+          <a:xfrm>
+            <a:off x="0" y="1563638"/>
+            <a:ext cx="9144000" cy="1803647"/>
+          </a:xfrm>
+        </p:spPr>
+        <p:txBody>
+          <a:bodyPr anchor="ctr">
+            <a:normAutofit/>
+          </a:bodyPr>
+          <a:lstStyle/>
+          <a:p>
+            <a:pPr algn="ctr">
+              <a:buNone/>
+            </a:pPr>
+            <a:r>
+              <a:rPr lang="zh-TW" altLang="en-US" sz="4800" b="1" dirty="0">
+                <a:solidFill>
+                  <a:srgbClr val="660033"/>
+                </a:solidFill>
+                <a:latin typeface="微軟正黑體" pitchFamily="34" charset="-120"/>
+                <a:ea typeface="微軟正黑體" pitchFamily="34" charset="-120"/>
+              </a:rPr>
+              <a:t>一生一世有恩</a:t>
+            </a:r>
+            <a:r>
+              <a:rPr lang="zh-TW" altLang="en-US" sz="4800" b="1" dirty="0" smtClean="0">
+                <a:solidFill>
+                  <a:srgbClr val="660033"/>
+                </a:solidFill>
+                <a:latin typeface="微軟正黑體" pitchFamily="34" charset="-120"/>
+                <a:ea typeface="微軟正黑體" pitchFamily="34" charset="-120"/>
+              </a:rPr>
+              <a:t>惠</a:t>
+            </a:r>
+            <a:endParaRPr lang="en-US" altLang="zh-TW" sz="4800" b="1" dirty="0" smtClean="0">
+              <a:solidFill>
+                <a:srgbClr val="660033"/>
+              </a:solidFill>
+              <a:latin typeface="微軟正黑體" pitchFamily="34" charset="-120"/>
+              <a:ea typeface="微軟正黑體" pitchFamily="34" charset="-120"/>
+            </a:endParaRPr>
+          </a:p>
+          <a:p>
+            <a:pPr algn="ctr">
+              <a:buNone/>
+            </a:pPr>
+            <a:r>
+              <a:rPr lang="zh-TW" altLang="en-US" sz="4800" b="1" dirty="0" smtClean="0">
+                <a:solidFill>
+                  <a:srgbClr val="660033"/>
+                </a:solidFill>
+                <a:latin typeface="微軟正黑體" pitchFamily="34" charset="-120"/>
+                <a:ea typeface="微軟正黑體" pitchFamily="34" charset="-120"/>
+              </a:rPr>
+              <a:t>有</a:t>
+            </a:r>
+            <a:r>
+              <a:rPr lang="zh-TW" altLang="en-US" sz="4800" b="1" dirty="0">
+                <a:solidFill>
+                  <a:srgbClr val="660033"/>
+                </a:solidFill>
+                <a:latin typeface="微軟正黑體" pitchFamily="34" charset="-120"/>
+                <a:ea typeface="微軟正黑體" pitchFamily="34" charset="-120"/>
+              </a:rPr>
+              <a:t>慈愛跟隨我</a:t>
+            </a:r>
+            <a:endParaRPr lang="en-US" altLang="zh-TW" sz="4800" b="1" dirty="0">
+              <a:solidFill>
+                <a:srgbClr val="660033"/>
+              </a:solidFill>
+              <a:latin typeface="微軟正黑體" pitchFamily="34" charset="-120"/>
+              <a:ea typeface="微軟正黑體" pitchFamily="34" charset="-120"/>
+            </a:endParaRPr>
+          </a:p>
+        </p:txBody>
+      </p:sp>
+    </p:spTree>
+    <p:extLst>
+      <p:ext uri="{BB962C8B-B14F-4D97-AF65-F5344CB8AC3E}">
+        <p14:creationId xmlns:p14="http://schemas.microsoft.com/office/powerpoint/2010/main" val="2664621260"/>
+      </p:ext>
+    </p:extLst>
+  </p:cSld>
+  <p:clrMapOvr>
+    <a:masterClrMapping/>
+  </p:clrMapOvr>
+</p:sld>
+</file>
+
+<file path=ppt/slides/slide8.xml><?xml version="1.0" encoding="utf-8"?>
+<p:sld xmlns:a="http://schemas.openxmlformats.org/drawingml/2006/main" xmlns:r="http://schemas.openxmlformats.org/officeDocument/2006/relationships" xmlns:p="http://schemas.openxmlformats.org/presentationml/2006/main">
+  <p:cSld>
+    <p:spTree>
+      <p:nvGrpSpPr>
+        <p:cNvPr id="1" name=""/>
+        <p:cNvGrpSpPr/>
+        <p:nvPr/>
+      </p:nvGrpSpPr>
+      <p:grpSpPr>
+        <a:xfrm>
+          <a:off x="0" y="0"/>
+          <a:ext cx="0" cy="0"/>
+          <a:chOff x="0" y="0"/>
+          <a:chExt cx="0" cy="0"/>
+        </a:xfrm>
+      </p:grpSpPr>
+      <p:sp>
+        <p:nvSpPr>
+          <p:cNvPr id="5" name="內容版面配置區 4"/>
+          <p:cNvSpPr>
+            <a:spLocks noGrp="1"/>
+          </p:cNvSpPr>
+          <p:nvPr>
+            <p:ph idx="1"/>
+          </p:nvPr>
+        </p:nvSpPr>
+        <p:spPr>
+          <a:xfrm>
+            <a:off x="0" y="1563638"/>
+            <a:ext cx="9144000" cy="1803647"/>
+          </a:xfrm>
+        </p:spPr>
+        <p:txBody>
+          <a:bodyPr anchor="ctr">
+            <a:normAutofit/>
+          </a:bodyPr>
+          <a:lstStyle/>
+          <a:p>
+            <a:pPr algn="ctr">
+              <a:buNone/>
+            </a:pPr>
+            <a:r>
+              <a:rPr lang="zh-TW" altLang="en-US" sz="4800" b="1" dirty="0">
+                <a:solidFill>
+                  <a:srgbClr val="660033"/>
+                </a:solidFill>
+                <a:latin typeface="微軟正黑體" pitchFamily="34" charset="-120"/>
+                <a:ea typeface="微軟正黑體" pitchFamily="34" charset="-120"/>
+              </a:rPr>
+              <a:t>我要住</a:t>
+            </a:r>
+            <a:r>
+              <a:rPr lang="zh-TW" altLang="en-US" sz="4800" b="1" dirty="0" smtClean="0">
+                <a:solidFill>
+                  <a:srgbClr val="660033"/>
+                </a:solidFill>
+                <a:latin typeface="微軟正黑體" pitchFamily="34" charset="-120"/>
+                <a:ea typeface="微軟正黑體" pitchFamily="34" charset="-120"/>
+              </a:rPr>
+              <a:t>在</a:t>
+            </a:r>
+            <a:r>
+              <a:rPr lang="zh-CN" altLang="en-US" sz="4800" b="1" dirty="0">
+                <a:solidFill>
+                  <a:srgbClr val="660033"/>
+                </a:solidFill>
+                <a:latin typeface="微軟正黑體" pitchFamily="34" charset="-120"/>
+                <a:ea typeface="微軟正黑體" pitchFamily="34" charset="-120"/>
+              </a:rPr>
+              <a:t>袮</a:t>
+            </a:r>
+            <a:r>
+              <a:rPr lang="zh-TW" altLang="en-US" sz="4800" b="1" dirty="0" smtClean="0">
+                <a:solidFill>
+                  <a:srgbClr val="660033"/>
+                </a:solidFill>
+                <a:latin typeface="微軟正黑體" pitchFamily="34" charset="-120"/>
+                <a:ea typeface="微軟正黑體" pitchFamily="34" charset="-120"/>
+              </a:rPr>
+              <a:t>殿中</a:t>
+            </a:r>
+            <a:endParaRPr lang="en-US" altLang="zh-TW" sz="4800" b="1" dirty="0" smtClean="0">
+              <a:solidFill>
+                <a:srgbClr val="660033"/>
+              </a:solidFill>
+              <a:latin typeface="微軟正黑體" pitchFamily="34" charset="-120"/>
+              <a:ea typeface="微軟正黑體" pitchFamily="34" charset="-120"/>
+            </a:endParaRPr>
+          </a:p>
+          <a:p>
+            <a:pPr algn="ctr">
+              <a:buNone/>
+            </a:pPr>
+            <a:r>
+              <a:rPr lang="zh-TW" altLang="en-US" sz="4800" b="1" dirty="0" smtClean="0">
+                <a:solidFill>
+                  <a:srgbClr val="660033"/>
+                </a:solidFill>
+                <a:latin typeface="微軟正黑體" pitchFamily="34" charset="-120"/>
+                <a:ea typeface="微軟正黑體" pitchFamily="34" charset="-120"/>
+              </a:rPr>
+              <a:t>直</a:t>
+            </a:r>
+            <a:r>
+              <a:rPr lang="zh-TW" altLang="en-US" sz="4800" b="1" dirty="0">
+                <a:solidFill>
+                  <a:srgbClr val="660033"/>
+                </a:solidFill>
+                <a:latin typeface="微軟正黑體" pitchFamily="34" charset="-120"/>
+                <a:ea typeface="微軟正黑體" pitchFamily="34" charset="-120"/>
+              </a:rPr>
+              <a:t>到永永遠遠</a:t>
+            </a:r>
+            <a:endParaRPr lang="zh-TW" altLang="en-US" sz="4800" b="1" dirty="0">
+              <a:solidFill>
+                <a:srgbClr val="660033"/>
+              </a:solidFill>
+              <a:latin typeface="微軟正黑體" pitchFamily="34" charset="-120"/>
+              <a:ea typeface="微軟正黑體" pitchFamily="34" charset="-120"/>
+            </a:endParaRPr>
+          </a:p>
+        </p:txBody>
+      </p:sp>
+    </p:spTree>
+    <p:extLst>
+      <p:ext uri="{BB962C8B-B14F-4D97-AF65-F5344CB8AC3E}">
+        <p14:creationId xmlns:p14="http://schemas.microsoft.com/office/powerpoint/2010/main" val="1670756164"/>
+      </p:ext>
+    </p:extLst>
+  </p:cSld>
+  <p:clrMapOvr>
+    <a:masterClrMapping/>
+  </p:clrMapOvr>
+</p:sld>
+</file>
+
+<file path=ppt/slides/slide9.xml><?xml version="1.0" encoding="utf-8"?>
+<p:sld xmlns:a="http://schemas.openxmlformats.org/drawingml/2006/main" xmlns:r="http://schemas.openxmlformats.org/officeDocument/2006/relationships" xmlns:p="http://schemas.openxmlformats.org/presentationml/2006/main">
+  <p:cSld>
+    <p:spTree>
+      <p:nvGrpSpPr>
+        <p:cNvPr id="1" name=""/>
+        <p:cNvGrpSpPr/>
+        <p:nvPr/>
+      </p:nvGrpSpPr>
+      <p:grpSpPr>
+        <a:xfrm>
+          <a:off x="0" y="0"/>
+          <a:ext cx="0" cy="0"/>
+          <a:chOff x="0" y="0"/>
+          <a:chExt cx="0" cy="0"/>
+        </a:xfrm>
+      </p:grpSpPr>
+      <p:sp>
+        <p:nvSpPr>
+          <p:cNvPr id="5" name="內容版面配置區 4"/>
+          <p:cNvSpPr>
+            <a:spLocks noGrp="1"/>
+          </p:cNvSpPr>
+          <p:nvPr>
+            <p:ph idx="1"/>
+          </p:nvPr>
+        </p:nvSpPr>
+        <p:spPr>
+          <a:xfrm>
+            <a:off x="0" y="1563638"/>
+            <a:ext cx="9144000" cy="1803647"/>
+          </a:xfrm>
+        </p:spPr>
+        <p:txBody>
+          <a:bodyPr anchor="ctr">
+            <a:normAutofit/>
+          </a:bodyPr>
+          <a:lstStyle/>
+          <a:p>
+            <a:pPr algn="ctr">
+              <a:buNone/>
+            </a:pPr>
+            <a:r>
+              <a:rPr lang="zh-TW" altLang="en-US" sz="4800" b="1" dirty="0">
+                <a:solidFill>
+                  <a:srgbClr val="660033"/>
+                </a:solidFill>
+                <a:latin typeface="微軟正黑體" pitchFamily="34" charset="-120"/>
+                <a:ea typeface="微軟正黑體" pitchFamily="34" charset="-120"/>
+              </a:rPr>
+              <a:t>嘿嘿喲 </a:t>
+            </a:r>
+            <a:r>
+              <a:rPr lang="zh-TW" altLang="en-US" sz="4800" b="1" dirty="0" smtClean="0">
+                <a:solidFill>
+                  <a:srgbClr val="660033"/>
+                </a:solidFill>
+                <a:latin typeface="微軟正黑體" pitchFamily="34" charset="-120"/>
+                <a:ea typeface="微軟正黑體" pitchFamily="34" charset="-120"/>
+              </a:rPr>
+              <a:t> 嘿</a:t>
+            </a:r>
+            <a:r>
+              <a:rPr lang="zh-TW" altLang="en-US" sz="4800" b="1" dirty="0">
+                <a:solidFill>
+                  <a:srgbClr val="660033"/>
+                </a:solidFill>
+                <a:latin typeface="微軟正黑體" pitchFamily="34" charset="-120"/>
+                <a:ea typeface="微軟正黑體" pitchFamily="34" charset="-120"/>
+              </a:rPr>
+              <a:t>嘿喲</a:t>
+            </a:r>
+            <a:r>
+              <a:rPr lang="en-US" altLang="zh-TW" sz="4800" b="1" dirty="0">
+                <a:solidFill>
+                  <a:srgbClr val="660033"/>
+                </a:solidFill>
+                <a:latin typeface="微軟正黑體" pitchFamily="34" charset="-120"/>
+                <a:ea typeface="微軟正黑體" pitchFamily="34" charset="-120"/>
+              </a:rPr>
+              <a:t> </a:t>
+            </a:r>
+            <a:r>
+              <a:rPr lang="en-US" altLang="zh-TW" sz="4800" b="1" dirty="0" smtClean="0">
+                <a:solidFill>
+                  <a:srgbClr val="660033"/>
+                </a:solidFill>
+                <a:latin typeface="微軟正黑體" pitchFamily="34" charset="-120"/>
+                <a:ea typeface="微軟正黑體" pitchFamily="34" charset="-120"/>
+              </a:rPr>
+              <a:t> </a:t>
+            </a:r>
+            <a:r>
+              <a:rPr lang="zh-TW" altLang="en-US" sz="4800" b="1" dirty="0" smtClean="0">
+                <a:solidFill>
+                  <a:srgbClr val="660033"/>
+                </a:solidFill>
+                <a:latin typeface="微軟正黑體" pitchFamily="34" charset="-120"/>
+                <a:ea typeface="微軟正黑體" pitchFamily="34" charset="-120"/>
+              </a:rPr>
+              <a:t>主</a:t>
+            </a:r>
+            <a:r>
+              <a:rPr lang="zh-CN" altLang="en-US" sz="4800" b="1" dirty="0">
+                <a:solidFill>
+                  <a:srgbClr val="660033"/>
+                </a:solidFill>
+                <a:latin typeface="微軟正黑體" pitchFamily="34" charset="-120"/>
+                <a:ea typeface="微軟正黑體" pitchFamily="34" charset="-120"/>
+              </a:rPr>
+              <a:t>袮</a:t>
+            </a:r>
+            <a:r>
+              <a:rPr lang="zh-TW" altLang="en-US" sz="4800" b="1" dirty="0" smtClean="0">
+                <a:solidFill>
+                  <a:srgbClr val="660033"/>
+                </a:solidFill>
+                <a:latin typeface="微軟正黑體" pitchFamily="34" charset="-120"/>
+                <a:ea typeface="微軟正黑體" pitchFamily="34" charset="-120"/>
+              </a:rPr>
+              <a:t>與</a:t>
+            </a:r>
+            <a:r>
+              <a:rPr lang="zh-TW" altLang="en-US" sz="4800" b="1" dirty="0">
+                <a:solidFill>
+                  <a:srgbClr val="660033"/>
+                </a:solidFill>
+                <a:latin typeface="微軟正黑體" pitchFamily="34" charset="-120"/>
+                <a:ea typeface="微軟正黑體" pitchFamily="34" charset="-120"/>
+              </a:rPr>
+              <a:t>我同在</a:t>
+            </a:r>
+            <a:endParaRPr lang="en-US" altLang="zh-TW" sz="4800" b="1" dirty="0">
+              <a:solidFill>
+                <a:srgbClr val="660033"/>
+              </a:solidFill>
+              <a:latin typeface="微軟正黑體" pitchFamily="34" charset="-120"/>
+              <a:ea typeface="微軟正黑體" pitchFamily="34" charset="-120"/>
+            </a:endParaRPr>
+          </a:p>
+          <a:p>
+            <a:pPr algn="ctr">
+              <a:buNone/>
+            </a:pPr>
+            <a:r>
+              <a:rPr lang="zh-CN" altLang="en-US" sz="4800" b="1" dirty="0">
+                <a:solidFill>
+                  <a:srgbClr val="660033"/>
+                </a:solidFill>
+                <a:latin typeface="微軟正黑體" pitchFamily="34" charset="-120"/>
+                <a:ea typeface="微軟正黑體" pitchFamily="34" charset="-120"/>
+              </a:rPr>
+              <a:t>袮</a:t>
+            </a:r>
+            <a:r>
+              <a:rPr lang="zh-TW" altLang="en-US" sz="4800" b="1" dirty="0" smtClean="0">
+                <a:solidFill>
+                  <a:srgbClr val="660033"/>
+                </a:solidFill>
+                <a:latin typeface="微軟正黑體" pitchFamily="34" charset="-120"/>
+                <a:ea typeface="微軟正黑體" pitchFamily="34" charset="-120"/>
+              </a:rPr>
+              <a:t>的</a:t>
+            </a:r>
+            <a:r>
+              <a:rPr lang="zh-TW" altLang="en-US" sz="4800" b="1" dirty="0">
+                <a:solidFill>
+                  <a:srgbClr val="660033"/>
+                </a:solidFill>
+                <a:latin typeface="微軟正黑體" pitchFamily="34" charset="-120"/>
+                <a:ea typeface="微軟正黑體" pitchFamily="34" charset="-120"/>
+              </a:rPr>
+              <a:t>杖</a:t>
+            </a:r>
+            <a:r>
+              <a:rPr lang="zh-TW" altLang="en-US" sz="4800" b="1" dirty="0" smtClean="0">
+                <a:solidFill>
+                  <a:srgbClr val="660033"/>
+                </a:solidFill>
+                <a:latin typeface="微軟正黑體" pitchFamily="34" charset="-120"/>
+                <a:ea typeface="微軟正黑體" pitchFamily="34" charset="-120"/>
+              </a:rPr>
+              <a:t>和</a:t>
+            </a:r>
+            <a:r>
+              <a:rPr lang="zh-CN" altLang="en-US" sz="4800" b="1" dirty="0">
+                <a:solidFill>
+                  <a:srgbClr val="660033"/>
+                </a:solidFill>
+                <a:latin typeface="微軟正黑體" pitchFamily="34" charset="-120"/>
+                <a:ea typeface="微軟正黑體" pitchFamily="34" charset="-120"/>
+              </a:rPr>
+              <a:t>袮</a:t>
+            </a:r>
+            <a:r>
+              <a:rPr lang="zh-TW" altLang="en-US" sz="4800" b="1" dirty="0" smtClean="0">
+                <a:solidFill>
+                  <a:srgbClr val="660033"/>
+                </a:solidFill>
+                <a:latin typeface="微軟正黑體" pitchFamily="34" charset="-120"/>
+                <a:ea typeface="微軟正黑體" pitchFamily="34" charset="-120"/>
+              </a:rPr>
+              <a:t>的</a:t>
+            </a:r>
+            <a:r>
+              <a:rPr lang="zh-TW" altLang="en-US" sz="4800" b="1" dirty="0">
+                <a:solidFill>
+                  <a:srgbClr val="660033"/>
+                </a:solidFill>
+                <a:latin typeface="微軟正黑體" pitchFamily="34" charset="-120"/>
+                <a:ea typeface="微軟正黑體" pitchFamily="34" charset="-120"/>
+              </a:rPr>
+              <a:t>竿</a:t>
+            </a:r>
+            <a:r>
+              <a:rPr lang="en-US" altLang="zh-TW" sz="4800" b="1" dirty="0">
+                <a:solidFill>
+                  <a:srgbClr val="660033"/>
+                </a:solidFill>
+                <a:latin typeface="微軟正黑體" pitchFamily="34" charset="-120"/>
+                <a:ea typeface="微軟正黑體" pitchFamily="34" charset="-120"/>
+              </a:rPr>
+              <a:t>  </a:t>
+            </a:r>
+            <a:r>
+              <a:rPr lang="zh-TW" altLang="en-US" sz="4800" b="1" dirty="0">
+                <a:solidFill>
+                  <a:srgbClr val="660033"/>
+                </a:solidFill>
+                <a:latin typeface="微軟正黑體" pitchFamily="34" charset="-120"/>
+                <a:ea typeface="微軟正黑體" pitchFamily="34" charset="-120"/>
+              </a:rPr>
+              <a:t>時時都安慰我</a:t>
+            </a:r>
+            <a:endParaRPr lang="en-US" altLang="zh-TW" sz="4800" b="1" dirty="0">
+              <a:solidFill>
+                <a:srgbClr val="660033"/>
+              </a:solidFill>
+              <a:latin typeface="微軟正黑體" pitchFamily="34" charset="-120"/>
+              <a:ea typeface="微軟正黑體" pitchFamily="34" charset="-120"/>
+            </a:endParaRPr>
+          </a:p>
+        </p:txBody>
+      </p:sp>
+    </p:spTree>
+    <p:extLst>
+      <p:ext uri="{BB962C8B-B14F-4D97-AF65-F5344CB8AC3E}">
+        <p14:creationId xmlns:p14="http://schemas.microsoft.com/office/powerpoint/2010/main" val="2307428590"/>
       </p:ext>
     </p:extLst>
   </p:cSld>

--- a/耶和華是我牧者.pptx
+++ b/耶和華是我牧者.pptx
@@ -313,7 +313,7 @@
           <a:p>
             <a:fld id="{6FBB1E1C-ED46-47E4-98BF-8279883B3BB1}" type="datetimeFigureOut">
               <a:rPr lang="zh-TW" altLang="en-US" smtClean="0"/>
-              <a:t>2021/5/15</a:t>
+              <a:t>2022/7/16</a:t>
             </a:fld>
             <a:endParaRPr lang="zh-TW" altLang="en-US"/>
           </a:p>
@@ -478,7 +478,7 @@
           <a:p>
             <a:fld id="{6FBB1E1C-ED46-47E4-98BF-8279883B3BB1}" type="datetimeFigureOut">
               <a:rPr lang="zh-TW" altLang="en-US" smtClean="0"/>
-              <a:t>2021/5/15</a:t>
+              <a:t>2022/7/16</a:t>
             </a:fld>
             <a:endParaRPr lang="zh-TW" altLang="en-US"/>
           </a:p>
@@ -653,7 +653,7 @@
           <a:p>
             <a:fld id="{6FBB1E1C-ED46-47E4-98BF-8279883B3BB1}" type="datetimeFigureOut">
               <a:rPr lang="zh-TW" altLang="en-US" smtClean="0"/>
-              <a:t>2021/5/15</a:t>
+              <a:t>2022/7/16</a:t>
             </a:fld>
             <a:endParaRPr lang="zh-TW" altLang="en-US"/>
           </a:p>
@@ -818,7 +818,7 @@
           <a:p>
             <a:fld id="{6FBB1E1C-ED46-47E4-98BF-8279883B3BB1}" type="datetimeFigureOut">
               <a:rPr lang="zh-TW" altLang="en-US" smtClean="0"/>
-              <a:t>2021/5/15</a:t>
+              <a:t>2022/7/16</a:t>
             </a:fld>
             <a:endParaRPr lang="zh-TW" altLang="en-US"/>
           </a:p>
@@ -1059,7 +1059,7 @@
           <a:p>
             <a:fld id="{6FBB1E1C-ED46-47E4-98BF-8279883B3BB1}" type="datetimeFigureOut">
               <a:rPr lang="zh-TW" altLang="en-US" smtClean="0"/>
-              <a:t>2021/5/15</a:t>
+              <a:t>2022/7/16</a:t>
             </a:fld>
             <a:endParaRPr lang="zh-TW" altLang="en-US"/>
           </a:p>
@@ -1342,7 +1342,7 @@
           <a:p>
             <a:fld id="{6FBB1E1C-ED46-47E4-98BF-8279883B3BB1}" type="datetimeFigureOut">
               <a:rPr lang="zh-TW" altLang="en-US" smtClean="0"/>
-              <a:t>2021/5/15</a:t>
+              <a:t>2022/7/16</a:t>
             </a:fld>
             <a:endParaRPr lang="zh-TW" altLang="en-US"/>
           </a:p>
@@ -1759,7 +1759,7 @@
           <a:p>
             <a:fld id="{6FBB1E1C-ED46-47E4-98BF-8279883B3BB1}" type="datetimeFigureOut">
               <a:rPr lang="zh-TW" altLang="en-US" smtClean="0"/>
-              <a:t>2021/5/15</a:t>
+              <a:t>2022/7/16</a:t>
             </a:fld>
             <a:endParaRPr lang="zh-TW" altLang="en-US"/>
           </a:p>
@@ -1872,7 +1872,7 @@
           <a:p>
             <a:fld id="{6FBB1E1C-ED46-47E4-98BF-8279883B3BB1}" type="datetimeFigureOut">
               <a:rPr lang="zh-TW" altLang="en-US" smtClean="0"/>
-              <a:t>2021/5/15</a:t>
+              <a:t>2022/7/16</a:t>
             </a:fld>
             <a:endParaRPr lang="zh-TW" altLang="en-US"/>
           </a:p>
@@ -1962,7 +1962,7 @@
           <a:p>
             <a:fld id="{6FBB1E1C-ED46-47E4-98BF-8279883B3BB1}" type="datetimeFigureOut">
               <a:rPr lang="zh-TW" altLang="en-US" smtClean="0"/>
-              <a:t>2021/5/15</a:t>
+              <a:t>2022/7/16</a:t>
             </a:fld>
             <a:endParaRPr lang="zh-TW" altLang="en-US"/>
           </a:p>
@@ -2234,7 +2234,7 @@
           <a:p>
             <a:fld id="{6FBB1E1C-ED46-47E4-98BF-8279883B3BB1}" type="datetimeFigureOut">
               <a:rPr lang="zh-TW" altLang="en-US" smtClean="0"/>
-              <a:t>2021/5/15</a:t>
+              <a:t>2022/7/16</a:t>
             </a:fld>
             <a:endParaRPr lang="zh-TW" altLang="en-US"/>
           </a:p>
@@ -2486,7 +2486,7 @@
           <a:p>
             <a:fld id="{6FBB1E1C-ED46-47E4-98BF-8279883B3BB1}" type="datetimeFigureOut">
               <a:rPr lang="zh-TW" altLang="en-US" smtClean="0"/>
-              <a:t>2021/5/15</a:t>
+              <a:t>2022/7/16</a:t>
             </a:fld>
             <a:endParaRPr lang="zh-TW" altLang="en-US"/>
           </a:p>
@@ -2699,7 +2699,7 @@
           <a:p>
             <a:fld id="{6FBB1E1C-ED46-47E4-98BF-8279883B3BB1}" type="datetimeFigureOut">
               <a:rPr lang="zh-TW" altLang="en-US" smtClean="0"/>
-              <a:t>2021/5/15</a:t>
+              <a:t>2022/7/16</a:t>
             </a:fld>
             <a:endParaRPr lang="zh-TW" altLang="en-US"/>
           </a:p>
@@ -3335,12 +3335,87 @@
               </a:rPr>
               <a:t>直到永永遠遠</a:t>
             </a:r>
-            <a:endParaRPr lang="zh-TW" altLang="en-US" sz="4800" b="1" dirty="0">
+          </a:p>
+        </p:txBody>
+      </p:sp>
+      <p:sp>
+        <p:nvSpPr>
+          <p:cNvPr id="3" name="TextBox 2"/>
+          <p:cNvSpPr txBox="1"/>
+          <p:nvPr/>
+        </p:nvSpPr>
+        <p:spPr>
+          <a:xfrm>
+            <a:off x="0" y="3867894"/>
+            <a:ext cx="9144000" cy="584775"/>
+          </a:xfrm>
+          <a:prstGeom prst="rect">
+            <a:avLst/>
+          </a:prstGeom>
+          <a:noFill/>
+        </p:spPr>
+        <p:txBody>
+          <a:bodyPr wrap="square" rtlCol="0">
+            <a:spAutoFit/>
+          </a:bodyPr>
+          <a:lstStyle/>
+          <a:p>
+            <a:pPr algn="ctr"/>
+            <a:r>
+              <a:rPr lang="en-US" sz="3200" b="1" dirty="0" smtClean="0">
+                <a:solidFill>
+                  <a:srgbClr val="660033"/>
+                </a:solidFill>
+                <a:latin typeface="Microsoft JhengHei" panose="020B0604030504040204" pitchFamily="34" charset="-120"/>
+                <a:ea typeface="Microsoft JhengHei" panose="020B0604030504040204" pitchFamily="34" charset="-120"/>
+              </a:rPr>
+              <a:t>( </a:t>
+            </a:r>
+            <a:r>
+              <a:rPr lang="zh-CN" altLang="en-US" sz="3200" b="1" dirty="0" smtClean="0">
+                <a:solidFill>
+                  <a:srgbClr val="660033"/>
+                </a:solidFill>
+                <a:latin typeface="Microsoft JhengHei" panose="020B0604030504040204" pitchFamily="34" charset="-120"/>
+                <a:ea typeface="Microsoft JhengHei" panose="020B0604030504040204" pitchFamily="34" charset="-120"/>
+              </a:rPr>
+              <a:t>副 </a:t>
+            </a:r>
+            <a:r>
+              <a:rPr lang="en-US" altLang="zh-CN" sz="3200" b="1" dirty="0" smtClean="0">
+                <a:solidFill>
+                  <a:srgbClr val="660033"/>
+                </a:solidFill>
+                <a:latin typeface="Microsoft JhengHei" panose="020B0604030504040204" pitchFamily="34" charset="-120"/>
+                <a:ea typeface="Microsoft JhengHei" panose="020B0604030504040204" pitchFamily="34" charset="-120"/>
+              </a:rPr>
+              <a:t>2</a:t>
+            </a:r>
+            <a:r>
+              <a:rPr lang="en-US" sz="3200" b="1" dirty="0" smtClean="0">
+                <a:solidFill>
+                  <a:srgbClr val="660033"/>
+                </a:solidFill>
+                <a:latin typeface="Microsoft JhengHei" panose="020B0604030504040204" pitchFamily="34" charset="-120"/>
+                <a:ea typeface="Microsoft JhengHei" panose="020B0604030504040204" pitchFamily="34" charset="-120"/>
+              </a:rPr>
+              <a:t> </a:t>
+            </a:r>
+            <a:r>
+              <a:rPr lang="en-US" sz="3200" b="1" dirty="0" smtClean="0">
+                <a:solidFill>
+                  <a:srgbClr val="660033"/>
+                </a:solidFill>
+                <a:latin typeface="Microsoft JhengHei" panose="020B0604030504040204" pitchFamily="34" charset="-120"/>
+                <a:ea typeface="Microsoft JhengHei" panose="020B0604030504040204" pitchFamily="34" charset="-120"/>
+              </a:rPr>
+              <a:t>)</a:t>
+            </a:r>
+            <a:endParaRPr lang="vi-VN" sz="3200" b="1" dirty="0">
               <a:solidFill>
                 <a:srgbClr val="660033"/>
               </a:solidFill>
-              <a:latin typeface="微軟正黑體" pitchFamily="34" charset="-120"/>
-              <a:ea typeface="微軟正黑體" pitchFamily="34" charset="-120"/>
+              <a:ea typeface="Microsoft JhengHei" panose="020B0604030504040204" pitchFamily="34" charset="-120"/>
             </a:endParaRPr>
           </a:p>
         </p:txBody>
@@ -3462,6 +3537,68 @@
           </a:p>
         </p:txBody>
       </p:sp>
+      <p:sp>
+        <p:nvSpPr>
+          <p:cNvPr id="3" name="TextBox 2"/>
+          <p:cNvSpPr txBox="1"/>
+          <p:nvPr/>
+        </p:nvSpPr>
+        <p:spPr>
+          <a:xfrm>
+            <a:off x="0" y="3867894"/>
+            <a:ext cx="9144000" cy="584775"/>
+          </a:xfrm>
+          <a:prstGeom prst="rect">
+            <a:avLst/>
+          </a:prstGeom>
+          <a:noFill/>
+        </p:spPr>
+        <p:txBody>
+          <a:bodyPr wrap="square" rtlCol="0">
+            <a:spAutoFit/>
+          </a:bodyPr>
+          <a:lstStyle/>
+          <a:p>
+            <a:pPr algn="ctr"/>
+            <a:r>
+              <a:rPr lang="en-US" sz="3200" b="1" dirty="0" smtClean="0">
+                <a:solidFill>
+                  <a:srgbClr val="660033"/>
+                </a:solidFill>
+                <a:latin typeface="Microsoft JhengHei" panose="020B0604030504040204" pitchFamily="34" charset="-120"/>
+                <a:ea typeface="Microsoft JhengHei" panose="020B0604030504040204" pitchFamily="34" charset="-120"/>
+              </a:rPr>
+              <a:t>( </a:t>
+            </a:r>
+            <a:r>
+              <a:rPr lang="zh-CN" altLang="en-US" sz="3200" b="1" dirty="0" smtClean="0">
+                <a:solidFill>
+                  <a:srgbClr val="660033"/>
+                </a:solidFill>
+                <a:latin typeface="Microsoft JhengHei" panose="020B0604030504040204" pitchFamily="34" charset="-120"/>
+                <a:ea typeface="Microsoft JhengHei" panose="020B0604030504040204" pitchFamily="34" charset="-120"/>
+              </a:rPr>
+              <a:t>正</a:t>
+            </a:r>
+            <a:r>
+              <a:rPr lang="en-US" sz="3200" b="1" dirty="0" smtClean="0">
+                <a:solidFill>
+                  <a:srgbClr val="660033"/>
+                </a:solidFill>
+                <a:latin typeface="Microsoft JhengHei" panose="020B0604030504040204" pitchFamily="34" charset="-120"/>
+                <a:ea typeface="Microsoft JhengHei" panose="020B0604030504040204" pitchFamily="34" charset="-120"/>
+              </a:rPr>
+              <a:t> )</a:t>
+            </a:r>
+            <a:endParaRPr lang="vi-VN" sz="3200" b="1" dirty="0">
+              <a:solidFill>
+                <a:srgbClr val="660033"/>
+              </a:solidFill>
+              <a:ea typeface="Microsoft JhengHei" panose="020B0604030504040204" pitchFamily="34" charset="-120"/>
+            </a:endParaRPr>
+          </a:p>
+        </p:txBody>
+      </p:sp>
     </p:spTree>
     <p:extLst>
       <p:ext uri="{BB962C8B-B14F-4D97-AF65-F5344CB8AC3E}">
@@ -3579,6 +3716,68 @@
           </a:p>
         </p:txBody>
       </p:sp>
+      <p:sp>
+        <p:nvSpPr>
+          <p:cNvPr id="3" name="TextBox 2"/>
+          <p:cNvSpPr txBox="1"/>
+          <p:nvPr/>
+        </p:nvSpPr>
+        <p:spPr>
+          <a:xfrm>
+            <a:off x="0" y="3867894"/>
+            <a:ext cx="9144000" cy="584775"/>
+          </a:xfrm>
+          <a:prstGeom prst="rect">
+            <a:avLst/>
+          </a:prstGeom>
+          <a:noFill/>
+        </p:spPr>
+        <p:txBody>
+          <a:bodyPr wrap="square" rtlCol="0">
+            <a:spAutoFit/>
+          </a:bodyPr>
+          <a:lstStyle/>
+          <a:p>
+            <a:pPr algn="ctr"/>
+            <a:r>
+              <a:rPr lang="en-US" sz="3200" b="1" dirty="0" smtClean="0">
+                <a:solidFill>
+                  <a:srgbClr val="660033"/>
+                </a:solidFill>
+                <a:latin typeface="Microsoft JhengHei" panose="020B0604030504040204" pitchFamily="34" charset="-120"/>
+                <a:ea typeface="Microsoft JhengHei" panose="020B0604030504040204" pitchFamily="34" charset="-120"/>
+              </a:rPr>
+              <a:t>( </a:t>
+            </a:r>
+            <a:r>
+              <a:rPr lang="zh-CN" altLang="en-US" sz="3200" b="1" dirty="0" smtClean="0">
+                <a:solidFill>
+                  <a:srgbClr val="660033"/>
+                </a:solidFill>
+                <a:latin typeface="Microsoft JhengHei" panose="020B0604030504040204" pitchFamily="34" charset="-120"/>
+                <a:ea typeface="Microsoft JhengHei" panose="020B0604030504040204" pitchFamily="34" charset="-120"/>
+              </a:rPr>
+              <a:t>正</a:t>
+            </a:r>
+            <a:r>
+              <a:rPr lang="en-US" sz="3200" b="1" dirty="0" smtClean="0">
+                <a:solidFill>
+                  <a:srgbClr val="660033"/>
+                </a:solidFill>
+                <a:latin typeface="Microsoft JhengHei" panose="020B0604030504040204" pitchFamily="34" charset="-120"/>
+                <a:ea typeface="Microsoft JhengHei" panose="020B0604030504040204" pitchFamily="34" charset="-120"/>
+              </a:rPr>
+              <a:t> )</a:t>
+            </a:r>
+            <a:endParaRPr lang="vi-VN" sz="3200" b="1" dirty="0">
+              <a:solidFill>
+                <a:srgbClr val="660033"/>
+              </a:solidFill>
+              <a:ea typeface="Microsoft JhengHei" panose="020B0604030504040204" pitchFamily="34" charset="-120"/>
+            </a:endParaRPr>
+          </a:p>
+        </p:txBody>
+      </p:sp>
     </p:spTree>
     <p:extLst>
       <p:ext uri="{BB962C8B-B14F-4D97-AF65-F5344CB8AC3E}">
@@ -3696,6 +3895,68 @@
           </a:p>
         </p:txBody>
       </p:sp>
+      <p:sp>
+        <p:nvSpPr>
+          <p:cNvPr id="3" name="TextBox 2"/>
+          <p:cNvSpPr txBox="1"/>
+          <p:nvPr/>
+        </p:nvSpPr>
+        <p:spPr>
+          <a:xfrm>
+            <a:off x="0" y="3867894"/>
+            <a:ext cx="9144000" cy="584775"/>
+          </a:xfrm>
+          <a:prstGeom prst="rect">
+            <a:avLst/>
+          </a:prstGeom>
+          <a:noFill/>
+        </p:spPr>
+        <p:txBody>
+          <a:bodyPr wrap="square" rtlCol="0">
+            <a:spAutoFit/>
+          </a:bodyPr>
+          <a:lstStyle/>
+          <a:p>
+            <a:pPr algn="ctr"/>
+            <a:r>
+              <a:rPr lang="en-US" sz="3200" b="1" dirty="0" smtClean="0">
+                <a:solidFill>
+                  <a:srgbClr val="660033"/>
+                </a:solidFill>
+                <a:latin typeface="Microsoft JhengHei" panose="020B0604030504040204" pitchFamily="34" charset="-120"/>
+                <a:ea typeface="Microsoft JhengHei" panose="020B0604030504040204" pitchFamily="34" charset="-120"/>
+              </a:rPr>
+              <a:t>( </a:t>
+            </a:r>
+            <a:r>
+              <a:rPr lang="zh-CN" altLang="en-US" sz="3200" b="1" dirty="0" smtClean="0">
+                <a:solidFill>
+                  <a:srgbClr val="660033"/>
+                </a:solidFill>
+                <a:latin typeface="Microsoft JhengHei" panose="020B0604030504040204" pitchFamily="34" charset="-120"/>
+                <a:ea typeface="Microsoft JhengHei" panose="020B0604030504040204" pitchFamily="34" charset="-120"/>
+              </a:rPr>
+              <a:t>正</a:t>
+            </a:r>
+            <a:r>
+              <a:rPr lang="en-US" sz="3200" b="1" dirty="0" smtClean="0">
+                <a:solidFill>
+                  <a:srgbClr val="660033"/>
+                </a:solidFill>
+                <a:latin typeface="Microsoft JhengHei" panose="020B0604030504040204" pitchFamily="34" charset="-120"/>
+                <a:ea typeface="Microsoft JhengHei" panose="020B0604030504040204" pitchFamily="34" charset="-120"/>
+              </a:rPr>
+              <a:t> )</a:t>
+            </a:r>
+            <a:endParaRPr lang="vi-VN" sz="3200" b="1" dirty="0">
+              <a:solidFill>
+                <a:srgbClr val="660033"/>
+              </a:solidFill>
+              <a:ea typeface="Microsoft JhengHei" panose="020B0604030504040204" pitchFamily="34" charset="-120"/>
+            </a:endParaRPr>
+          </a:p>
+        </p:txBody>
+      </p:sp>
     </p:spTree>
     <p:extLst>
       <p:ext uri="{BB962C8B-B14F-4D97-AF65-F5344CB8AC3E}">
@@ -3803,12 +4064,67 @@
               </a:rPr>
               <a:t>必不怕遭害</a:t>
             </a:r>
-            <a:endParaRPr lang="zh-TW" altLang="en-US" sz="4800" b="1" dirty="0">
+          </a:p>
+        </p:txBody>
+      </p:sp>
+      <p:sp>
+        <p:nvSpPr>
+          <p:cNvPr id="3" name="TextBox 2"/>
+          <p:cNvSpPr txBox="1"/>
+          <p:nvPr/>
+        </p:nvSpPr>
+        <p:spPr>
+          <a:xfrm>
+            <a:off x="0" y="3867894"/>
+            <a:ext cx="9144000" cy="584775"/>
+          </a:xfrm>
+          <a:prstGeom prst="rect">
+            <a:avLst/>
+          </a:prstGeom>
+          <a:noFill/>
+        </p:spPr>
+        <p:txBody>
+          <a:bodyPr wrap="square" rtlCol="0">
+            <a:spAutoFit/>
+          </a:bodyPr>
+          <a:lstStyle/>
+          <a:p>
+            <a:pPr algn="ctr"/>
+            <a:r>
+              <a:rPr lang="en-US" sz="3200" b="1" dirty="0" smtClean="0">
+                <a:solidFill>
+                  <a:srgbClr val="660033"/>
+                </a:solidFill>
+                <a:latin typeface="Microsoft JhengHei" panose="020B0604030504040204" pitchFamily="34" charset="-120"/>
+                <a:ea typeface="Microsoft JhengHei" panose="020B0604030504040204" pitchFamily="34" charset="-120"/>
+              </a:rPr>
+              <a:t>( </a:t>
+            </a:r>
+            <a:r>
+              <a:rPr lang="zh-CN" altLang="en-US" sz="3200" b="1" dirty="0" smtClean="0">
+                <a:solidFill>
+                  <a:srgbClr val="660033"/>
+                </a:solidFill>
+                <a:latin typeface="Microsoft JhengHei" panose="020B0604030504040204" pitchFamily="34" charset="-120"/>
+                <a:ea typeface="Microsoft JhengHei" panose="020B0604030504040204" pitchFamily="34" charset="-120"/>
+              </a:rPr>
+              <a:t>正</a:t>
+            </a:r>
+            <a:r>
+              <a:rPr lang="en-US" sz="3200" b="1" dirty="0" smtClean="0">
+                <a:solidFill>
+                  <a:srgbClr val="660033"/>
+                </a:solidFill>
+                <a:latin typeface="Microsoft JhengHei" panose="020B0604030504040204" pitchFamily="34" charset="-120"/>
+                <a:ea typeface="Microsoft JhengHei" panose="020B0604030504040204" pitchFamily="34" charset="-120"/>
+              </a:rPr>
+              <a:t> )</a:t>
+            </a:r>
+            <a:endParaRPr lang="vi-VN" sz="3200" b="1" dirty="0">
               <a:solidFill>
                 <a:srgbClr val="660033"/>
               </a:solidFill>
-              <a:latin typeface="微軟正黑體" pitchFamily="34" charset="-120"/>
-              <a:ea typeface="微軟正黑體" pitchFamily="34" charset="-120"/>
+              <a:ea typeface="Microsoft JhengHei" panose="020B0604030504040204" pitchFamily="34" charset="-120"/>
             </a:endParaRPr>
           </a:p>
         </p:txBody>
@@ -3990,6 +4306,88 @@
           </a:p>
         </p:txBody>
       </p:sp>
+      <p:sp>
+        <p:nvSpPr>
+          <p:cNvPr id="4" name="TextBox 3"/>
+          <p:cNvSpPr txBox="1"/>
+          <p:nvPr/>
+        </p:nvSpPr>
+        <p:spPr>
+          <a:xfrm>
+            <a:off x="0" y="3867894"/>
+            <a:ext cx="9144000" cy="584775"/>
+          </a:xfrm>
+          <a:prstGeom prst="rect">
+            <a:avLst/>
+          </a:prstGeom>
+          <a:noFill/>
+        </p:spPr>
+        <p:txBody>
+          <a:bodyPr wrap="square" rtlCol="0">
+            <a:spAutoFit/>
+          </a:bodyPr>
+          <a:lstStyle/>
+          <a:p>
+            <a:pPr algn="ctr"/>
+            <a:r>
+              <a:rPr lang="en-US" sz="3200" b="1" dirty="0" smtClean="0">
+                <a:solidFill>
+                  <a:srgbClr val="660033"/>
+                </a:solidFill>
+                <a:latin typeface="Microsoft JhengHei" panose="020B0604030504040204" pitchFamily="34" charset="-120"/>
+                <a:ea typeface="Microsoft JhengHei" panose="020B0604030504040204" pitchFamily="34" charset="-120"/>
+              </a:rPr>
+              <a:t>( </a:t>
+            </a:r>
+            <a:r>
+              <a:rPr lang="zh-CN" altLang="en-US" sz="3200" b="1" dirty="0" smtClean="0">
+                <a:solidFill>
+                  <a:srgbClr val="660033"/>
+                </a:solidFill>
+                <a:latin typeface="Microsoft JhengHei" panose="020B0604030504040204" pitchFamily="34" charset="-120"/>
+                <a:ea typeface="Microsoft JhengHei" panose="020B0604030504040204" pitchFamily="34" charset="-120"/>
+              </a:rPr>
+              <a:t>副 </a:t>
+            </a:r>
+            <a:r>
+              <a:rPr lang="en-US" altLang="zh-CN" sz="3200" b="1" dirty="0" smtClean="0">
+                <a:solidFill>
+                  <a:srgbClr val="660033"/>
+                </a:solidFill>
+                <a:latin typeface="Microsoft JhengHei" panose="020B0604030504040204" pitchFamily="34" charset="-120"/>
+                <a:ea typeface="Microsoft JhengHei" panose="020B0604030504040204" pitchFamily="34" charset="-120"/>
+              </a:rPr>
+              <a:t>1</a:t>
+            </a:r>
+            <a:r>
+              <a:rPr lang="en-US" sz="3200" b="1" dirty="0" smtClean="0">
+                <a:solidFill>
+                  <a:srgbClr val="660033"/>
+                </a:solidFill>
+                <a:latin typeface="Microsoft JhengHei" panose="020B0604030504040204" pitchFamily="34" charset="-120"/>
+                <a:ea typeface="Microsoft JhengHei" panose="020B0604030504040204" pitchFamily="34" charset="-120"/>
+              </a:rPr>
+              <a:t> </a:t>
+            </a:r>
+            <a:r>
+              <a:rPr lang="en-US" sz="3200" b="1" dirty="0" smtClean="0">
+                <a:solidFill>
+                  <a:srgbClr val="660033"/>
+                </a:solidFill>
+                <a:latin typeface="Microsoft JhengHei" panose="020B0604030504040204" pitchFamily="34" charset="-120"/>
+                <a:ea typeface="Microsoft JhengHei" panose="020B0604030504040204" pitchFamily="34" charset="-120"/>
+              </a:rPr>
+              <a:t>)</a:t>
+            </a:r>
+            <a:endParaRPr lang="vi-VN" sz="3200" b="1" dirty="0">
+              <a:solidFill>
+                <a:srgbClr val="660033"/>
+              </a:solidFill>
+              <a:ea typeface="Microsoft JhengHei" panose="020B0604030504040204" pitchFamily="34" charset="-120"/>
+            </a:endParaRPr>
+          </a:p>
+        </p:txBody>
+      </p:sp>
     </p:spTree>
     <p:extLst>
       <p:ext uri="{BB962C8B-B14F-4D97-AF65-F5344CB8AC3E}">
@@ -4107,6 +4505,88 @@
           </a:p>
         </p:txBody>
       </p:sp>
+      <p:sp>
+        <p:nvSpPr>
+          <p:cNvPr id="3" name="TextBox 2"/>
+          <p:cNvSpPr txBox="1"/>
+          <p:nvPr/>
+        </p:nvSpPr>
+        <p:spPr>
+          <a:xfrm>
+            <a:off x="0" y="3867894"/>
+            <a:ext cx="9144000" cy="584775"/>
+          </a:xfrm>
+          <a:prstGeom prst="rect">
+            <a:avLst/>
+          </a:prstGeom>
+          <a:noFill/>
+        </p:spPr>
+        <p:txBody>
+          <a:bodyPr wrap="square" rtlCol="0">
+            <a:spAutoFit/>
+          </a:bodyPr>
+          <a:lstStyle/>
+          <a:p>
+            <a:pPr algn="ctr"/>
+            <a:r>
+              <a:rPr lang="en-US" sz="3200" b="1" dirty="0" smtClean="0">
+                <a:solidFill>
+                  <a:srgbClr val="660033"/>
+                </a:solidFill>
+                <a:latin typeface="Microsoft JhengHei" panose="020B0604030504040204" pitchFamily="34" charset="-120"/>
+                <a:ea typeface="Microsoft JhengHei" panose="020B0604030504040204" pitchFamily="34" charset="-120"/>
+              </a:rPr>
+              <a:t>( </a:t>
+            </a:r>
+            <a:r>
+              <a:rPr lang="zh-CN" altLang="en-US" sz="3200" b="1" dirty="0" smtClean="0">
+                <a:solidFill>
+                  <a:srgbClr val="660033"/>
+                </a:solidFill>
+                <a:latin typeface="Microsoft JhengHei" panose="020B0604030504040204" pitchFamily="34" charset="-120"/>
+                <a:ea typeface="Microsoft JhengHei" panose="020B0604030504040204" pitchFamily="34" charset="-120"/>
+              </a:rPr>
+              <a:t>副 </a:t>
+            </a:r>
+            <a:r>
+              <a:rPr lang="en-US" altLang="zh-CN" sz="3200" b="1" dirty="0" smtClean="0">
+                <a:solidFill>
+                  <a:srgbClr val="660033"/>
+                </a:solidFill>
+                <a:latin typeface="Microsoft JhengHei" panose="020B0604030504040204" pitchFamily="34" charset="-120"/>
+                <a:ea typeface="Microsoft JhengHei" panose="020B0604030504040204" pitchFamily="34" charset="-120"/>
+              </a:rPr>
+              <a:t>1</a:t>
+            </a:r>
+            <a:r>
+              <a:rPr lang="en-US" sz="3200" b="1" dirty="0" smtClean="0">
+                <a:solidFill>
+                  <a:srgbClr val="660033"/>
+                </a:solidFill>
+                <a:latin typeface="Microsoft JhengHei" panose="020B0604030504040204" pitchFamily="34" charset="-120"/>
+                <a:ea typeface="Microsoft JhengHei" panose="020B0604030504040204" pitchFamily="34" charset="-120"/>
+              </a:rPr>
+              <a:t> </a:t>
+            </a:r>
+            <a:r>
+              <a:rPr lang="en-US" sz="3200" b="1" dirty="0" smtClean="0">
+                <a:solidFill>
+                  <a:srgbClr val="660033"/>
+                </a:solidFill>
+                <a:latin typeface="Microsoft JhengHei" panose="020B0604030504040204" pitchFamily="34" charset="-120"/>
+                <a:ea typeface="Microsoft JhengHei" panose="020B0604030504040204" pitchFamily="34" charset="-120"/>
+              </a:rPr>
+              <a:t>)</a:t>
+            </a:r>
+            <a:endParaRPr lang="vi-VN" sz="3200" b="1" dirty="0">
+              <a:solidFill>
+                <a:srgbClr val="660033"/>
+              </a:solidFill>
+              <a:ea typeface="Microsoft JhengHei" panose="020B0604030504040204" pitchFamily="34" charset="-120"/>
+            </a:endParaRPr>
+          </a:p>
+        </p:txBody>
+      </p:sp>
     </p:spTree>
     <p:extLst>
       <p:ext uri="{BB962C8B-B14F-4D97-AF65-F5344CB8AC3E}">
@@ -4234,12 +4714,87 @@
               </a:rPr>
               <a:t>到永永遠遠</a:t>
             </a:r>
-            <a:endParaRPr lang="zh-TW" altLang="en-US" sz="4800" b="1" dirty="0">
+          </a:p>
+        </p:txBody>
+      </p:sp>
+      <p:sp>
+        <p:nvSpPr>
+          <p:cNvPr id="3" name="TextBox 2"/>
+          <p:cNvSpPr txBox="1"/>
+          <p:nvPr/>
+        </p:nvSpPr>
+        <p:spPr>
+          <a:xfrm>
+            <a:off x="0" y="3867894"/>
+            <a:ext cx="9144000" cy="584775"/>
+          </a:xfrm>
+          <a:prstGeom prst="rect">
+            <a:avLst/>
+          </a:prstGeom>
+          <a:noFill/>
+        </p:spPr>
+        <p:txBody>
+          <a:bodyPr wrap="square" rtlCol="0">
+            <a:spAutoFit/>
+          </a:bodyPr>
+          <a:lstStyle/>
+          <a:p>
+            <a:pPr algn="ctr"/>
+            <a:r>
+              <a:rPr lang="en-US" sz="3200" b="1" dirty="0" smtClean="0">
+                <a:solidFill>
+                  <a:srgbClr val="660033"/>
+                </a:solidFill>
+                <a:latin typeface="Microsoft JhengHei" panose="020B0604030504040204" pitchFamily="34" charset="-120"/>
+                <a:ea typeface="Microsoft JhengHei" panose="020B0604030504040204" pitchFamily="34" charset="-120"/>
+              </a:rPr>
+              <a:t>( </a:t>
+            </a:r>
+            <a:r>
+              <a:rPr lang="zh-CN" altLang="en-US" sz="3200" b="1" dirty="0" smtClean="0">
+                <a:solidFill>
+                  <a:srgbClr val="660033"/>
+                </a:solidFill>
+                <a:latin typeface="Microsoft JhengHei" panose="020B0604030504040204" pitchFamily="34" charset="-120"/>
+                <a:ea typeface="Microsoft JhengHei" panose="020B0604030504040204" pitchFamily="34" charset="-120"/>
+              </a:rPr>
+              <a:t>副 </a:t>
+            </a:r>
+            <a:r>
+              <a:rPr lang="en-US" altLang="zh-CN" sz="3200" b="1" dirty="0" smtClean="0">
+                <a:solidFill>
+                  <a:srgbClr val="660033"/>
+                </a:solidFill>
+                <a:latin typeface="Microsoft JhengHei" panose="020B0604030504040204" pitchFamily="34" charset="-120"/>
+                <a:ea typeface="Microsoft JhengHei" panose="020B0604030504040204" pitchFamily="34" charset="-120"/>
+              </a:rPr>
+              <a:t>1</a:t>
+            </a:r>
+            <a:r>
+              <a:rPr lang="en-US" sz="3200" b="1" dirty="0" smtClean="0">
+                <a:solidFill>
+                  <a:srgbClr val="660033"/>
+                </a:solidFill>
+                <a:latin typeface="Microsoft JhengHei" panose="020B0604030504040204" pitchFamily="34" charset="-120"/>
+                <a:ea typeface="Microsoft JhengHei" panose="020B0604030504040204" pitchFamily="34" charset="-120"/>
+              </a:rPr>
+              <a:t> </a:t>
+            </a:r>
+            <a:r>
+              <a:rPr lang="en-US" sz="3200" b="1" dirty="0" smtClean="0">
+                <a:solidFill>
+                  <a:srgbClr val="660033"/>
+                </a:solidFill>
+                <a:latin typeface="Microsoft JhengHei" panose="020B0604030504040204" pitchFamily="34" charset="-120"/>
+                <a:ea typeface="Microsoft JhengHei" panose="020B0604030504040204" pitchFamily="34" charset="-120"/>
+              </a:rPr>
+              <a:t>)</a:t>
+            </a:r>
+            <a:endParaRPr lang="vi-VN" sz="3200" b="1" dirty="0">
               <a:solidFill>
                 <a:srgbClr val="660033"/>
               </a:solidFill>
-              <a:latin typeface="微軟正黑體" pitchFamily="34" charset="-120"/>
-              <a:ea typeface="微軟正黑體" pitchFamily="34" charset="-120"/>
+              <a:ea typeface="Microsoft JhengHei" panose="020B0604030504040204" pitchFamily="34" charset="-120"/>
             </a:endParaRPr>
           </a:p>
         </p:txBody>
@@ -4497,6 +5052,88 @@
               </a:solidFill>
               <a:latin typeface="微軟正黑體" pitchFamily="34" charset="-120"/>
               <a:ea typeface="微軟正黑體" pitchFamily="34" charset="-120"/>
+            </a:endParaRPr>
+          </a:p>
+        </p:txBody>
+      </p:sp>
+      <p:sp>
+        <p:nvSpPr>
+          <p:cNvPr id="3" name="TextBox 2"/>
+          <p:cNvSpPr txBox="1"/>
+          <p:nvPr/>
+        </p:nvSpPr>
+        <p:spPr>
+          <a:xfrm>
+            <a:off x="0" y="3867894"/>
+            <a:ext cx="9144000" cy="584775"/>
+          </a:xfrm>
+          <a:prstGeom prst="rect">
+            <a:avLst/>
+          </a:prstGeom>
+          <a:noFill/>
+        </p:spPr>
+        <p:txBody>
+          <a:bodyPr wrap="square" rtlCol="0">
+            <a:spAutoFit/>
+          </a:bodyPr>
+          <a:lstStyle/>
+          <a:p>
+            <a:pPr algn="ctr"/>
+            <a:r>
+              <a:rPr lang="en-US" sz="3200" b="1" dirty="0" smtClean="0">
+                <a:solidFill>
+                  <a:srgbClr val="660033"/>
+                </a:solidFill>
+                <a:latin typeface="Microsoft JhengHei" panose="020B0604030504040204" pitchFamily="34" charset="-120"/>
+                <a:ea typeface="Microsoft JhengHei" panose="020B0604030504040204" pitchFamily="34" charset="-120"/>
+              </a:rPr>
+              <a:t>( </a:t>
+            </a:r>
+            <a:r>
+              <a:rPr lang="zh-CN" altLang="en-US" sz="3200" b="1" dirty="0" smtClean="0">
+                <a:solidFill>
+                  <a:srgbClr val="660033"/>
+                </a:solidFill>
+                <a:latin typeface="Microsoft JhengHei" panose="020B0604030504040204" pitchFamily="34" charset="-120"/>
+                <a:ea typeface="Microsoft JhengHei" panose="020B0604030504040204" pitchFamily="34" charset="-120"/>
+              </a:rPr>
+              <a:t>副 </a:t>
+            </a:r>
+            <a:r>
+              <a:rPr lang="en-US" altLang="zh-CN" sz="3200" b="1" dirty="0" smtClean="0">
+                <a:solidFill>
+                  <a:srgbClr val="660033"/>
+                </a:solidFill>
+                <a:latin typeface="Microsoft JhengHei" panose="020B0604030504040204" pitchFamily="34" charset="-120"/>
+                <a:ea typeface="Microsoft JhengHei" panose="020B0604030504040204" pitchFamily="34" charset="-120"/>
+              </a:rPr>
+              <a:t>2</a:t>
+            </a:r>
+            <a:r>
+              <a:rPr lang="en-US" sz="3200" b="1" dirty="0" smtClean="0">
+                <a:solidFill>
+                  <a:srgbClr val="660033"/>
+                </a:solidFill>
+                <a:latin typeface="Microsoft JhengHei" panose="020B0604030504040204" pitchFamily="34" charset="-120"/>
+                <a:ea typeface="Microsoft JhengHei" panose="020B0604030504040204" pitchFamily="34" charset="-120"/>
+              </a:rPr>
+              <a:t> </a:t>
+            </a:r>
+            <a:r>
+              <a:rPr lang="en-US" sz="3200" b="1" dirty="0" smtClean="0">
+                <a:solidFill>
+                  <a:srgbClr val="660033"/>
+                </a:solidFill>
+                <a:latin typeface="Microsoft JhengHei" panose="020B0604030504040204" pitchFamily="34" charset="-120"/>
+                <a:ea typeface="Microsoft JhengHei" panose="020B0604030504040204" pitchFamily="34" charset="-120"/>
+              </a:rPr>
+              <a:t>)</a:t>
+            </a:r>
+            <a:endParaRPr lang="vi-VN" sz="3200" b="1" dirty="0">
+              <a:solidFill>
+                <a:srgbClr val="660033"/>
+              </a:solidFill>
+              <a:ea typeface="Microsoft JhengHei" panose="020B0604030504040204" pitchFamily="34" charset="-120"/>
             </a:endParaRPr>
           </a:p>
         </p:txBody>

--- a/耶和華是我牧者.pptx
+++ b/耶和華是我牧者.pptx
@@ -170,7 +170,7 @@
           <a:lstStyle/>
           <a:p>
             <a:r>
-              <a:rPr lang="en-US" altLang="zh-TW" smtClean="0"/>
+              <a:rPr lang="en-US" altLang="zh-TW"/>
               <a:t>Click to edit Master title style</a:t>
             </a:r>
             <a:endParaRPr lang="zh-TW" altLang="en-US"/>
@@ -289,7 +289,7 @@
           </a:lstStyle>
           <a:p>
             <a:r>
-              <a:rPr lang="en-US" altLang="zh-TW" smtClean="0"/>
+              <a:rPr lang="en-US" altLang="zh-TW"/>
               <a:t>Click to edit Master subtitle style</a:t>
             </a:r>
             <a:endParaRPr lang="zh-TW" altLang="en-US"/>
@@ -313,7 +313,7 @@
           <a:p>
             <a:fld id="{6FBB1E1C-ED46-47E4-98BF-8279883B3BB1}" type="datetimeFigureOut">
               <a:rPr lang="zh-TW" altLang="en-US" smtClean="0"/>
-              <a:t>2022/7/16</a:t>
+              <a:t>2024/1/4</a:t>
             </a:fld>
             <a:endParaRPr lang="zh-TW" altLang="en-US"/>
           </a:p>
@@ -402,7 +402,7 @@
           <a:lstStyle/>
           <a:p>
             <a:r>
-              <a:rPr lang="en-US" altLang="zh-TW" smtClean="0"/>
+              <a:rPr lang="en-US" altLang="zh-TW"/>
               <a:t>Click to edit Master title style</a:t>
             </a:r>
             <a:endParaRPr lang="zh-TW" altLang="en-US"/>
@@ -426,35 +426,35 @@
           <a:p>
             <a:pPr lvl="0"/>
             <a:r>
-              <a:rPr lang="en-US" altLang="zh-TW" smtClean="0"/>
+              <a:rPr lang="en-US" altLang="zh-TW"/>
               <a:t>Click to edit Master text styles</a:t>
             </a:r>
           </a:p>
           <a:p>
             <a:pPr lvl="1"/>
             <a:r>
-              <a:rPr lang="en-US" altLang="zh-TW" smtClean="0"/>
+              <a:rPr lang="en-US" altLang="zh-TW"/>
               <a:t>Second level</a:t>
             </a:r>
           </a:p>
           <a:p>
             <a:pPr lvl="2"/>
             <a:r>
-              <a:rPr lang="en-US" altLang="zh-TW" smtClean="0"/>
+              <a:rPr lang="en-US" altLang="zh-TW"/>
               <a:t>Third level</a:t>
             </a:r>
           </a:p>
           <a:p>
             <a:pPr lvl="3"/>
             <a:r>
-              <a:rPr lang="en-US" altLang="zh-TW" smtClean="0"/>
+              <a:rPr lang="en-US" altLang="zh-TW"/>
               <a:t>Fourth level</a:t>
             </a:r>
           </a:p>
           <a:p>
             <a:pPr lvl="4"/>
             <a:r>
-              <a:rPr lang="en-US" altLang="zh-TW" smtClean="0"/>
+              <a:rPr lang="en-US" altLang="zh-TW"/>
               <a:t>Fifth level</a:t>
             </a:r>
             <a:endParaRPr lang="zh-TW" altLang="en-US"/>
@@ -478,7 +478,7 @@
           <a:p>
             <a:fld id="{6FBB1E1C-ED46-47E4-98BF-8279883B3BB1}" type="datetimeFigureOut">
               <a:rPr lang="zh-TW" altLang="en-US" smtClean="0"/>
-              <a:t>2022/7/16</a:t>
+              <a:t>2024/1/4</a:t>
             </a:fld>
             <a:endParaRPr lang="zh-TW" altLang="en-US"/>
           </a:p>
@@ -572,7 +572,7 @@
           <a:lstStyle/>
           <a:p>
             <a:r>
-              <a:rPr lang="en-US" altLang="zh-TW" smtClean="0"/>
+              <a:rPr lang="en-US" altLang="zh-TW"/>
               <a:t>Click to edit Master title style</a:t>
             </a:r>
             <a:endParaRPr lang="zh-TW" altLang="en-US"/>
@@ -601,35 +601,35 @@
           <a:p>
             <a:pPr lvl="0"/>
             <a:r>
-              <a:rPr lang="en-US" altLang="zh-TW" smtClean="0"/>
+              <a:rPr lang="en-US" altLang="zh-TW"/>
               <a:t>Click to edit Master text styles</a:t>
             </a:r>
           </a:p>
           <a:p>
             <a:pPr lvl="1"/>
             <a:r>
-              <a:rPr lang="en-US" altLang="zh-TW" smtClean="0"/>
+              <a:rPr lang="en-US" altLang="zh-TW"/>
               <a:t>Second level</a:t>
             </a:r>
           </a:p>
           <a:p>
             <a:pPr lvl="2"/>
             <a:r>
-              <a:rPr lang="en-US" altLang="zh-TW" smtClean="0"/>
+              <a:rPr lang="en-US" altLang="zh-TW"/>
               <a:t>Third level</a:t>
             </a:r>
           </a:p>
           <a:p>
             <a:pPr lvl="3"/>
             <a:r>
-              <a:rPr lang="en-US" altLang="zh-TW" smtClean="0"/>
+              <a:rPr lang="en-US" altLang="zh-TW"/>
               <a:t>Fourth level</a:t>
             </a:r>
           </a:p>
           <a:p>
             <a:pPr lvl="4"/>
             <a:r>
-              <a:rPr lang="en-US" altLang="zh-TW" smtClean="0"/>
+              <a:rPr lang="en-US" altLang="zh-TW"/>
               <a:t>Fifth level</a:t>
             </a:r>
             <a:endParaRPr lang="zh-TW" altLang="en-US"/>
@@ -653,7 +653,7 @@
           <a:p>
             <a:fld id="{6FBB1E1C-ED46-47E4-98BF-8279883B3BB1}" type="datetimeFigureOut">
               <a:rPr lang="zh-TW" altLang="en-US" smtClean="0"/>
-              <a:t>2022/7/16</a:t>
+              <a:t>2024/1/4</a:t>
             </a:fld>
             <a:endParaRPr lang="zh-TW" altLang="en-US"/>
           </a:p>
@@ -742,7 +742,7 @@
           <a:lstStyle/>
           <a:p>
             <a:r>
-              <a:rPr lang="en-US" altLang="zh-TW" smtClean="0"/>
+              <a:rPr lang="en-US" altLang="zh-TW"/>
               <a:t>Click to edit Master title style</a:t>
             </a:r>
             <a:endParaRPr lang="zh-TW" altLang="en-US"/>
@@ -766,35 +766,35 @@
           <a:p>
             <a:pPr lvl="0"/>
             <a:r>
-              <a:rPr lang="en-US" altLang="zh-TW" smtClean="0"/>
+              <a:rPr lang="en-US" altLang="zh-TW"/>
               <a:t>Click to edit Master text styles</a:t>
             </a:r>
           </a:p>
           <a:p>
             <a:pPr lvl="1"/>
             <a:r>
-              <a:rPr lang="en-US" altLang="zh-TW" smtClean="0"/>
+              <a:rPr lang="en-US" altLang="zh-TW"/>
               <a:t>Second level</a:t>
             </a:r>
           </a:p>
           <a:p>
             <a:pPr lvl="2"/>
             <a:r>
-              <a:rPr lang="en-US" altLang="zh-TW" smtClean="0"/>
+              <a:rPr lang="en-US" altLang="zh-TW"/>
               <a:t>Third level</a:t>
             </a:r>
           </a:p>
           <a:p>
             <a:pPr lvl="3"/>
             <a:r>
-              <a:rPr lang="en-US" altLang="zh-TW" smtClean="0"/>
+              <a:rPr lang="en-US" altLang="zh-TW"/>
               <a:t>Fourth level</a:t>
             </a:r>
           </a:p>
           <a:p>
             <a:pPr lvl="4"/>
             <a:r>
-              <a:rPr lang="en-US" altLang="zh-TW" smtClean="0"/>
+              <a:rPr lang="en-US" altLang="zh-TW"/>
               <a:t>Fifth level</a:t>
             </a:r>
             <a:endParaRPr lang="zh-TW" altLang="en-US"/>
@@ -818,7 +818,7 @@
           <a:p>
             <a:fld id="{6FBB1E1C-ED46-47E4-98BF-8279883B3BB1}" type="datetimeFigureOut">
               <a:rPr lang="zh-TW" altLang="en-US" smtClean="0"/>
-              <a:t>2022/7/16</a:t>
+              <a:t>2024/1/4</a:t>
             </a:fld>
             <a:endParaRPr lang="zh-TW" altLang="en-US"/>
           </a:p>
@@ -916,7 +916,7 @@
           </a:lstStyle>
           <a:p>
             <a:r>
-              <a:rPr lang="en-US" altLang="zh-TW" smtClean="0"/>
+              <a:rPr lang="en-US" altLang="zh-TW"/>
               <a:t>Click to edit Master title style</a:t>
             </a:r>
             <a:endParaRPr lang="zh-TW" altLang="en-US"/>
@@ -1036,7 +1036,7 @@
           <a:p>
             <a:pPr lvl="0"/>
             <a:r>
-              <a:rPr lang="en-US" altLang="zh-TW" smtClean="0"/>
+              <a:rPr lang="en-US" altLang="zh-TW"/>
               <a:t>Click to edit Master text styles</a:t>
             </a:r>
           </a:p>
@@ -1059,7 +1059,7 @@
           <a:p>
             <a:fld id="{6FBB1E1C-ED46-47E4-98BF-8279883B3BB1}" type="datetimeFigureOut">
               <a:rPr lang="zh-TW" altLang="en-US" smtClean="0"/>
-              <a:t>2022/7/16</a:t>
+              <a:t>2024/1/4</a:t>
             </a:fld>
             <a:endParaRPr lang="zh-TW" altLang="en-US"/>
           </a:p>
@@ -1148,7 +1148,7 @@
           <a:lstStyle/>
           <a:p>
             <a:r>
-              <a:rPr lang="en-US" altLang="zh-TW" smtClean="0"/>
+              <a:rPr lang="en-US" altLang="zh-TW"/>
               <a:t>Click to edit Master title style</a:t>
             </a:r>
             <a:endParaRPr lang="zh-TW" altLang="en-US"/>
@@ -1205,35 +1205,35 @@
           <a:p>
             <a:pPr lvl="0"/>
             <a:r>
-              <a:rPr lang="en-US" altLang="zh-TW" smtClean="0"/>
+              <a:rPr lang="en-US" altLang="zh-TW"/>
               <a:t>Click to edit Master text styles</a:t>
             </a:r>
           </a:p>
           <a:p>
             <a:pPr lvl="1"/>
             <a:r>
-              <a:rPr lang="en-US" altLang="zh-TW" smtClean="0"/>
+              <a:rPr lang="en-US" altLang="zh-TW"/>
               <a:t>Second level</a:t>
             </a:r>
           </a:p>
           <a:p>
             <a:pPr lvl="2"/>
             <a:r>
-              <a:rPr lang="en-US" altLang="zh-TW" smtClean="0"/>
+              <a:rPr lang="en-US" altLang="zh-TW"/>
               <a:t>Third level</a:t>
             </a:r>
           </a:p>
           <a:p>
             <a:pPr lvl="3"/>
             <a:r>
-              <a:rPr lang="en-US" altLang="zh-TW" smtClean="0"/>
+              <a:rPr lang="en-US" altLang="zh-TW"/>
               <a:t>Fourth level</a:t>
             </a:r>
           </a:p>
           <a:p>
             <a:pPr lvl="4"/>
             <a:r>
-              <a:rPr lang="en-US" altLang="zh-TW" smtClean="0"/>
+              <a:rPr lang="en-US" altLang="zh-TW"/>
               <a:t>Fifth level</a:t>
             </a:r>
             <a:endParaRPr lang="zh-TW" altLang="en-US"/>
@@ -1290,35 +1290,35 @@
           <a:p>
             <a:pPr lvl="0"/>
             <a:r>
-              <a:rPr lang="en-US" altLang="zh-TW" smtClean="0"/>
+              <a:rPr lang="en-US" altLang="zh-TW"/>
               <a:t>Click to edit Master text styles</a:t>
             </a:r>
           </a:p>
           <a:p>
             <a:pPr lvl="1"/>
             <a:r>
-              <a:rPr lang="en-US" altLang="zh-TW" smtClean="0"/>
+              <a:rPr lang="en-US" altLang="zh-TW"/>
               <a:t>Second level</a:t>
             </a:r>
           </a:p>
           <a:p>
             <a:pPr lvl="2"/>
             <a:r>
-              <a:rPr lang="en-US" altLang="zh-TW" smtClean="0"/>
+              <a:rPr lang="en-US" altLang="zh-TW"/>
               <a:t>Third level</a:t>
             </a:r>
           </a:p>
           <a:p>
             <a:pPr lvl="3"/>
             <a:r>
-              <a:rPr lang="en-US" altLang="zh-TW" smtClean="0"/>
+              <a:rPr lang="en-US" altLang="zh-TW"/>
               <a:t>Fourth level</a:t>
             </a:r>
           </a:p>
           <a:p>
             <a:pPr lvl="4"/>
             <a:r>
-              <a:rPr lang="en-US" altLang="zh-TW" smtClean="0"/>
+              <a:rPr lang="en-US" altLang="zh-TW"/>
               <a:t>Fifth level</a:t>
             </a:r>
             <a:endParaRPr lang="zh-TW" altLang="en-US"/>
@@ -1342,7 +1342,7 @@
           <a:p>
             <a:fld id="{6FBB1E1C-ED46-47E4-98BF-8279883B3BB1}" type="datetimeFigureOut">
               <a:rPr lang="zh-TW" altLang="en-US" smtClean="0"/>
-              <a:t>2022/7/16</a:t>
+              <a:t>2024/1/4</a:t>
             </a:fld>
             <a:endParaRPr lang="zh-TW" altLang="en-US"/>
           </a:p>
@@ -1435,7 +1435,7 @@
           </a:lstStyle>
           <a:p>
             <a:r>
-              <a:rPr lang="en-US" altLang="zh-TW" smtClean="0"/>
+              <a:rPr lang="en-US" altLang="zh-TW"/>
               <a:t>Click to edit Master title style</a:t>
             </a:r>
             <a:endParaRPr lang="zh-TW" altLang="en-US"/>
@@ -1501,7 +1501,7 @@
           <a:p>
             <a:pPr lvl="0"/>
             <a:r>
-              <a:rPr lang="en-US" altLang="zh-TW" smtClean="0"/>
+              <a:rPr lang="en-US" altLang="zh-TW"/>
               <a:t>Click to edit Master text styles</a:t>
             </a:r>
           </a:p>
@@ -1557,35 +1557,35 @@
           <a:p>
             <a:pPr lvl="0"/>
             <a:r>
-              <a:rPr lang="en-US" altLang="zh-TW" smtClean="0"/>
+              <a:rPr lang="en-US" altLang="zh-TW"/>
               <a:t>Click to edit Master text styles</a:t>
             </a:r>
           </a:p>
           <a:p>
             <a:pPr lvl="1"/>
             <a:r>
-              <a:rPr lang="en-US" altLang="zh-TW" smtClean="0"/>
+              <a:rPr lang="en-US" altLang="zh-TW"/>
               <a:t>Second level</a:t>
             </a:r>
           </a:p>
           <a:p>
             <a:pPr lvl="2"/>
             <a:r>
-              <a:rPr lang="en-US" altLang="zh-TW" smtClean="0"/>
+              <a:rPr lang="en-US" altLang="zh-TW"/>
               <a:t>Third level</a:t>
             </a:r>
           </a:p>
           <a:p>
             <a:pPr lvl="3"/>
             <a:r>
-              <a:rPr lang="en-US" altLang="zh-TW" smtClean="0"/>
+              <a:rPr lang="en-US" altLang="zh-TW"/>
               <a:t>Fourth level</a:t>
             </a:r>
           </a:p>
           <a:p>
             <a:pPr lvl="4"/>
             <a:r>
-              <a:rPr lang="en-US" altLang="zh-TW" smtClean="0"/>
+              <a:rPr lang="en-US" altLang="zh-TW"/>
               <a:t>Fifth level</a:t>
             </a:r>
             <a:endParaRPr lang="zh-TW" altLang="en-US"/>
@@ -1651,7 +1651,7 @@
           <a:p>
             <a:pPr lvl="0"/>
             <a:r>
-              <a:rPr lang="en-US" altLang="zh-TW" smtClean="0"/>
+              <a:rPr lang="en-US" altLang="zh-TW"/>
               <a:t>Click to edit Master text styles</a:t>
             </a:r>
           </a:p>
@@ -1707,35 +1707,35 @@
           <a:p>
             <a:pPr lvl="0"/>
             <a:r>
-              <a:rPr lang="en-US" altLang="zh-TW" smtClean="0"/>
+              <a:rPr lang="en-US" altLang="zh-TW"/>
               <a:t>Click to edit Master text styles</a:t>
             </a:r>
           </a:p>
           <a:p>
             <a:pPr lvl="1"/>
             <a:r>
-              <a:rPr lang="en-US" altLang="zh-TW" smtClean="0"/>
+              <a:rPr lang="en-US" altLang="zh-TW"/>
               <a:t>Second level</a:t>
             </a:r>
           </a:p>
           <a:p>
             <a:pPr lvl="2"/>
             <a:r>
-              <a:rPr lang="en-US" altLang="zh-TW" smtClean="0"/>
+              <a:rPr lang="en-US" altLang="zh-TW"/>
               <a:t>Third level</a:t>
             </a:r>
           </a:p>
           <a:p>
             <a:pPr lvl="3"/>
             <a:r>
-              <a:rPr lang="en-US" altLang="zh-TW" smtClean="0"/>
+              <a:rPr lang="en-US" altLang="zh-TW"/>
               <a:t>Fourth level</a:t>
             </a:r>
           </a:p>
           <a:p>
             <a:pPr lvl="4"/>
             <a:r>
-              <a:rPr lang="en-US" altLang="zh-TW" smtClean="0"/>
+              <a:rPr lang="en-US" altLang="zh-TW"/>
               <a:t>Fifth level</a:t>
             </a:r>
             <a:endParaRPr lang="zh-TW" altLang="en-US"/>
@@ -1759,7 +1759,7 @@
           <a:p>
             <a:fld id="{6FBB1E1C-ED46-47E4-98BF-8279883B3BB1}" type="datetimeFigureOut">
               <a:rPr lang="zh-TW" altLang="en-US" smtClean="0"/>
-              <a:t>2022/7/16</a:t>
+              <a:t>2024/1/4</a:t>
             </a:fld>
             <a:endParaRPr lang="zh-TW" altLang="en-US"/>
           </a:p>
@@ -1848,7 +1848,7 @@
           <a:lstStyle/>
           <a:p>
             <a:r>
-              <a:rPr lang="en-US" altLang="zh-TW" smtClean="0"/>
+              <a:rPr lang="en-US" altLang="zh-TW"/>
               <a:t>Click to edit Master title style</a:t>
             </a:r>
             <a:endParaRPr lang="zh-TW" altLang="en-US"/>
@@ -1872,7 +1872,7 @@
           <a:p>
             <a:fld id="{6FBB1E1C-ED46-47E4-98BF-8279883B3BB1}" type="datetimeFigureOut">
               <a:rPr lang="zh-TW" altLang="en-US" smtClean="0"/>
-              <a:t>2022/7/16</a:t>
+              <a:t>2024/1/4</a:t>
             </a:fld>
             <a:endParaRPr lang="zh-TW" altLang="en-US"/>
           </a:p>
@@ -1962,7 +1962,7 @@
           <a:p>
             <a:fld id="{6FBB1E1C-ED46-47E4-98BF-8279883B3BB1}" type="datetimeFigureOut">
               <a:rPr lang="zh-TW" altLang="en-US" smtClean="0"/>
-              <a:t>2022/7/16</a:t>
+              <a:t>2024/1/4</a:t>
             </a:fld>
             <a:endParaRPr lang="zh-TW" altLang="en-US"/>
           </a:p>
@@ -2060,7 +2060,7 @@
           </a:lstStyle>
           <a:p>
             <a:r>
-              <a:rPr lang="en-US" altLang="zh-TW" smtClean="0"/>
+              <a:rPr lang="en-US" altLang="zh-TW"/>
               <a:t>Click to edit Master title style</a:t>
             </a:r>
             <a:endParaRPr lang="zh-TW" altLang="en-US"/>
@@ -2117,35 +2117,35 @@
           <a:p>
             <a:pPr lvl="0"/>
             <a:r>
-              <a:rPr lang="en-US" altLang="zh-TW" smtClean="0"/>
+              <a:rPr lang="en-US" altLang="zh-TW"/>
               <a:t>Click to edit Master text styles</a:t>
             </a:r>
           </a:p>
           <a:p>
             <a:pPr lvl="1"/>
             <a:r>
-              <a:rPr lang="en-US" altLang="zh-TW" smtClean="0"/>
+              <a:rPr lang="en-US" altLang="zh-TW"/>
               <a:t>Second level</a:t>
             </a:r>
           </a:p>
           <a:p>
             <a:pPr lvl="2"/>
             <a:r>
-              <a:rPr lang="en-US" altLang="zh-TW" smtClean="0"/>
+              <a:rPr lang="en-US" altLang="zh-TW"/>
               <a:t>Third level</a:t>
             </a:r>
           </a:p>
           <a:p>
             <a:pPr lvl="3"/>
             <a:r>
-              <a:rPr lang="en-US" altLang="zh-TW" smtClean="0"/>
+              <a:rPr lang="en-US" altLang="zh-TW"/>
               <a:t>Fourth level</a:t>
             </a:r>
           </a:p>
           <a:p>
             <a:pPr lvl="4"/>
             <a:r>
-              <a:rPr lang="en-US" altLang="zh-TW" smtClean="0"/>
+              <a:rPr lang="en-US" altLang="zh-TW"/>
               <a:t>Fifth level</a:t>
             </a:r>
             <a:endParaRPr lang="zh-TW" altLang="en-US"/>
@@ -2211,7 +2211,7 @@
           <a:p>
             <a:pPr lvl="0"/>
             <a:r>
-              <a:rPr lang="en-US" altLang="zh-TW" smtClean="0"/>
+              <a:rPr lang="en-US" altLang="zh-TW"/>
               <a:t>Click to edit Master text styles</a:t>
             </a:r>
           </a:p>
@@ -2234,7 +2234,7 @@
           <a:p>
             <a:fld id="{6FBB1E1C-ED46-47E4-98BF-8279883B3BB1}" type="datetimeFigureOut">
               <a:rPr lang="zh-TW" altLang="en-US" smtClean="0"/>
-              <a:t>2022/7/16</a:t>
+              <a:t>2024/1/4</a:t>
             </a:fld>
             <a:endParaRPr lang="zh-TW" altLang="en-US"/>
           </a:p>
@@ -2332,7 +2332,7 @@
           </a:lstStyle>
           <a:p>
             <a:r>
-              <a:rPr lang="en-US" altLang="zh-TW" smtClean="0"/>
+              <a:rPr lang="en-US" altLang="zh-TW"/>
               <a:t>Click to edit Master title style</a:t>
             </a:r>
             <a:endParaRPr lang="zh-TW" altLang="en-US"/>
@@ -2397,7 +2397,7 @@
           </a:lstStyle>
           <a:p>
             <a:r>
-              <a:rPr lang="en-US" altLang="zh-TW" smtClean="0"/>
+              <a:rPr lang="en-US" altLang="zh-TW"/>
               <a:t>Click icon to add picture</a:t>
             </a:r>
             <a:endParaRPr lang="zh-TW" altLang="en-US"/>
@@ -2463,7 +2463,7 @@
           <a:p>
             <a:pPr lvl="0"/>
             <a:r>
-              <a:rPr lang="en-US" altLang="zh-TW" smtClean="0"/>
+              <a:rPr lang="en-US" altLang="zh-TW"/>
               <a:t>Click to edit Master text styles</a:t>
             </a:r>
           </a:p>
@@ -2486,7 +2486,7 @@
           <a:p>
             <a:fld id="{6FBB1E1C-ED46-47E4-98BF-8279883B3BB1}" type="datetimeFigureOut">
               <a:rPr lang="zh-TW" altLang="en-US" smtClean="0"/>
-              <a:t>2022/7/16</a:t>
+              <a:t>2024/1/4</a:t>
             </a:fld>
             <a:endParaRPr lang="zh-TW" altLang="en-US"/>
           </a:p>
@@ -2595,10 +2595,9 @@
           <a:lstStyle/>
           <a:p>
             <a:r>
-              <a:rPr lang="zh-TW" altLang="en-US" smtClean="0"/>
+              <a:rPr lang="zh-TW" altLang="en-US"/>
               <a:t>按一下以編輯母片標題樣式</a:t>
             </a:r>
-            <a:endParaRPr lang="zh-TW" altLang="en-US"/>
           </a:p>
         </p:txBody>
       </p:sp>
@@ -2629,38 +2628,37 @@
           <a:p>
             <a:pPr lvl="0"/>
             <a:r>
-              <a:rPr lang="zh-TW" altLang="en-US" smtClean="0"/>
+              <a:rPr lang="zh-TW" altLang="en-US"/>
               <a:t>按一下以編輯母片文字樣式</a:t>
             </a:r>
           </a:p>
           <a:p>
             <a:pPr lvl="1"/>
             <a:r>
-              <a:rPr lang="zh-TW" altLang="en-US" smtClean="0"/>
+              <a:rPr lang="zh-TW" altLang="en-US"/>
               <a:t>第二層</a:t>
             </a:r>
           </a:p>
           <a:p>
             <a:pPr lvl="2"/>
             <a:r>
-              <a:rPr lang="zh-TW" altLang="en-US" smtClean="0"/>
+              <a:rPr lang="zh-TW" altLang="en-US"/>
               <a:t>第三層</a:t>
             </a:r>
           </a:p>
           <a:p>
             <a:pPr lvl="3"/>
             <a:r>
-              <a:rPr lang="zh-TW" altLang="en-US" smtClean="0"/>
+              <a:rPr lang="zh-TW" altLang="en-US"/>
               <a:t>第四層</a:t>
             </a:r>
           </a:p>
           <a:p>
             <a:pPr lvl="4"/>
             <a:r>
-              <a:rPr lang="zh-TW" altLang="en-US" smtClean="0"/>
+              <a:rPr lang="zh-TW" altLang="en-US"/>
               <a:t>第五層</a:t>
             </a:r>
-            <a:endParaRPr lang="zh-TW" altLang="en-US"/>
           </a:p>
         </p:txBody>
       </p:sp>
@@ -2699,7 +2697,7 @@
           <a:p>
             <a:fld id="{6FBB1E1C-ED46-47E4-98BF-8279883B3BB1}" type="datetimeFigureOut">
               <a:rPr lang="zh-TW" altLang="en-US" smtClean="0"/>
-              <a:t>2022/7/16</a:t>
+              <a:t>2024/1/4</a:t>
             </a:fld>
             <a:endParaRPr lang="zh-TW" altLang="en-US"/>
           </a:p>
@@ -3092,7 +3090,7 @@
           <a:lstStyle/>
           <a:p>
             <a:r>
-              <a:rPr lang="zh-TW" altLang="en-US" sz="5400" b="1" i="1" dirty="0" smtClean="0">
+              <a:rPr lang="zh-TW" altLang="en-US" sz="5400" b="1" i="1" dirty="0">
                 <a:solidFill>
                   <a:srgbClr val="660033"/>
                 </a:solidFill>
@@ -3106,24 +3104,7 @@
                 <a:latin typeface="微軟正黑體" pitchFamily="34" charset="-120"/>
                 <a:ea typeface="微軟正黑體" pitchFamily="34" charset="-120"/>
               </a:rPr>
-              <a:t>耶</a:t>
-            </a:r>
-            <a:r>
-              <a:rPr lang="zh-TW" altLang="en-US" sz="5400" b="1" i="1" dirty="0">
-                <a:solidFill>
-                  <a:srgbClr val="660033"/>
-                </a:solidFill>
-                <a:effectLst>
-                  <a:outerShdw blurRad="38100" dist="38100" dir="2700000" algn="tl">
-                    <a:srgbClr val="000000">
-                      <a:alpha val="43137"/>
-                    </a:srgbClr>
-                  </a:outerShdw>
-                </a:effectLst>
-                <a:latin typeface="微軟正黑體" pitchFamily="34" charset="-120"/>
-                <a:ea typeface="微軟正黑體" pitchFamily="34" charset="-120"/>
-              </a:rPr>
-              <a:t>和華是我牧者</a:t>
+              <a:t>耶和華是我牧者</a:t>
             </a:r>
           </a:p>
         </p:txBody>
@@ -3191,17 +3172,17 @@
                 <a:latin typeface="微軟正黑體" pitchFamily="34" charset="-120"/>
                 <a:ea typeface="微軟正黑體" pitchFamily="34" charset="-120"/>
               </a:rPr>
-              <a:t>嘿嘿</a:t>
-            </a:r>
-            <a:r>
-              <a:rPr lang="zh-TW" altLang="en-US" sz="4800" b="1" dirty="0" smtClean="0">
+              <a:t>嘿嘿喲  嘿嘿喲</a:t>
+            </a:r>
+            <a:r>
+              <a:rPr lang="en-US" altLang="zh-TW" sz="4800" b="1" dirty="0">
                 <a:solidFill>
                   <a:srgbClr val="660033"/>
                 </a:solidFill>
                 <a:latin typeface="微軟正黑體" pitchFamily="34" charset="-120"/>
                 <a:ea typeface="微軟正黑體" pitchFamily="34" charset="-120"/>
               </a:rPr>
-              <a:t>喲  </a:t>
+              <a:t>  </a:t>
             </a:r>
             <a:r>
               <a:rPr lang="zh-TW" altLang="en-US" sz="4800" b="1" dirty="0">
@@ -3211,47 +3192,7 @@
                 <a:latin typeface="微軟正黑體" pitchFamily="34" charset="-120"/>
                 <a:ea typeface="微軟正黑體" pitchFamily="34" charset="-120"/>
               </a:rPr>
-              <a:t>嘿嘿喲</a:t>
-            </a:r>
-            <a:r>
-              <a:rPr lang="en-US" altLang="zh-TW" sz="4800" b="1" dirty="0">
-                <a:solidFill>
-                  <a:srgbClr val="660033"/>
-                </a:solidFill>
-                <a:latin typeface="微軟正黑體" pitchFamily="34" charset="-120"/>
-                <a:ea typeface="微軟正黑體" pitchFamily="34" charset="-120"/>
-              </a:rPr>
-              <a:t> </a:t>
-            </a:r>
-            <a:r>
-              <a:rPr lang="en-US" altLang="zh-TW" sz="4800" b="1" dirty="0" smtClean="0">
-                <a:solidFill>
-                  <a:srgbClr val="660033"/>
-                </a:solidFill>
-                <a:latin typeface="微軟正黑體" pitchFamily="34" charset="-120"/>
-                <a:ea typeface="微軟正黑體" pitchFamily="34" charset="-120"/>
-              </a:rPr>
-              <a:t> </a:t>
-            </a:r>
-            <a:r>
-              <a:rPr lang="zh-TW" altLang="en-US" sz="4800" b="1" dirty="0" smtClean="0">
-                <a:solidFill>
-                  <a:srgbClr val="660033"/>
-                </a:solidFill>
-                <a:latin typeface="微軟正黑體" pitchFamily="34" charset="-120"/>
-                <a:ea typeface="微軟正黑體" pitchFamily="34" charset="-120"/>
-              </a:rPr>
-              <a:t>有</a:t>
-            </a:r>
-            <a:r>
-              <a:rPr lang="zh-TW" altLang="en-US" sz="4800" b="1" dirty="0">
-                <a:solidFill>
-                  <a:srgbClr val="660033"/>
-                </a:solidFill>
-                <a:latin typeface="微軟正黑體" pitchFamily="34" charset="-120"/>
-                <a:ea typeface="微軟正黑體" pitchFamily="34" charset="-120"/>
-              </a:rPr>
-              <a:t>慈愛跟隨我</a:t>
+              <a:t>有慈愛跟隨我</a:t>
             </a:r>
             <a:endParaRPr lang="en-US" altLang="zh-TW" sz="4800" b="1" dirty="0">
               <a:solidFill>
@@ -3273,47 +3214,27 @@
                 <a:latin typeface="微軟正黑體" pitchFamily="34" charset="-120"/>
                 <a:ea typeface="微軟正黑體" pitchFamily="34" charset="-120"/>
               </a:rPr>
-              <a:t>我要住</a:t>
-            </a:r>
-            <a:r>
-              <a:rPr lang="zh-TW" altLang="en-US" sz="4800" b="1" dirty="0" smtClean="0">
+              <a:t>我要住在</a:t>
+            </a:r>
+            <a:r>
+              <a:rPr lang="zh-CN" altLang="en-US" sz="4800" b="1" dirty="0">
                 <a:solidFill>
                   <a:srgbClr val="660033"/>
                 </a:solidFill>
                 <a:latin typeface="微軟正黑體" pitchFamily="34" charset="-120"/>
                 <a:ea typeface="微軟正黑體" pitchFamily="34" charset="-120"/>
               </a:rPr>
-              <a:t>在</a:t>
-            </a:r>
-            <a:r>
-              <a:rPr lang="zh-CN" altLang="en-US" sz="4800" b="1" dirty="0">
+              <a:t>祢</a:t>
+            </a:r>
+            <a:r>
+              <a:rPr lang="zh-TW" altLang="en-US" sz="4800" b="1" dirty="0">
                 <a:solidFill>
                   <a:srgbClr val="660033"/>
                 </a:solidFill>
                 <a:latin typeface="微軟正黑體" pitchFamily="34" charset="-120"/>
                 <a:ea typeface="微軟正黑體" pitchFamily="34" charset="-120"/>
               </a:rPr>
-              <a:t>袮</a:t>
-            </a:r>
-            <a:r>
-              <a:rPr lang="zh-TW" altLang="en-US" sz="4800" b="1" dirty="0" smtClean="0">
-                <a:solidFill>
-                  <a:srgbClr val="660033"/>
-                </a:solidFill>
-                <a:latin typeface="微軟正黑體" pitchFamily="34" charset="-120"/>
-                <a:ea typeface="微軟正黑體" pitchFamily="34" charset="-120"/>
-              </a:rPr>
-              <a:t>殿</a:t>
-            </a:r>
-            <a:r>
-              <a:rPr lang="zh-TW" altLang="en-US" sz="4800" b="1" dirty="0">
-                <a:solidFill>
-                  <a:srgbClr val="660033"/>
-                </a:solidFill>
-                <a:latin typeface="微軟正黑體" pitchFamily="34" charset="-120"/>
-                <a:ea typeface="微軟正黑體" pitchFamily="34" charset="-120"/>
-              </a:rPr>
-              <a:t>中</a:t>
+              <a:t>殿中</a:t>
             </a:r>
             <a:r>
               <a:rPr lang="en-US" altLang="zh-TW" sz="4800" b="1" dirty="0">
@@ -3347,7 +3268,7 @@
         <p:spPr>
           <a:xfrm>
             <a:off x="0" y="3867894"/>
-            <a:ext cx="9144000" cy="584775"/>
+            <a:ext cx="9144000" cy="461665"/>
           </a:xfrm>
           <a:prstGeom prst="rect">
             <a:avLst/>
@@ -3362,7 +3283,7 @@
           <a:p>
             <a:pPr algn="ctr"/>
             <a:r>
-              <a:rPr lang="en-US" sz="3200" b="1" dirty="0" smtClean="0">
+              <a:rPr lang="en-US" sz="2400" b="1" dirty="0">
                 <a:solidFill>
                   <a:srgbClr val="660033"/>
                 </a:solidFill>
@@ -3372,17 +3293,17 @@
               <a:t>( </a:t>
             </a:r>
             <a:r>
-              <a:rPr lang="zh-CN" altLang="en-US" sz="3200" b="1" dirty="0" smtClean="0">
+              <a:rPr lang="zh-CN" altLang="en-US" sz="2400" b="1" dirty="0">
                 <a:solidFill>
                   <a:srgbClr val="660033"/>
                 </a:solidFill>
                 <a:latin typeface="Microsoft JhengHei" panose="020B0604030504040204" pitchFamily="34" charset="-120"/>
                 <a:ea typeface="Microsoft JhengHei" panose="020B0604030504040204" pitchFamily="34" charset="-120"/>
               </a:rPr>
-              <a:t>副 </a:t>
-            </a:r>
-            <a:r>
-              <a:rPr lang="en-US" altLang="zh-CN" sz="3200" b="1" dirty="0" smtClean="0">
+              <a:t>副歌 </a:t>
+            </a:r>
+            <a:r>
+              <a:rPr lang="en-US" altLang="zh-CN" sz="2400" b="1" dirty="0">
                 <a:solidFill>
                   <a:srgbClr val="660033"/>
                 </a:solidFill>
@@ -3392,26 +3313,16 @@
               <a:t>2</a:t>
             </a:r>
             <a:r>
-              <a:rPr lang="en-US" sz="3200" b="1" dirty="0" smtClean="0">
+              <a:rPr lang="en-US" sz="2400" b="1" dirty="0">
                 <a:solidFill>
                   <a:srgbClr val="660033"/>
                 </a:solidFill>
                 <a:latin typeface="Microsoft JhengHei" panose="020B0604030504040204" pitchFamily="34" charset="-120"/>
                 <a:ea typeface="Microsoft JhengHei" panose="020B0604030504040204" pitchFamily="34" charset="-120"/>
               </a:rPr>
-              <a:t> </a:t>
-            </a:r>
-            <a:r>
-              <a:rPr lang="en-US" sz="3200" b="1" dirty="0" smtClean="0">
-                <a:solidFill>
-                  <a:srgbClr val="660033"/>
-                </a:solidFill>
-                <a:latin typeface="Microsoft JhengHei" panose="020B0604030504040204" pitchFamily="34" charset="-120"/>
-                <a:ea typeface="Microsoft JhengHei" panose="020B0604030504040204" pitchFamily="34" charset="-120"/>
-              </a:rPr>
-              <a:t>)</a:t>
-            </a:r>
-            <a:endParaRPr lang="vi-VN" sz="3200" b="1" dirty="0">
+              <a:t> )</a:t>
+            </a:r>
+            <a:endParaRPr lang="vi-VN" sz="2400" b="1" dirty="0">
               <a:solidFill>
                 <a:srgbClr val="660033"/>
               </a:solidFill>
@@ -3483,19 +3394,9 @@
                 <a:latin typeface="微軟正黑體" pitchFamily="34" charset="-120"/>
                 <a:ea typeface="微軟正黑體" pitchFamily="34" charset="-120"/>
               </a:rPr>
-              <a:t>耶和華是我牧</a:t>
-            </a:r>
-            <a:r>
-              <a:rPr lang="zh-TW" altLang="en-US" sz="4800" b="1" dirty="0" smtClean="0">
-                <a:solidFill>
-                  <a:srgbClr val="660033"/>
-                </a:solidFill>
-                <a:latin typeface="微軟正黑體" pitchFamily="34" charset="-120"/>
-                <a:ea typeface="微軟正黑體" pitchFamily="34" charset="-120"/>
-              </a:rPr>
-              <a:t>者</a:t>
-            </a:r>
-            <a:endParaRPr lang="en-US" altLang="zh-TW" sz="4800" b="1" dirty="0" smtClean="0">
+              <a:t>耶和華是我牧者</a:t>
+            </a:r>
+            <a:endParaRPr lang="en-US" altLang="zh-TW" sz="4800" b="1" dirty="0">
               <a:solidFill>
                 <a:srgbClr val="660033"/>
               </a:solidFill>
@@ -3508,26 +3409,16 @@
               <a:buNone/>
             </a:pPr>
             <a:r>
-              <a:rPr lang="zh-TW" altLang="en-US" sz="4800" b="1" dirty="0" smtClean="0">
+              <a:rPr lang="zh-TW" altLang="en-US" sz="4800" b="1" dirty="0">
                 <a:solidFill>
                   <a:srgbClr val="660033"/>
                 </a:solidFill>
                 <a:latin typeface="微軟正黑體" pitchFamily="34" charset="-120"/>
                 <a:ea typeface="微軟正黑體" pitchFamily="34" charset="-120"/>
               </a:rPr>
-              <a:t>我</a:t>
-            </a:r>
-            <a:r>
-              <a:rPr lang="zh-TW" altLang="en-US" sz="4800" b="1" dirty="0">
-                <a:solidFill>
-                  <a:srgbClr val="660033"/>
-                </a:solidFill>
-                <a:latin typeface="微軟正黑體" pitchFamily="34" charset="-120"/>
-                <a:ea typeface="微軟正黑體" pitchFamily="34" charset="-120"/>
-              </a:rPr>
-              <a:t>必不至缺乏</a:t>
-            </a:r>
-            <a:endParaRPr lang="en-US" altLang="zh-TW" sz="4800" b="1" dirty="0" smtClean="0">
+              <a:t>我必不至缺乏</a:t>
+            </a:r>
+            <a:endParaRPr lang="en-US" altLang="zh-TW" sz="4800" b="1" dirty="0">
               <a:solidFill>
                 <a:srgbClr val="660033"/>
               </a:solidFill>
@@ -3546,7 +3437,7 @@
         <p:spPr>
           <a:xfrm>
             <a:off x="0" y="3867894"/>
-            <a:ext cx="9144000" cy="584775"/>
+            <a:ext cx="9144000" cy="461665"/>
           </a:xfrm>
           <a:prstGeom prst="rect">
             <a:avLst/>
@@ -3561,7 +3452,7 @@
           <a:p>
             <a:pPr algn="ctr"/>
             <a:r>
-              <a:rPr lang="en-US" sz="3200" b="1" dirty="0" smtClean="0">
+              <a:rPr lang="en-US" sz="2400" b="1" dirty="0">
                 <a:solidFill>
                   <a:srgbClr val="660033"/>
                 </a:solidFill>
@@ -3571,17 +3462,17 @@
               <a:t>( </a:t>
             </a:r>
             <a:r>
-              <a:rPr lang="zh-CN" altLang="en-US" sz="3200" b="1" dirty="0" smtClean="0">
+              <a:rPr lang="zh-CN" altLang="en-US" sz="2400" b="1" dirty="0">
                 <a:solidFill>
                   <a:srgbClr val="660033"/>
                 </a:solidFill>
                 <a:latin typeface="Microsoft JhengHei" panose="020B0604030504040204" pitchFamily="34" charset="-120"/>
                 <a:ea typeface="Microsoft JhengHei" panose="020B0604030504040204" pitchFamily="34" charset="-120"/>
               </a:rPr>
-              <a:t>正</a:t>
-            </a:r>
-            <a:r>
-              <a:rPr lang="en-US" sz="3200" b="1" dirty="0" smtClean="0">
+              <a:t>正歌</a:t>
+            </a:r>
+            <a:r>
+              <a:rPr lang="en-US" sz="2400" b="1" dirty="0">
                 <a:solidFill>
                   <a:srgbClr val="660033"/>
                 </a:solidFill>
@@ -3590,7 +3481,7 @@
               </a:rPr>
               <a:t> )</a:t>
             </a:r>
-            <a:endParaRPr lang="vi-VN" sz="3200" b="1" dirty="0">
+            <a:endParaRPr lang="vi-VN" sz="2400" b="1" dirty="0">
               <a:solidFill>
                 <a:srgbClr val="660033"/>
               </a:solidFill>
@@ -3662,49 +3553,7 @@
                 <a:latin typeface="微軟正黑體" pitchFamily="34" charset="-120"/>
                 <a:ea typeface="微軟正黑體" pitchFamily="34" charset="-120"/>
               </a:rPr>
-              <a:t>使我躺臥青草</a:t>
-            </a:r>
-            <a:r>
-              <a:rPr lang="zh-TW" altLang="en-US" sz="4800" b="1" dirty="0" smtClean="0">
-                <a:solidFill>
-                  <a:srgbClr val="660033"/>
-                </a:solidFill>
-                <a:latin typeface="微軟正黑體" pitchFamily="34" charset="-120"/>
-                <a:ea typeface="微軟正黑體" pitchFamily="34" charset="-120"/>
-              </a:rPr>
-              <a:t>地</a:t>
-            </a:r>
-            <a:endParaRPr lang="en-US" altLang="zh-TW" sz="4800" b="1" dirty="0" smtClean="0">
-              <a:solidFill>
-                <a:srgbClr val="660033"/>
-              </a:solidFill>
-              <a:latin typeface="微軟正黑體" pitchFamily="34" charset="-120"/>
-              <a:ea typeface="微軟正黑體" pitchFamily="34" charset="-120"/>
-            </a:endParaRPr>
-          </a:p>
-          <a:p>
-            <a:pPr algn="ctr">
-              <a:buNone/>
-            </a:pPr>
-            <a:r>
-              <a:rPr lang="zh-TW" altLang="en-US" sz="4800" b="1" dirty="0" smtClean="0">
-                <a:solidFill>
-                  <a:srgbClr val="660033"/>
-                </a:solidFill>
-                <a:latin typeface="微軟正黑體" pitchFamily="34" charset="-120"/>
-                <a:ea typeface="微軟正黑體" pitchFamily="34" charset="-120"/>
-              </a:rPr>
-              <a:t>在</a:t>
-            </a:r>
-            <a:r>
-              <a:rPr lang="zh-TW" altLang="en-US" sz="4800" b="1" dirty="0">
-                <a:solidFill>
-                  <a:srgbClr val="660033"/>
-                </a:solidFill>
-                <a:latin typeface="微軟正黑體" pitchFamily="34" charset="-120"/>
-                <a:ea typeface="微軟正黑體" pitchFamily="34" charset="-120"/>
-              </a:rPr>
-              <a:t>安歇的水邊</a:t>
+              <a:t>使我躺臥青草地</a:t>
             </a:r>
             <a:endParaRPr lang="en-US" altLang="zh-TW" sz="4800" b="1" dirty="0">
               <a:solidFill>
@@ -3714,6 +3563,28 @@
               <a:ea typeface="微軟正黑體" pitchFamily="34" charset="-120"/>
             </a:endParaRPr>
           </a:p>
+          <a:p>
+            <a:pPr algn="ctr">
+              <a:buNone/>
+            </a:pPr>
+            <a:r>
+              <a:rPr lang="zh-TW" altLang="en-US" sz="4800" b="1" dirty="0">
+                <a:solidFill>
+                  <a:srgbClr val="660033"/>
+                </a:solidFill>
+                <a:latin typeface="微軟正黑體" pitchFamily="34" charset="-120"/>
+                <a:ea typeface="微軟正黑體" pitchFamily="34" charset="-120"/>
+              </a:rPr>
+              <a:t>在安歇的水邊</a:t>
+            </a:r>
+            <a:endParaRPr lang="en-US" altLang="zh-TW" sz="4800" b="1" dirty="0">
+              <a:solidFill>
+                <a:srgbClr val="660033"/>
+              </a:solidFill>
+              <a:latin typeface="微軟正黑體" pitchFamily="34" charset="-120"/>
+              <a:ea typeface="微軟正黑體" pitchFamily="34" charset="-120"/>
+            </a:endParaRPr>
+          </a:p>
         </p:txBody>
       </p:sp>
       <p:sp>
@@ -3725,7 +3596,7 @@
         <p:spPr>
           <a:xfrm>
             <a:off x="0" y="3867894"/>
-            <a:ext cx="9144000" cy="584775"/>
+            <a:ext cx="9144000" cy="461665"/>
           </a:xfrm>
           <a:prstGeom prst="rect">
             <a:avLst/>
@@ -3740,7 +3611,7 @@
           <a:p>
             <a:pPr algn="ctr"/>
             <a:r>
-              <a:rPr lang="en-US" sz="3200" b="1" dirty="0" smtClean="0">
+              <a:rPr lang="en-US" sz="2400" b="1" dirty="0">
                 <a:solidFill>
                   <a:srgbClr val="660033"/>
                 </a:solidFill>
@@ -3750,17 +3621,17 @@
               <a:t>( </a:t>
             </a:r>
             <a:r>
-              <a:rPr lang="zh-CN" altLang="en-US" sz="3200" b="1" dirty="0" smtClean="0">
+              <a:rPr lang="zh-CN" altLang="en-US" sz="2400" b="1" dirty="0">
                 <a:solidFill>
                   <a:srgbClr val="660033"/>
                 </a:solidFill>
                 <a:latin typeface="Microsoft JhengHei" panose="020B0604030504040204" pitchFamily="34" charset="-120"/>
                 <a:ea typeface="Microsoft JhengHei" panose="020B0604030504040204" pitchFamily="34" charset="-120"/>
               </a:rPr>
-              <a:t>正</a:t>
-            </a:r>
-            <a:r>
-              <a:rPr lang="en-US" sz="3200" b="1" dirty="0" smtClean="0">
+              <a:t>正歌</a:t>
+            </a:r>
+            <a:r>
+              <a:rPr lang="en-US" sz="2400" b="1" dirty="0">
                 <a:solidFill>
                   <a:srgbClr val="660033"/>
                 </a:solidFill>
@@ -3769,7 +3640,7 @@
               </a:rPr>
               <a:t> )</a:t>
             </a:r>
-            <a:endParaRPr lang="vi-VN" sz="3200" b="1" dirty="0">
+            <a:endParaRPr lang="vi-VN" sz="2400" b="1" dirty="0">
               <a:solidFill>
                 <a:srgbClr val="660033"/>
               </a:solidFill>
@@ -3841,49 +3712,7 @@
                 <a:latin typeface="微軟正黑體" pitchFamily="34" charset="-120"/>
                 <a:ea typeface="微軟正黑體" pitchFamily="34" charset="-120"/>
               </a:rPr>
-              <a:t>祂使我靈魂甦</a:t>
-            </a:r>
-            <a:r>
-              <a:rPr lang="zh-TW" altLang="en-US" sz="4800" b="1" dirty="0" smtClean="0">
-                <a:solidFill>
-                  <a:srgbClr val="660033"/>
-                </a:solidFill>
-                <a:latin typeface="微軟正黑體" pitchFamily="34" charset="-120"/>
-                <a:ea typeface="微軟正黑體" pitchFamily="34" charset="-120"/>
-              </a:rPr>
-              <a:t>醒</a:t>
-            </a:r>
-            <a:endParaRPr lang="en-US" altLang="zh-TW" sz="4800" b="1" dirty="0" smtClean="0">
-              <a:solidFill>
-                <a:srgbClr val="660033"/>
-              </a:solidFill>
-              <a:latin typeface="微軟正黑體" pitchFamily="34" charset="-120"/>
-              <a:ea typeface="微軟正黑體" pitchFamily="34" charset="-120"/>
-            </a:endParaRPr>
-          </a:p>
-          <a:p>
-            <a:pPr algn="ctr">
-              <a:buNone/>
-            </a:pPr>
-            <a:r>
-              <a:rPr lang="zh-TW" altLang="en-US" sz="4800" b="1" dirty="0" smtClean="0">
-                <a:solidFill>
-                  <a:srgbClr val="660033"/>
-                </a:solidFill>
-                <a:latin typeface="微軟正黑體" pitchFamily="34" charset="-120"/>
-                <a:ea typeface="微軟正黑體" pitchFamily="34" charset="-120"/>
-              </a:rPr>
-              <a:t>引</a:t>
-            </a:r>
-            <a:r>
-              <a:rPr lang="zh-TW" altLang="en-US" sz="4800" b="1" dirty="0">
-                <a:solidFill>
-                  <a:srgbClr val="660033"/>
-                </a:solidFill>
-                <a:latin typeface="微軟正黑體" pitchFamily="34" charset="-120"/>
-                <a:ea typeface="微軟正黑體" pitchFamily="34" charset="-120"/>
-              </a:rPr>
-              <a:t>我走正義路</a:t>
+              <a:t>祂使我靈魂甦醒</a:t>
             </a:r>
             <a:endParaRPr lang="en-US" altLang="zh-TW" sz="4800" b="1" dirty="0">
               <a:solidFill>
@@ -3893,6 +3722,28 @@
               <a:ea typeface="微軟正黑體" pitchFamily="34" charset="-120"/>
             </a:endParaRPr>
           </a:p>
+          <a:p>
+            <a:pPr algn="ctr">
+              <a:buNone/>
+            </a:pPr>
+            <a:r>
+              <a:rPr lang="zh-TW" altLang="en-US" sz="4800" b="1" dirty="0">
+                <a:solidFill>
+                  <a:srgbClr val="660033"/>
+                </a:solidFill>
+                <a:latin typeface="微軟正黑體" pitchFamily="34" charset="-120"/>
+                <a:ea typeface="微軟正黑體" pitchFamily="34" charset="-120"/>
+              </a:rPr>
+              <a:t>引我走正義路</a:t>
+            </a:r>
+            <a:endParaRPr lang="en-US" altLang="zh-TW" sz="4800" b="1" dirty="0">
+              <a:solidFill>
+                <a:srgbClr val="660033"/>
+              </a:solidFill>
+              <a:latin typeface="微軟正黑體" pitchFamily="34" charset="-120"/>
+              <a:ea typeface="微軟正黑體" pitchFamily="34" charset="-120"/>
+            </a:endParaRPr>
+          </a:p>
         </p:txBody>
       </p:sp>
       <p:sp>
@@ -3904,7 +3755,7 @@
         <p:spPr>
           <a:xfrm>
             <a:off x="0" y="3867894"/>
-            <a:ext cx="9144000" cy="584775"/>
+            <a:ext cx="9144000" cy="461665"/>
           </a:xfrm>
           <a:prstGeom prst="rect">
             <a:avLst/>
@@ -3919,7 +3770,7 @@
           <a:p>
             <a:pPr algn="ctr"/>
             <a:r>
-              <a:rPr lang="en-US" sz="3200" b="1" dirty="0" smtClean="0">
+              <a:rPr lang="en-US" sz="2400" b="1" dirty="0">
                 <a:solidFill>
                   <a:srgbClr val="660033"/>
                 </a:solidFill>
@@ -3929,17 +3780,17 @@
               <a:t>( </a:t>
             </a:r>
             <a:r>
-              <a:rPr lang="zh-CN" altLang="en-US" sz="3200" b="1" dirty="0" smtClean="0">
+              <a:rPr lang="zh-CN" altLang="en-US" sz="2400" b="1" dirty="0">
                 <a:solidFill>
                   <a:srgbClr val="660033"/>
                 </a:solidFill>
                 <a:latin typeface="Microsoft JhengHei" panose="020B0604030504040204" pitchFamily="34" charset="-120"/>
                 <a:ea typeface="Microsoft JhengHei" panose="020B0604030504040204" pitchFamily="34" charset="-120"/>
               </a:rPr>
-              <a:t>正</a:t>
-            </a:r>
-            <a:r>
-              <a:rPr lang="en-US" sz="3200" b="1" dirty="0" smtClean="0">
+              <a:t>正歌</a:t>
+            </a:r>
+            <a:r>
+              <a:rPr lang="en-US" sz="2400" b="1" dirty="0">
                 <a:solidFill>
                   <a:srgbClr val="660033"/>
                 </a:solidFill>
@@ -3948,7 +3799,7 @@
               </a:rPr>
               <a:t> )</a:t>
             </a:r>
-            <a:endParaRPr lang="vi-VN" sz="3200" b="1" dirty="0">
+            <a:endParaRPr lang="vi-VN" sz="2400" b="1" dirty="0">
               <a:solidFill>
                 <a:srgbClr val="660033"/>
               </a:solidFill>
@@ -4020,19 +3871,9 @@
                 <a:latin typeface="微軟正黑體" pitchFamily="34" charset="-120"/>
                 <a:ea typeface="微軟正黑體" pitchFamily="34" charset="-120"/>
               </a:rPr>
-              <a:t>我雖過死蔭幽</a:t>
-            </a:r>
-            <a:r>
-              <a:rPr lang="zh-TW" altLang="en-US" sz="4800" b="1" dirty="0" smtClean="0">
-                <a:solidFill>
-                  <a:srgbClr val="660033"/>
-                </a:solidFill>
-                <a:latin typeface="微軟正黑體" pitchFamily="34" charset="-120"/>
-                <a:ea typeface="微軟正黑體" pitchFamily="34" charset="-120"/>
-              </a:rPr>
-              <a:t>谷</a:t>
-            </a:r>
-            <a:endParaRPr lang="en-US" altLang="zh-TW" sz="4800" b="1" dirty="0" smtClean="0">
+              <a:t>我雖過死蔭幽谷</a:t>
+            </a:r>
+            <a:endParaRPr lang="en-US" altLang="zh-TW" sz="4800" b="1" dirty="0">
               <a:solidFill>
                 <a:srgbClr val="660033"/>
               </a:solidFill>
@@ -4045,24 +3886,14 @@
               <a:buNone/>
             </a:pPr>
             <a:r>
-              <a:rPr lang="zh-TW" altLang="en-US" sz="4800" b="1" dirty="0" smtClean="0">
+              <a:rPr lang="zh-TW" altLang="en-US" sz="4800" b="1" dirty="0">
                 <a:solidFill>
                   <a:srgbClr val="660033"/>
                 </a:solidFill>
                 <a:latin typeface="微軟正黑體" pitchFamily="34" charset="-120"/>
                 <a:ea typeface="微軟正黑體" pitchFamily="34" charset="-120"/>
               </a:rPr>
-              <a:t>也</a:t>
-            </a:r>
-            <a:r>
-              <a:rPr lang="zh-TW" altLang="en-US" sz="4800" b="1" dirty="0">
-                <a:solidFill>
-                  <a:srgbClr val="660033"/>
-                </a:solidFill>
-                <a:latin typeface="微軟正黑體" pitchFamily="34" charset="-120"/>
-                <a:ea typeface="微軟正黑體" pitchFamily="34" charset="-120"/>
-              </a:rPr>
-              <a:t>必不怕遭害</a:t>
+              <a:t>也必不怕遭害</a:t>
             </a:r>
           </a:p>
         </p:txBody>
@@ -4076,7 +3907,7 @@
         <p:spPr>
           <a:xfrm>
             <a:off x="0" y="3867894"/>
-            <a:ext cx="9144000" cy="584775"/>
+            <a:ext cx="9144000" cy="461665"/>
           </a:xfrm>
           <a:prstGeom prst="rect">
             <a:avLst/>
@@ -4091,7 +3922,7 @@
           <a:p>
             <a:pPr algn="ctr"/>
             <a:r>
-              <a:rPr lang="en-US" sz="3200" b="1" dirty="0" smtClean="0">
+              <a:rPr lang="en-US" sz="2400" b="1" dirty="0">
                 <a:solidFill>
                   <a:srgbClr val="660033"/>
                 </a:solidFill>
@@ -4101,17 +3932,17 @@
               <a:t>( </a:t>
             </a:r>
             <a:r>
-              <a:rPr lang="zh-CN" altLang="en-US" sz="3200" b="1" dirty="0" smtClean="0">
+              <a:rPr lang="zh-CN" altLang="en-US" sz="2400" b="1" dirty="0">
                 <a:solidFill>
                   <a:srgbClr val="660033"/>
                 </a:solidFill>
                 <a:latin typeface="Microsoft JhengHei" panose="020B0604030504040204" pitchFamily="34" charset="-120"/>
                 <a:ea typeface="Microsoft JhengHei" panose="020B0604030504040204" pitchFamily="34" charset="-120"/>
               </a:rPr>
-              <a:t>正</a:t>
-            </a:r>
-            <a:r>
-              <a:rPr lang="en-US" sz="3200" b="1" dirty="0" smtClean="0">
+              <a:t>正歌</a:t>
+            </a:r>
+            <a:r>
+              <a:rPr lang="en-US" sz="2400" b="1" dirty="0">
                 <a:solidFill>
                   <a:srgbClr val="660033"/>
                 </a:solidFill>
@@ -4120,7 +3951,7 @@
               </a:rPr>
               <a:t> )</a:t>
             </a:r>
-            <a:endParaRPr lang="vi-VN" sz="3200" b="1" dirty="0">
+            <a:endParaRPr lang="vi-VN" sz="2400" b="1" dirty="0">
               <a:solidFill>
                 <a:srgbClr val="660033"/>
               </a:solidFill>
@@ -4207,34 +4038,24 @@
               <a:buNone/>
             </a:pPr>
             <a:r>
-              <a:rPr lang="zh-CN" altLang="en-US" sz="4800" b="1" dirty="0" smtClean="0">
+              <a:rPr lang="zh-CN" altLang="en-US" sz="4800" b="1" dirty="0">
                 <a:solidFill>
                   <a:srgbClr val="660033"/>
                 </a:solidFill>
                 <a:latin typeface="微軟正黑體" pitchFamily="34" charset="-120"/>
                 <a:ea typeface="微軟正黑體" pitchFamily="34" charset="-120"/>
               </a:rPr>
-              <a:t>袮</a:t>
-            </a:r>
-            <a:r>
-              <a:rPr lang="zh-TW" altLang="en-US" sz="4800" b="1" dirty="0" smtClean="0">
+              <a:t>祢</a:t>
+            </a:r>
+            <a:r>
+              <a:rPr lang="zh-TW" altLang="en-US" sz="4800" b="1" dirty="0">
                 <a:solidFill>
                   <a:srgbClr val="660033"/>
                 </a:solidFill>
                 <a:latin typeface="微軟正黑體" pitchFamily="34" charset="-120"/>
                 <a:ea typeface="微軟正黑體" pitchFamily="34" charset="-120"/>
               </a:rPr>
-              <a:t>用</a:t>
-            </a:r>
-            <a:r>
-              <a:rPr lang="zh-TW" altLang="en-US" sz="4800" b="1" dirty="0">
-                <a:solidFill>
-                  <a:srgbClr val="660033"/>
-                </a:solidFill>
-                <a:latin typeface="微軟正黑體" pitchFamily="34" charset="-120"/>
-                <a:ea typeface="微軟正黑體" pitchFamily="34" charset="-120"/>
-              </a:rPr>
-              <a:t>油膏我的頭</a:t>
+              <a:t>用油膏我的頭</a:t>
             </a:r>
             <a:r>
               <a:rPr lang="en-US" altLang="zh-TW" sz="4800" b="1" dirty="0">
@@ -4289,7 +4110,7 @@
           <a:lstStyle/>
           <a:p>
             <a:r>
-              <a:rPr lang="zh-TW" altLang="en-US" sz="4800" b="1" dirty="0" smtClean="0">
+              <a:rPr lang="zh-TW" altLang="en-US" sz="4800" b="1" dirty="0">
                 <a:solidFill>
                   <a:srgbClr val="660033"/>
                 </a:solidFill>
@@ -4315,7 +4136,7 @@
         <p:spPr>
           <a:xfrm>
             <a:off x="0" y="3867894"/>
-            <a:ext cx="9144000" cy="584775"/>
+            <a:ext cx="9144000" cy="461665"/>
           </a:xfrm>
           <a:prstGeom prst="rect">
             <a:avLst/>
@@ -4330,7 +4151,7 @@
           <a:p>
             <a:pPr algn="ctr"/>
             <a:r>
-              <a:rPr lang="en-US" sz="3200" b="1" dirty="0" smtClean="0">
+              <a:rPr lang="en-US" sz="2400" b="1" dirty="0">
                 <a:solidFill>
                   <a:srgbClr val="660033"/>
                 </a:solidFill>
@@ -4340,17 +4161,17 @@
               <a:t>( </a:t>
             </a:r>
             <a:r>
-              <a:rPr lang="zh-CN" altLang="en-US" sz="3200" b="1" dirty="0" smtClean="0">
+              <a:rPr lang="zh-CN" altLang="en-US" sz="2400" b="1" dirty="0">
                 <a:solidFill>
                   <a:srgbClr val="660033"/>
                 </a:solidFill>
                 <a:latin typeface="Microsoft JhengHei" panose="020B0604030504040204" pitchFamily="34" charset="-120"/>
                 <a:ea typeface="Microsoft JhengHei" panose="020B0604030504040204" pitchFamily="34" charset="-120"/>
               </a:rPr>
-              <a:t>副 </a:t>
-            </a:r>
-            <a:r>
-              <a:rPr lang="en-US" altLang="zh-CN" sz="3200" b="1" dirty="0" smtClean="0">
+              <a:t>副歌 </a:t>
+            </a:r>
+            <a:r>
+              <a:rPr lang="en-US" altLang="zh-CN" sz="2400" b="1" dirty="0">
                 <a:solidFill>
                   <a:srgbClr val="660033"/>
                 </a:solidFill>
@@ -4360,26 +4181,16 @@
               <a:t>1</a:t>
             </a:r>
             <a:r>
-              <a:rPr lang="en-US" sz="3200" b="1" dirty="0" smtClean="0">
+              <a:rPr lang="en-US" sz="2400" b="1" dirty="0">
                 <a:solidFill>
                   <a:srgbClr val="660033"/>
                 </a:solidFill>
                 <a:latin typeface="Microsoft JhengHei" panose="020B0604030504040204" pitchFamily="34" charset="-120"/>
                 <a:ea typeface="Microsoft JhengHei" panose="020B0604030504040204" pitchFamily="34" charset="-120"/>
               </a:rPr>
-              <a:t> </a:t>
-            </a:r>
-            <a:r>
-              <a:rPr lang="en-US" sz="3200" b="1" dirty="0" smtClean="0">
-                <a:solidFill>
-                  <a:srgbClr val="660033"/>
-                </a:solidFill>
-                <a:latin typeface="Microsoft JhengHei" panose="020B0604030504040204" pitchFamily="34" charset="-120"/>
-                <a:ea typeface="Microsoft JhengHei" panose="020B0604030504040204" pitchFamily="34" charset="-120"/>
-              </a:rPr>
-              <a:t>)</a:t>
-            </a:r>
-            <a:endParaRPr lang="vi-VN" sz="3200" b="1" dirty="0">
+              <a:t> )</a:t>
+            </a:r>
+            <a:endParaRPr lang="vi-VN" sz="2400" b="1" dirty="0">
               <a:solidFill>
                 <a:srgbClr val="660033"/>
               </a:solidFill>
@@ -4451,49 +4262,7 @@
                 <a:latin typeface="微軟正黑體" pitchFamily="34" charset="-120"/>
                 <a:ea typeface="微軟正黑體" pitchFamily="34" charset="-120"/>
               </a:rPr>
-              <a:t>一生一世有恩</a:t>
-            </a:r>
-            <a:r>
-              <a:rPr lang="zh-TW" altLang="en-US" sz="4800" b="1" dirty="0" smtClean="0">
-                <a:solidFill>
-                  <a:srgbClr val="660033"/>
-                </a:solidFill>
-                <a:latin typeface="微軟正黑體" pitchFamily="34" charset="-120"/>
-                <a:ea typeface="微軟正黑體" pitchFamily="34" charset="-120"/>
-              </a:rPr>
-              <a:t>惠</a:t>
-            </a:r>
-            <a:endParaRPr lang="en-US" altLang="zh-TW" sz="4800" b="1" dirty="0" smtClean="0">
-              <a:solidFill>
-                <a:srgbClr val="660033"/>
-              </a:solidFill>
-              <a:latin typeface="微軟正黑體" pitchFamily="34" charset="-120"/>
-              <a:ea typeface="微軟正黑體" pitchFamily="34" charset="-120"/>
-            </a:endParaRPr>
-          </a:p>
-          <a:p>
-            <a:pPr algn="ctr">
-              <a:buNone/>
-            </a:pPr>
-            <a:r>
-              <a:rPr lang="zh-TW" altLang="en-US" sz="4800" b="1" dirty="0" smtClean="0">
-                <a:solidFill>
-                  <a:srgbClr val="660033"/>
-                </a:solidFill>
-                <a:latin typeface="微軟正黑體" pitchFamily="34" charset="-120"/>
-                <a:ea typeface="微軟正黑體" pitchFamily="34" charset="-120"/>
-              </a:rPr>
-              <a:t>有</a:t>
-            </a:r>
-            <a:r>
-              <a:rPr lang="zh-TW" altLang="en-US" sz="4800" b="1" dirty="0">
-                <a:solidFill>
-                  <a:srgbClr val="660033"/>
-                </a:solidFill>
-                <a:latin typeface="微軟正黑體" pitchFamily="34" charset="-120"/>
-                <a:ea typeface="微軟正黑體" pitchFamily="34" charset="-120"/>
-              </a:rPr>
-              <a:t>慈愛跟隨我</a:t>
+              <a:t>一生一世有恩惠</a:t>
             </a:r>
             <a:endParaRPr lang="en-US" altLang="zh-TW" sz="4800" b="1" dirty="0">
               <a:solidFill>
@@ -4503,6 +4272,28 @@
               <a:ea typeface="微軟正黑體" pitchFamily="34" charset="-120"/>
             </a:endParaRPr>
           </a:p>
+          <a:p>
+            <a:pPr algn="ctr">
+              <a:buNone/>
+            </a:pPr>
+            <a:r>
+              <a:rPr lang="zh-TW" altLang="en-US" sz="4800" b="1" dirty="0">
+                <a:solidFill>
+                  <a:srgbClr val="660033"/>
+                </a:solidFill>
+                <a:latin typeface="微軟正黑體" pitchFamily="34" charset="-120"/>
+                <a:ea typeface="微軟正黑體" pitchFamily="34" charset="-120"/>
+              </a:rPr>
+              <a:t>有慈愛跟隨我</a:t>
+            </a:r>
+            <a:endParaRPr lang="en-US" altLang="zh-TW" sz="4800" b="1" dirty="0">
+              <a:solidFill>
+                <a:srgbClr val="660033"/>
+              </a:solidFill>
+              <a:latin typeface="微軟正黑體" pitchFamily="34" charset="-120"/>
+              <a:ea typeface="微軟正黑體" pitchFamily="34" charset="-120"/>
+            </a:endParaRPr>
+          </a:p>
         </p:txBody>
       </p:sp>
       <p:sp>
@@ -4514,7 +4305,7 @@
         <p:spPr>
           <a:xfrm>
             <a:off x="0" y="3867894"/>
-            <a:ext cx="9144000" cy="584775"/>
+            <a:ext cx="9144000" cy="461665"/>
           </a:xfrm>
           <a:prstGeom prst="rect">
             <a:avLst/>
@@ -4529,7 +4320,7 @@
           <a:p>
             <a:pPr algn="ctr"/>
             <a:r>
-              <a:rPr lang="en-US" sz="3200" b="1" dirty="0" smtClean="0">
+              <a:rPr lang="en-US" sz="2400" b="1" dirty="0">
                 <a:solidFill>
                   <a:srgbClr val="660033"/>
                 </a:solidFill>
@@ -4539,17 +4330,17 @@
               <a:t>( </a:t>
             </a:r>
             <a:r>
-              <a:rPr lang="zh-CN" altLang="en-US" sz="3200" b="1" dirty="0" smtClean="0">
+              <a:rPr lang="zh-CN" altLang="en-US" sz="2400" b="1" dirty="0">
                 <a:solidFill>
                   <a:srgbClr val="660033"/>
                 </a:solidFill>
                 <a:latin typeface="Microsoft JhengHei" panose="020B0604030504040204" pitchFamily="34" charset="-120"/>
                 <a:ea typeface="Microsoft JhengHei" panose="020B0604030504040204" pitchFamily="34" charset="-120"/>
               </a:rPr>
-              <a:t>副 </a:t>
-            </a:r>
-            <a:r>
-              <a:rPr lang="en-US" altLang="zh-CN" sz="3200" b="1" dirty="0" smtClean="0">
+              <a:t>副歌 </a:t>
+            </a:r>
+            <a:r>
+              <a:rPr lang="en-US" altLang="zh-CN" sz="2400" b="1" dirty="0">
                 <a:solidFill>
                   <a:srgbClr val="660033"/>
                 </a:solidFill>
@@ -4559,26 +4350,16 @@
               <a:t>1</a:t>
             </a:r>
             <a:r>
-              <a:rPr lang="en-US" sz="3200" b="1" dirty="0" smtClean="0">
+              <a:rPr lang="en-US" sz="2400" b="1" dirty="0">
                 <a:solidFill>
                   <a:srgbClr val="660033"/>
                 </a:solidFill>
                 <a:latin typeface="Microsoft JhengHei" panose="020B0604030504040204" pitchFamily="34" charset="-120"/>
                 <a:ea typeface="Microsoft JhengHei" panose="020B0604030504040204" pitchFamily="34" charset="-120"/>
               </a:rPr>
-              <a:t> </a:t>
-            </a:r>
-            <a:r>
-              <a:rPr lang="en-US" sz="3200" b="1" dirty="0" smtClean="0">
-                <a:solidFill>
-                  <a:srgbClr val="660033"/>
-                </a:solidFill>
-                <a:latin typeface="Microsoft JhengHei" panose="020B0604030504040204" pitchFamily="34" charset="-120"/>
-                <a:ea typeface="Microsoft JhengHei" panose="020B0604030504040204" pitchFamily="34" charset="-120"/>
-              </a:rPr>
-              <a:t>)</a:t>
-            </a:r>
-            <a:endParaRPr lang="vi-VN" sz="3200" b="1" dirty="0">
+              <a:t> )</a:t>
+            </a:r>
+            <a:endParaRPr lang="vi-VN" sz="2400" b="1" dirty="0">
               <a:solidFill>
                 <a:srgbClr val="660033"/>
               </a:solidFill>
@@ -4650,39 +4431,29 @@
                 <a:latin typeface="微軟正黑體" pitchFamily="34" charset="-120"/>
                 <a:ea typeface="微軟正黑體" pitchFamily="34" charset="-120"/>
               </a:rPr>
-              <a:t>我要住</a:t>
-            </a:r>
-            <a:r>
-              <a:rPr lang="zh-TW" altLang="en-US" sz="4800" b="1" dirty="0" smtClean="0">
+              <a:t>我要住在</a:t>
+            </a:r>
+            <a:r>
+              <a:rPr lang="zh-CN" altLang="en-US" sz="4800" b="1" dirty="0">
                 <a:solidFill>
                   <a:srgbClr val="660033"/>
                 </a:solidFill>
                 <a:latin typeface="微軟正黑體" pitchFamily="34" charset="-120"/>
                 <a:ea typeface="微軟正黑體" pitchFamily="34" charset="-120"/>
               </a:rPr>
-              <a:t>在</a:t>
-            </a:r>
-            <a:r>
-              <a:rPr lang="zh-CN" altLang="en-US" sz="4800" b="1" dirty="0">
+              <a:t>祢</a:t>
+            </a:r>
+            <a:r>
+              <a:rPr lang="zh-TW" altLang="en-US" sz="4800" b="1" dirty="0">
                 <a:solidFill>
                   <a:srgbClr val="660033"/>
                 </a:solidFill>
                 <a:latin typeface="微軟正黑體" pitchFamily="34" charset="-120"/>
                 <a:ea typeface="微軟正黑體" pitchFamily="34" charset="-120"/>
               </a:rPr>
-              <a:t>袮</a:t>
-            </a:r>
-            <a:r>
-              <a:rPr lang="zh-TW" altLang="en-US" sz="4800" b="1" dirty="0" smtClean="0">
-                <a:solidFill>
-                  <a:srgbClr val="660033"/>
-                </a:solidFill>
-                <a:latin typeface="微軟正黑體" pitchFamily="34" charset="-120"/>
-                <a:ea typeface="微軟正黑體" pitchFamily="34" charset="-120"/>
-              </a:rPr>
               <a:t>殿中</a:t>
             </a:r>
-            <a:endParaRPr lang="en-US" altLang="zh-TW" sz="4800" b="1" dirty="0" smtClean="0">
+            <a:endParaRPr lang="en-US" altLang="zh-TW" sz="4800" b="1" dirty="0">
               <a:solidFill>
                 <a:srgbClr val="660033"/>
               </a:solidFill>
@@ -4695,24 +4466,14 @@
               <a:buNone/>
             </a:pPr>
             <a:r>
-              <a:rPr lang="zh-TW" altLang="en-US" sz="4800" b="1" dirty="0" smtClean="0">
+              <a:rPr lang="zh-TW" altLang="en-US" sz="4800" b="1" dirty="0">
                 <a:solidFill>
                   <a:srgbClr val="660033"/>
                 </a:solidFill>
                 <a:latin typeface="微軟正黑體" pitchFamily="34" charset="-120"/>
                 <a:ea typeface="微軟正黑體" pitchFamily="34" charset="-120"/>
               </a:rPr>
-              <a:t>直</a:t>
-            </a:r>
-            <a:r>
-              <a:rPr lang="zh-TW" altLang="en-US" sz="4800" b="1" dirty="0">
-                <a:solidFill>
-                  <a:srgbClr val="660033"/>
-                </a:solidFill>
-                <a:latin typeface="微軟正黑體" pitchFamily="34" charset="-120"/>
-                <a:ea typeface="微軟正黑體" pitchFamily="34" charset="-120"/>
-              </a:rPr>
-              <a:t>到永永遠遠</a:t>
+              <a:t>直到永永遠遠</a:t>
             </a:r>
           </a:p>
         </p:txBody>
@@ -4726,7 +4487,7 @@
         <p:spPr>
           <a:xfrm>
             <a:off x="0" y="3867894"/>
-            <a:ext cx="9144000" cy="584775"/>
+            <a:ext cx="9144000" cy="461665"/>
           </a:xfrm>
           <a:prstGeom prst="rect">
             <a:avLst/>
@@ -4741,7 +4502,7 @@
           <a:p>
             <a:pPr algn="ctr"/>
             <a:r>
-              <a:rPr lang="en-US" sz="3200" b="1" dirty="0" smtClean="0">
+              <a:rPr lang="en-US" sz="2400" b="1" dirty="0">
                 <a:solidFill>
                   <a:srgbClr val="660033"/>
                 </a:solidFill>
@@ -4751,17 +4512,17 @@
               <a:t>( </a:t>
             </a:r>
             <a:r>
-              <a:rPr lang="zh-CN" altLang="en-US" sz="3200" b="1" dirty="0" smtClean="0">
+              <a:rPr lang="zh-CN" altLang="en-US" sz="2400" b="1" dirty="0">
                 <a:solidFill>
                   <a:srgbClr val="660033"/>
                 </a:solidFill>
                 <a:latin typeface="Microsoft JhengHei" panose="020B0604030504040204" pitchFamily="34" charset="-120"/>
                 <a:ea typeface="Microsoft JhengHei" panose="020B0604030504040204" pitchFamily="34" charset="-120"/>
               </a:rPr>
-              <a:t>副 </a:t>
-            </a:r>
-            <a:r>
-              <a:rPr lang="en-US" altLang="zh-CN" sz="3200" b="1" dirty="0" smtClean="0">
+              <a:t>副歌 </a:t>
+            </a:r>
+            <a:r>
+              <a:rPr lang="en-US" altLang="zh-CN" sz="2400" b="1" dirty="0">
                 <a:solidFill>
                   <a:srgbClr val="660033"/>
                 </a:solidFill>
@@ -4771,26 +4532,16 @@
               <a:t>1</a:t>
             </a:r>
             <a:r>
-              <a:rPr lang="en-US" sz="3200" b="1" dirty="0" smtClean="0">
+              <a:rPr lang="en-US" sz="2400" b="1" dirty="0">
                 <a:solidFill>
                   <a:srgbClr val="660033"/>
                 </a:solidFill>
                 <a:latin typeface="Microsoft JhengHei" panose="020B0604030504040204" pitchFamily="34" charset="-120"/>
                 <a:ea typeface="Microsoft JhengHei" panose="020B0604030504040204" pitchFamily="34" charset="-120"/>
               </a:rPr>
-              <a:t> </a:t>
-            </a:r>
-            <a:r>
-              <a:rPr lang="en-US" sz="3200" b="1" dirty="0" smtClean="0">
-                <a:solidFill>
-                  <a:srgbClr val="660033"/>
-                </a:solidFill>
-                <a:latin typeface="Microsoft JhengHei" panose="020B0604030504040204" pitchFamily="34" charset="-120"/>
-                <a:ea typeface="Microsoft JhengHei" panose="020B0604030504040204" pitchFamily="34" charset="-120"/>
-              </a:rPr>
-              <a:t>)</a:t>
-            </a:r>
-            <a:endParaRPr lang="vi-VN" sz="3200" b="1" dirty="0">
+              <a:t> )</a:t>
+            </a:r>
+            <a:endParaRPr lang="vi-VN" sz="2400" b="1" dirty="0">
               <a:solidFill>
                 <a:srgbClr val="660033"/>
               </a:solidFill>
@@ -4862,17 +4613,17 @@
                 <a:latin typeface="微軟正黑體" pitchFamily="34" charset="-120"/>
                 <a:ea typeface="微軟正黑體" pitchFamily="34" charset="-120"/>
               </a:rPr>
-              <a:t>嘿嘿喲 </a:t>
-            </a:r>
-            <a:r>
-              <a:rPr lang="zh-TW" altLang="en-US" sz="4800" b="1" dirty="0" smtClean="0">
+              <a:t>嘿嘿喲  嘿嘿喲</a:t>
+            </a:r>
+            <a:r>
+              <a:rPr lang="en-US" altLang="zh-TW" sz="4800" b="1" dirty="0">
                 <a:solidFill>
                   <a:srgbClr val="660033"/>
                 </a:solidFill>
                 <a:latin typeface="微軟正黑體" pitchFamily="34" charset="-120"/>
                 <a:ea typeface="微軟正黑體" pitchFamily="34" charset="-120"/>
               </a:rPr>
-              <a:t> 嘿</a:t>
+              <a:t>  </a:t>
             </a:r>
             <a:r>
               <a:rPr lang="zh-TW" altLang="en-US" sz="4800" b="1" dirty="0">
@@ -4882,67 +4633,27 @@
                 <a:latin typeface="微軟正黑體" pitchFamily="34" charset="-120"/>
                 <a:ea typeface="微軟正黑體" pitchFamily="34" charset="-120"/>
               </a:rPr>
-              <a:t>嘿喲</a:t>
-            </a:r>
-            <a:r>
-              <a:rPr lang="en-US" altLang="zh-TW" sz="4800" b="1" dirty="0">
+              <a:t>主</a:t>
+            </a:r>
+            <a:r>
+              <a:rPr lang="zh-CN" altLang="en-US" sz="4800" b="1" dirty="0">
                 <a:solidFill>
                   <a:srgbClr val="660033"/>
                 </a:solidFill>
                 <a:latin typeface="微軟正黑體" pitchFamily="34" charset="-120"/>
                 <a:ea typeface="微軟正黑體" pitchFamily="34" charset="-120"/>
               </a:rPr>
-              <a:t> </a:t>
-            </a:r>
-            <a:r>
-              <a:rPr lang="en-US" altLang="zh-TW" sz="4800" b="1" dirty="0" smtClean="0">
+              <a:t>祢</a:t>
+            </a:r>
+            <a:r>
+              <a:rPr lang="zh-TW" altLang="en-US" sz="4800" b="1" dirty="0">
                 <a:solidFill>
                   <a:srgbClr val="660033"/>
                 </a:solidFill>
                 <a:latin typeface="微軟正黑體" pitchFamily="34" charset="-120"/>
                 <a:ea typeface="微軟正黑體" pitchFamily="34" charset="-120"/>
               </a:rPr>
-              <a:t> </a:t>
-            </a:r>
-            <a:r>
-              <a:rPr lang="zh-TW" altLang="en-US" sz="4800" b="1" dirty="0" smtClean="0">
-                <a:solidFill>
-                  <a:srgbClr val="660033"/>
-                </a:solidFill>
-                <a:latin typeface="微軟正黑體" pitchFamily="34" charset="-120"/>
-                <a:ea typeface="微軟正黑體" pitchFamily="34" charset="-120"/>
-              </a:rPr>
-              <a:t>主</a:t>
-            </a:r>
-            <a:r>
-              <a:rPr lang="zh-CN" altLang="en-US" sz="4800" b="1" dirty="0">
-                <a:solidFill>
-                  <a:srgbClr val="660033"/>
-                </a:solidFill>
-                <a:latin typeface="微軟正黑體" pitchFamily="34" charset="-120"/>
-                <a:ea typeface="微軟正黑體" pitchFamily="34" charset="-120"/>
-              </a:rPr>
-              <a:t>袮</a:t>
-            </a:r>
-            <a:r>
-              <a:rPr lang="zh-TW" altLang="en-US" sz="4800" b="1" dirty="0" smtClean="0">
-                <a:solidFill>
-                  <a:srgbClr val="660033"/>
-                </a:solidFill>
-                <a:latin typeface="微軟正黑體" pitchFamily="34" charset="-120"/>
-                <a:ea typeface="微軟正黑體" pitchFamily="34" charset="-120"/>
-              </a:rPr>
-              <a:t>與</a:t>
-            </a:r>
-            <a:r>
-              <a:rPr lang="zh-TW" altLang="en-US" sz="4800" b="1" dirty="0">
-                <a:solidFill>
-                  <a:srgbClr val="660033"/>
-                </a:solidFill>
-                <a:latin typeface="微軟正黑體" pitchFamily="34" charset="-120"/>
-                <a:ea typeface="微軟正黑體" pitchFamily="34" charset="-120"/>
-              </a:rPr>
-              <a:t>我同在</a:t>
+              <a:t>與我同在</a:t>
             </a:r>
             <a:endParaRPr lang="en-US" altLang="zh-TW" sz="4800" b="1" dirty="0">
               <a:solidFill>
@@ -4964,67 +4675,37 @@
                 <a:latin typeface="微軟正黑體" pitchFamily="34" charset="-120"/>
                 <a:ea typeface="微軟正黑體" pitchFamily="34" charset="-120"/>
               </a:rPr>
-              <a:t>袮</a:t>
-            </a:r>
-            <a:r>
-              <a:rPr lang="zh-TW" altLang="en-US" sz="4800" b="1" dirty="0" smtClean="0">
+              <a:t>祢</a:t>
+            </a:r>
+            <a:r>
+              <a:rPr lang="zh-TW" altLang="en-US" sz="4800" b="1" dirty="0">
                 <a:solidFill>
                   <a:srgbClr val="660033"/>
                 </a:solidFill>
                 <a:latin typeface="微軟正黑體" pitchFamily="34" charset="-120"/>
                 <a:ea typeface="微軟正黑體" pitchFamily="34" charset="-120"/>
               </a:rPr>
-              <a:t>的</a:t>
-            </a:r>
-            <a:r>
-              <a:rPr lang="zh-TW" altLang="en-US" sz="4800" b="1" dirty="0">
+              <a:t>的杖和</a:t>
+            </a:r>
+            <a:r>
+              <a:rPr lang="zh-CN" altLang="en-US" sz="4800" b="1" dirty="0">
                 <a:solidFill>
                   <a:srgbClr val="660033"/>
                 </a:solidFill>
                 <a:latin typeface="微軟正黑體" pitchFamily="34" charset="-120"/>
                 <a:ea typeface="微軟正黑體" pitchFamily="34" charset="-120"/>
               </a:rPr>
-              <a:t>杖</a:t>
-            </a:r>
-            <a:r>
-              <a:rPr lang="zh-TW" altLang="en-US" sz="4800" b="1" dirty="0" smtClean="0">
+              <a:t>祢</a:t>
+            </a:r>
+            <a:r>
+              <a:rPr lang="zh-TW" altLang="en-US" sz="4800" b="1" dirty="0">
                 <a:solidFill>
                   <a:srgbClr val="660033"/>
                 </a:solidFill>
                 <a:latin typeface="微軟正黑體" pitchFamily="34" charset="-120"/>
                 <a:ea typeface="微軟正黑體" pitchFamily="34" charset="-120"/>
               </a:rPr>
-              <a:t>和</a:t>
-            </a:r>
-            <a:r>
-              <a:rPr lang="zh-CN" altLang="en-US" sz="4800" b="1" dirty="0">
-                <a:solidFill>
-                  <a:srgbClr val="660033"/>
-                </a:solidFill>
-                <a:latin typeface="微軟正黑體" pitchFamily="34" charset="-120"/>
-                <a:ea typeface="微軟正黑體" pitchFamily="34" charset="-120"/>
-              </a:rPr>
-              <a:t>袮</a:t>
-            </a:r>
-            <a:r>
-              <a:rPr lang="zh-TW" altLang="en-US" sz="4800" b="1" dirty="0" smtClean="0">
-                <a:solidFill>
-                  <a:srgbClr val="660033"/>
-                </a:solidFill>
-                <a:latin typeface="微軟正黑體" pitchFamily="34" charset="-120"/>
-                <a:ea typeface="微軟正黑體" pitchFamily="34" charset="-120"/>
-              </a:rPr>
-              <a:t>的</a:t>
-            </a:r>
-            <a:r>
-              <a:rPr lang="zh-TW" altLang="en-US" sz="4800" b="1" dirty="0">
-                <a:solidFill>
-                  <a:srgbClr val="660033"/>
-                </a:solidFill>
-                <a:latin typeface="微軟正黑體" pitchFamily="34" charset="-120"/>
-                <a:ea typeface="微軟正黑體" pitchFamily="34" charset="-120"/>
-              </a:rPr>
-              <a:t>竿</a:t>
+              <a:t>的竿</a:t>
             </a:r>
             <a:r>
               <a:rPr lang="en-US" altLang="zh-TW" sz="4800" b="1" dirty="0">
@@ -5065,7 +4746,7 @@
         <p:spPr>
           <a:xfrm>
             <a:off x="0" y="3867894"/>
-            <a:ext cx="9144000" cy="584775"/>
+            <a:ext cx="9144000" cy="461665"/>
           </a:xfrm>
           <a:prstGeom prst="rect">
             <a:avLst/>
@@ -5080,7 +4761,7 @@
           <a:p>
             <a:pPr algn="ctr"/>
             <a:r>
-              <a:rPr lang="en-US" sz="3200" b="1" dirty="0" smtClean="0">
+              <a:rPr lang="en-US" sz="2400" b="1" dirty="0">
                 <a:solidFill>
                   <a:srgbClr val="660033"/>
                 </a:solidFill>
@@ -5090,17 +4771,17 @@
               <a:t>( </a:t>
             </a:r>
             <a:r>
-              <a:rPr lang="zh-CN" altLang="en-US" sz="3200" b="1" dirty="0" smtClean="0">
+              <a:rPr lang="zh-CN" altLang="en-US" sz="2400" b="1" dirty="0">
                 <a:solidFill>
                   <a:srgbClr val="660033"/>
                 </a:solidFill>
                 <a:latin typeface="Microsoft JhengHei" panose="020B0604030504040204" pitchFamily="34" charset="-120"/>
                 <a:ea typeface="Microsoft JhengHei" panose="020B0604030504040204" pitchFamily="34" charset="-120"/>
               </a:rPr>
-              <a:t>副 </a:t>
-            </a:r>
-            <a:r>
-              <a:rPr lang="en-US" altLang="zh-CN" sz="3200" b="1" dirty="0" smtClean="0">
+              <a:t>副歌 </a:t>
+            </a:r>
+            <a:r>
+              <a:rPr lang="en-US" altLang="zh-CN" sz="2400" b="1" dirty="0">
                 <a:solidFill>
                   <a:srgbClr val="660033"/>
                 </a:solidFill>
@@ -5110,26 +4791,16 @@
               <a:t>2</a:t>
             </a:r>
             <a:r>
-              <a:rPr lang="en-US" sz="3200" b="1" dirty="0" smtClean="0">
+              <a:rPr lang="en-US" sz="2400" b="1" dirty="0">
                 <a:solidFill>
                   <a:srgbClr val="660033"/>
                 </a:solidFill>
                 <a:latin typeface="Microsoft JhengHei" panose="020B0604030504040204" pitchFamily="34" charset="-120"/>
                 <a:ea typeface="Microsoft JhengHei" panose="020B0604030504040204" pitchFamily="34" charset="-120"/>
               </a:rPr>
-              <a:t> </a:t>
-            </a:r>
-            <a:r>
-              <a:rPr lang="en-US" sz="3200" b="1" dirty="0" smtClean="0">
-                <a:solidFill>
-                  <a:srgbClr val="660033"/>
-                </a:solidFill>
-                <a:latin typeface="Microsoft JhengHei" panose="020B0604030504040204" pitchFamily="34" charset="-120"/>
-                <a:ea typeface="Microsoft JhengHei" panose="020B0604030504040204" pitchFamily="34" charset="-120"/>
-              </a:rPr>
-              <a:t>)</a:t>
-            </a:r>
-            <a:endParaRPr lang="vi-VN" sz="3200" b="1" dirty="0">
+              <a:t> )</a:t>
+            </a:r>
+            <a:endParaRPr lang="vi-VN" sz="2400" b="1" dirty="0">
               <a:solidFill>
                 <a:srgbClr val="660033"/>
               </a:solidFill>
